--- a/sunum2.pptx
+++ b/sunum2.pptx
@@ -15,9 +15,10 @@
     <p:sldId id="262" r:id="rId9"/>
     <p:sldId id="263" r:id="rId10"/>
     <p:sldId id="264" r:id="rId11"/>
-    <p:sldId id="266" r:id="rId12"/>
-    <p:sldId id="267" r:id="rId13"/>
-    <p:sldId id="268" r:id="rId14"/>
+    <p:sldId id="269" r:id="rId12"/>
+    <p:sldId id="266" r:id="rId13"/>
+    <p:sldId id="267" r:id="rId14"/>
+    <p:sldId id="268" r:id="rId15"/>
   </p:sldIdLst>
   <p:sldSz cx="9144000" cy="6858000" type="screen4x3"/>
   <p:notesSz cx="6858000" cy="9144000"/>
@@ -778,7 +779,7 @@
             <a:fld id="{1D8BD707-D9CF-40AE-B4C6-C98DA3205C09}" type="datetimeFigureOut">
               <a:rPr lang="en-US" smtClean="0"/>
               <a:pPr/>
-              <a:t>5/19/2015</a:t>
+              <a:t>6/3/2015</a:t>
             </a:fld>
             <a:endParaRPr lang="en-US"/>
           </a:p>
@@ -963,7 +964,7 @@
             <a:fld id="{1D8BD707-D9CF-40AE-B4C6-C98DA3205C09}" type="datetimeFigureOut">
               <a:rPr lang="en-US" smtClean="0"/>
               <a:pPr/>
-              <a:t>5/19/2015</a:t>
+              <a:t>6/3/2015</a:t>
             </a:fld>
             <a:endParaRPr lang="en-US"/>
           </a:p>
@@ -1140,7 +1141,7 @@
             <a:fld id="{1D8BD707-D9CF-40AE-B4C6-C98DA3205C09}" type="datetimeFigureOut">
               <a:rPr lang="en-US" smtClean="0"/>
               <a:pPr/>
-              <a:t>5/19/2015</a:t>
+              <a:t>6/3/2015</a:t>
             </a:fld>
             <a:endParaRPr lang="en-US"/>
           </a:p>
@@ -1307,7 +1308,7 @@
             <a:fld id="{1D8BD707-D9CF-40AE-B4C6-C98DA3205C09}" type="datetimeFigureOut">
               <a:rPr lang="en-US" smtClean="0"/>
               <a:pPr/>
-              <a:t>5/19/2015</a:t>
+              <a:t>6/3/2015</a:t>
             </a:fld>
             <a:endParaRPr lang="en-US"/>
           </a:p>
@@ -1530,7 +1531,7 @@
             <a:fld id="{1D8BD707-D9CF-40AE-B4C6-C98DA3205C09}" type="datetimeFigureOut">
               <a:rPr lang="en-US" smtClean="0"/>
               <a:pPr/>
-              <a:t>5/19/2015</a:t>
+              <a:t>6/3/2015</a:t>
             </a:fld>
             <a:endParaRPr lang="en-US"/>
           </a:p>
@@ -1791,7 +1792,7 @@
             <a:fld id="{1D8BD707-D9CF-40AE-B4C6-C98DA3205C09}" type="datetimeFigureOut">
               <a:rPr lang="en-US" smtClean="0"/>
               <a:pPr/>
-              <a:t>5/19/2015</a:t>
+              <a:t>6/3/2015</a:t>
             </a:fld>
             <a:endParaRPr lang="en-US"/>
           </a:p>
@@ -2197,7 +2198,7 @@
             <a:fld id="{1D8BD707-D9CF-40AE-B4C6-C98DA3205C09}" type="datetimeFigureOut">
               <a:rPr lang="en-US" smtClean="0"/>
               <a:pPr/>
-              <a:t>5/19/2015</a:t>
+              <a:t>6/3/2015</a:t>
             </a:fld>
             <a:endParaRPr lang="en-US"/>
           </a:p>
@@ -2330,7 +2331,7 @@
             <a:fld id="{1D8BD707-D9CF-40AE-B4C6-C98DA3205C09}" type="datetimeFigureOut">
               <a:rPr lang="en-US" smtClean="0"/>
               <a:pPr/>
-              <a:t>5/19/2015</a:t>
+              <a:t>6/3/2015</a:t>
             </a:fld>
             <a:endParaRPr lang="en-US"/>
           </a:p>
@@ -2432,7 +2433,7 @@
             <a:fld id="{1D8BD707-D9CF-40AE-B4C6-C98DA3205C09}" type="datetimeFigureOut">
               <a:rPr lang="en-US" smtClean="0"/>
               <a:pPr/>
-              <a:t>5/19/2015</a:t>
+              <a:t>6/3/2015</a:t>
             </a:fld>
             <a:endParaRPr lang="en-US"/>
           </a:p>
@@ -2679,7 +2680,7 @@
             <a:fld id="{1D8BD707-D9CF-40AE-B4C6-C98DA3205C09}" type="datetimeFigureOut">
               <a:rPr lang="en-US" smtClean="0"/>
               <a:pPr/>
-              <a:t>5/19/2015</a:t>
+              <a:t>6/3/2015</a:t>
             </a:fld>
             <a:endParaRPr lang="en-US"/>
           </a:p>
@@ -2925,7 +2926,7 @@
             <a:fld id="{1D8BD707-D9CF-40AE-B4C6-C98DA3205C09}" type="datetimeFigureOut">
               <a:rPr lang="en-US" smtClean="0"/>
               <a:pPr/>
-              <a:t>5/19/2015</a:t>
+              <a:t>6/3/2015</a:t>
             </a:fld>
             <a:endParaRPr lang="en-US"/>
           </a:p>
@@ -3751,7 +3752,7 @@
             <a:fld id="{1D8BD707-D9CF-40AE-B4C6-C98DA3205C09}" type="datetimeFigureOut">
               <a:rPr lang="en-US" smtClean="0"/>
               <a:pPr/>
-              <a:t>5/19/2015</a:t>
+              <a:t>6/3/2015</a:t>
             </a:fld>
             <a:endParaRPr lang="en-US"/>
           </a:p>
@@ -4734,6 +4735,1249 @@
         </p:nvSpPr>
         <p:spPr>
           <a:xfrm>
+            <a:off x="3544019" y="658064"/>
+            <a:ext cx="1827744" cy="400110"/>
+          </a:xfrm>
+          <a:prstGeom prst="rect">
+            <a:avLst/>
+          </a:prstGeom>
+          <a:noFill/>
+        </p:spPr>
+        <p:txBody>
+          <a:bodyPr wrap="none" rtlCol="0">
+            <a:spAutoFit/>
+          </a:bodyPr>
+          <a:lstStyle/>
+          <a:p>
+            <a:pPr algn="ctr"/>
+            <a:r>
+              <a:rPr lang="tr-TR" sz="2000" dirty="0" smtClean="0"/>
+              <a:t>NAVIGATION</a:t>
+            </a:r>
+            <a:endParaRPr lang="tr-TR" sz="2000" dirty="0"/>
+          </a:p>
+        </p:txBody>
+      </p:sp>
+      <p:sp>
+        <p:nvSpPr>
+          <p:cNvPr id="5" name="TextBox 4"/>
+          <p:cNvSpPr txBox="1"/>
+          <p:nvPr/>
+        </p:nvSpPr>
+        <p:spPr>
+          <a:xfrm>
+            <a:off x="981974" y="1143000"/>
+            <a:ext cx="7480539" cy="1754326"/>
+          </a:xfrm>
+          <a:prstGeom prst="rect">
+            <a:avLst/>
+          </a:prstGeom>
+          <a:noFill/>
+        </p:spPr>
+        <p:txBody>
+          <a:bodyPr wrap="square" rtlCol="0">
+            <a:spAutoFit/>
+          </a:bodyPr>
+          <a:lstStyle/>
+          <a:p>
+            <a:pPr algn="just"/>
+            <a:r>
+              <a:rPr lang="tr-TR" dirty="0" smtClean="0"/>
+              <a:t>To increase the bandwith of the controllers, desired setpoints are defined in the velocity domain. </a:t>
+            </a:r>
+            <a:r>
+              <a:rPr lang="tr-TR" dirty="0" smtClean="0"/>
+              <a:t>Velocity setpoints are assumed to have the amplitude proportional with the euclidian distance of each agent to the desired goal state. The direction of these velocity setpoints must have a bearing angle of the line segment drawn from the agent to the goal state. </a:t>
+            </a:r>
+            <a:endParaRPr lang="tr-TR" dirty="0" smtClean="0"/>
+          </a:p>
+        </p:txBody>
+      </p:sp>
+      <p:sp>
+        <p:nvSpPr>
+          <p:cNvPr id="1026" name="Rectangle 2"/>
+          <p:cNvSpPr>
+            <a:spLocks noChangeArrowheads="1"/>
+          </p:cNvSpPr>
+          <p:nvPr/>
+        </p:nvSpPr>
+        <p:spPr bwMode="auto">
+          <a:xfrm>
+            <a:off x="0" y="0"/>
+            <a:ext cx="9144000" cy="457200"/>
+          </a:xfrm>
+          <a:prstGeom prst="rect">
+            <a:avLst/>
+          </a:prstGeom>
+          <a:noFill/>
+          <a:ln w="9525">
+            <a:noFill/>
+            <a:miter lim="800000"/>
+            <a:headEnd/>
+            <a:tailEnd/>
+          </a:ln>
+          <a:effectLst/>
+        </p:spPr>
+        <p:txBody>
+          <a:bodyPr vert="horz" wrap="none" lIns="91440" tIns="45720" rIns="91440" bIns="45720" numCol="1" anchor="ctr" anchorCtr="0" compatLnSpc="1">
+            <a:prstTxWarp prst="textNoShape">
+              <a:avLst/>
+            </a:prstTxWarp>
+            <a:spAutoFit/>
+          </a:bodyPr>
+          <a:lstStyle/>
+          <a:p>
+            <a:endParaRPr lang="tr-TR"/>
+          </a:p>
+        </p:txBody>
+      </p:sp>
+      <p:sp>
+        <p:nvSpPr>
+          <p:cNvPr id="1027" name="Rectangle 3"/>
+          <p:cNvSpPr>
+            <a:spLocks noChangeArrowheads="1"/>
+          </p:cNvSpPr>
+          <p:nvPr/>
+        </p:nvSpPr>
+        <p:spPr bwMode="auto">
+          <a:xfrm>
+            <a:off x="0" y="771525"/>
+            <a:ext cx="9144000" cy="0"/>
+          </a:xfrm>
+          <a:prstGeom prst="rect">
+            <a:avLst/>
+          </a:prstGeom>
+          <a:noFill/>
+          <a:ln w="9525">
+            <a:noFill/>
+            <a:miter lim="800000"/>
+            <a:headEnd/>
+            <a:tailEnd/>
+          </a:ln>
+          <a:effectLst/>
+        </p:spPr>
+        <p:txBody>
+          <a:bodyPr vert="horz" wrap="none" lIns="91440" tIns="45720" rIns="91440" bIns="45720" numCol="1" anchor="ctr" anchorCtr="0" compatLnSpc="1">
+            <a:prstTxWarp prst="textNoShape">
+              <a:avLst/>
+            </a:prstTxWarp>
+            <a:spAutoFit/>
+          </a:bodyPr>
+          <a:lstStyle/>
+          <a:p>
+            <a:pPr marL="0" marR="0" lvl="0" indent="0" algn="l" defTabSz="914400" rtl="0" eaLnBrk="1" fontAlgn="base" latinLnBrk="0" hangingPunct="1">
+              <a:lnSpc>
+                <a:spcPct val="100000"/>
+              </a:lnSpc>
+              <a:spcBef>
+                <a:spcPct val="0"/>
+              </a:spcBef>
+              <a:spcAft>
+                <a:spcPct val="0"/>
+              </a:spcAft>
+              <a:buClrTx/>
+              <a:buSzTx/>
+              <a:buFontTx/>
+              <a:buNone/>
+              <a:tabLst/>
+            </a:pPr>
+            <a:endParaRPr kumimoji="0" lang="tr-TR" sz="1800" b="0" i="0" u="none" strike="noStrike" cap="none" normalizeH="0" baseline="0" smtClean="0">
+              <a:ln>
+                <a:noFill/>
+              </a:ln>
+              <a:solidFill>
+                <a:schemeClr val="tx1"/>
+              </a:solidFill>
+              <a:effectLst/>
+              <a:latin typeface="Arial" pitchFamily="34" charset="0"/>
+              <a:cs typeface="Arial" pitchFamily="34" charset="0"/>
+            </a:endParaRPr>
+          </a:p>
+        </p:txBody>
+      </p:sp>
+      <p:sp>
+        <p:nvSpPr>
+          <p:cNvPr id="1029" name="Rectangle 5"/>
+          <p:cNvSpPr>
+            <a:spLocks noChangeArrowheads="1"/>
+          </p:cNvSpPr>
+          <p:nvPr/>
+        </p:nvSpPr>
+        <p:spPr bwMode="auto">
+          <a:xfrm>
+            <a:off x="0" y="0"/>
+            <a:ext cx="9144000" cy="457200"/>
+          </a:xfrm>
+          <a:prstGeom prst="rect">
+            <a:avLst/>
+          </a:prstGeom>
+          <a:noFill/>
+          <a:ln w="9525">
+            <a:noFill/>
+            <a:miter lim="800000"/>
+            <a:headEnd/>
+            <a:tailEnd/>
+          </a:ln>
+          <a:effectLst/>
+        </p:spPr>
+        <p:txBody>
+          <a:bodyPr vert="horz" wrap="none" lIns="91440" tIns="45720" rIns="91440" bIns="45720" numCol="1" anchor="ctr" anchorCtr="0" compatLnSpc="1">
+            <a:prstTxWarp prst="textNoShape">
+              <a:avLst/>
+            </a:prstTxWarp>
+            <a:spAutoFit/>
+          </a:bodyPr>
+          <a:lstStyle/>
+          <a:p>
+            <a:endParaRPr lang="tr-TR"/>
+          </a:p>
+        </p:txBody>
+      </p:sp>
+      <p:sp>
+        <p:nvSpPr>
+          <p:cNvPr id="1030" name="Rectangle 6"/>
+          <p:cNvSpPr>
+            <a:spLocks noChangeArrowheads="1"/>
+          </p:cNvSpPr>
+          <p:nvPr/>
+        </p:nvSpPr>
+        <p:spPr bwMode="auto">
+          <a:xfrm>
+            <a:off x="0" y="733425"/>
+            <a:ext cx="9144000" cy="0"/>
+          </a:xfrm>
+          <a:prstGeom prst="rect">
+            <a:avLst/>
+          </a:prstGeom>
+          <a:noFill/>
+          <a:ln w="9525">
+            <a:noFill/>
+            <a:miter lim="800000"/>
+            <a:headEnd/>
+            <a:tailEnd/>
+          </a:ln>
+          <a:effectLst/>
+        </p:spPr>
+        <p:txBody>
+          <a:bodyPr vert="horz" wrap="none" lIns="91440" tIns="45720" rIns="91440" bIns="45720" numCol="1" anchor="ctr" anchorCtr="0" compatLnSpc="1">
+            <a:prstTxWarp prst="textNoShape">
+              <a:avLst/>
+            </a:prstTxWarp>
+            <a:spAutoFit/>
+          </a:bodyPr>
+          <a:lstStyle/>
+          <a:p>
+            <a:pPr marL="0" marR="0" lvl="0" indent="0" algn="l" defTabSz="914400" rtl="0" eaLnBrk="1" fontAlgn="base" latinLnBrk="0" hangingPunct="1">
+              <a:lnSpc>
+                <a:spcPct val="100000"/>
+              </a:lnSpc>
+              <a:spcBef>
+                <a:spcPct val="0"/>
+              </a:spcBef>
+              <a:spcAft>
+                <a:spcPct val="0"/>
+              </a:spcAft>
+              <a:buClrTx/>
+              <a:buSzTx/>
+              <a:buFontTx/>
+              <a:buNone/>
+              <a:tabLst/>
+            </a:pPr>
+            <a:endParaRPr kumimoji="0" lang="tr-TR" sz="1800" b="0" i="0" u="none" strike="noStrike" cap="none" normalizeH="0" baseline="0" smtClean="0">
+              <a:ln>
+                <a:noFill/>
+              </a:ln>
+              <a:solidFill>
+                <a:schemeClr val="tx1"/>
+              </a:solidFill>
+              <a:effectLst/>
+              <a:latin typeface="Arial" pitchFamily="34" charset="0"/>
+              <a:cs typeface="Arial" pitchFamily="34" charset="0"/>
+            </a:endParaRPr>
+          </a:p>
+        </p:txBody>
+      </p:sp>
+      <p:sp>
+        <p:nvSpPr>
+          <p:cNvPr id="1032" name="Rectangle 8"/>
+          <p:cNvSpPr>
+            <a:spLocks noChangeArrowheads="1"/>
+          </p:cNvSpPr>
+          <p:nvPr/>
+        </p:nvSpPr>
+        <p:spPr bwMode="auto">
+          <a:xfrm>
+            <a:off x="0" y="0"/>
+            <a:ext cx="9144000" cy="457200"/>
+          </a:xfrm>
+          <a:prstGeom prst="rect">
+            <a:avLst/>
+          </a:prstGeom>
+          <a:noFill/>
+          <a:ln w="9525">
+            <a:noFill/>
+            <a:miter lim="800000"/>
+            <a:headEnd/>
+            <a:tailEnd/>
+          </a:ln>
+          <a:effectLst/>
+        </p:spPr>
+        <p:txBody>
+          <a:bodyPr vert="horz" wrap="none" lIns="91440" tIns="45720" rIns="91440" bIns="45720" numCol="1" anchor="ctr" anchorCtr="0" compatLnSpc="1">
+            <a:prstTxWarp prst="textNoShape">
+              <a:avLst/>
+            </a:prstTxWarp>
+            <a:spAutoFit/>
+          </a:bodyPr>
+          <a:lstStyle/>
+          <a:p>
+            <a:endParaRPr lang="tr-TR"/>
+          </a:p>
+        </p:txBody>
+      </p:sp>
+      <p:sp>
+        <p:nvSpPr>
+          <p:cNvPr id="1033" name="Rectangle 9"/>
+          <p:cNvSpPr>
+            <a:spLocks noChangeArrowheads="1"/>
+          </p:cNvSpPr>
+          <p:nvPr/>
+        </p:nvSpPr>
+        <p:spPr bwMode="auto">
+          <a:xfrm>
+            <a:off x="0" y="790575"/>
+            <a:ext cx="9144000" cy="0"/>
+          </a:xfrm>
+          <a:prstGeom prst="rect">
+            <a:avLst/>
+          </a:prstGeom>
+          <a:noFill/>
+          <a:ln w="9525">
+            <a:noFill/>
+            <a:miter lim="800000"/>
+            <a:headEnd/>
+            <a:tailEnd/>
+          </a:ln>
+          <a:effectLst/>
+        </p:spPr>
+        <p:txBody>
+          <a:bodyPr vert="horz" wrap="none" lIns="91440" tIns="45720" rIns="91440" bIns="45720" numCol="1" anchor="ctr" anchorCtr="0" compatLnSpc="1">
+            <a:prstTxWarp prst="textNoShape">
+              <a:avLst/>
+            </a:prstTxWarp>
+            <a:spAutoFit/>
+          </a:bodyPr>
+          <a:lstStyle/>
+          <a:p>
+            <a:pPr marL="0" marR="0" lvl="0" indent="0" algn="l" defTabSz="914400" rtl="0" eaLnBrk="1" fontAlgn="base" latinLnBrk="0" hangingPunct="1">
+              <a:lnSpc>
+                <a:spcPct val="100000"/>
+              </a:lnSpc>
+              <a:spcBef>
+                <a:spcPct val="0"/>
+              </a:spcBef>
+              <a:spcAft>
+                <a:spcPct val="0"/>
+              </a:spcAft>
+              <a:buClrTx/>
+              <a:buSzTx/>
+              <a:buFontTx/>
+              <a:buNone/>
+              <a:tabLst/>
+            </a:pPr>
+            <a:endParaRPr kumimoji="0" lang="tr-TR" sz="1800" b="0" i="0" u="none" strike="noStrike" cap="none" normalizeH="0" baseline="0" smtClean="0">
+              <a:ln>
+                <a:noFill/>
+              </a:ln>
+              <a:solidFill>
+                <a:schemeClr val="tx1"/>
+              </a:solidFill>
+              <a:effectLst/>
+              <a:latin typeface="Arial" pitchFamily="34" charset="0"/>
+              <a:cs typeface="Arial" pitchFamily="34" charset="0"/>
+            </a:endParaRPr>
+          </a:p>
+        </p:txBody>
+      </p:sp>
+      <p:sp>
+        <p:nvSpPr>
+          <p:cNvPr id="1035" name="Rectangle 11"/>
+          <p:cNvSpPr>
+            <a:spLocks noChangeArrowheads="1"/>
+          </p:cNvSpPr>
+          <p:nvPr/>
+        </p:nvSpPr>
+        <p:spPr bwMode="auto">
+          <a:xfrm>
+            <a:off x="0" y="0"/>
+            <a:ext cx="9144000" cy="457200"/>
+          </a:xfrm>
+          <a:prstGeom prst="rect">
+            <a:avLst/>
+          </a:prstGeom>
+          <a:noFill/>
+          <a:ln w="9525">
+            <a:noFill/>
+            <a:miter lim="800000"/>
+            <a:headEnd/>
+            <a:tailEnd/>
+          </a:ln>
+          <a:effectLst/>
+        </p:spPr>
+        <p:txBody>
+          <a:bodyPr vert="horz" wrap="none" lIns="91440" tIns="45720" rIns="91440" bIns="45720" numCol="1" anchor="ctr" anchorCtr="0" compatLnSpc="1">
+            <a:prstTxWarp prst="textNoShape">
+              <a:avLst/>
+            </a:prstTxWarp>
+            <a:spAutoFit/>
+          </a:bodyPr>
+          <a:lstStyle/>
+          <a:p>
+            <a:endParaRPr lang="tr-TR"/>
+          </a:p>
+        </p:txBody>
+      </p:sp>
+      <p:sp>
+        <p:nvSpPr>
+          <p:cNvPr id="1036" name="Rectangle 12"/>
+          <p:cNvSpPr>
+            <a:spLocks noChangeArrowheads="1"/>
+          </p:cNvSpPr>
+          <p:nvPr/>
+        </p:nvSpPr>
+        <p:spPr bwMode="auto">
+          <a:xfrm>
+            <a:off x="0" y="847725"/>
+            <a:ext cx="9144000" cy="0"/>
+          </a:xfrm>
+          <a:prstGeom prst="rect">
+            <a:avLst/>
+          </a:prstGeom>
+          <a:noFill/>
+          <a:ln w="9525">
+            <a:noFill/>
+            <a:miter lim="800000"/>
+            <a:headEnd/>
+            <a:tailEnd/>
+          </a:ln>
+          <a:effectLst/>
+        </p:spPr>
+        <p:txBody>
+          <a:bodyPr vert="horz" wrap="none" lIns="91440" tIns="45720" rIns="91440" bIns="45720" numCol="1" anchor="ctr" anchorCtr="0" compatLnSpc="1">
+            <a:prstTxWarp prst="textNoShape">
+              <a:avLst/>
+            </a:prstTxWarp>
+            <a:spAutoFit/>
+          </a:bodyPr>
+          <a:lstStyle/>
+          <a:p>
+            <a:pPr marL="0" marR="0" lvl="0" indent="0" algn="l" defTabSz="914400" rtl="0" eaLnBrk="1" fontAlgn="base" latinLnBrk="0" hangingPunct="1">
+              <a:lnSpc>
+                <a:spcPct val="100000"/>
+              </a:lnSpc>
+              <a:spcBef>
+                <a:spcPct val="0"/>
+              </a:spcBef>
+              <a:spcAft>
+                <a:spcPct val="0"/>
+              </a:spcAft>
+              <a:buClrTx/>
+              <a:buSzTx/>
+              <a:buFontTx/>
+              <a:buNone/>
+              <a:tabLst/>
+            </a:pPr>
+            <a:endParaRPr kumimoji="0" lang="tr-TR" sz="1800" b="0" i="0" u="none" strike="noStrike" cap="none" normalizeH="0" baseline="0" smtClean="0">
+              <a:ln>
+                <a:noFill/>
+              </a:ln>
+              <a:solidFill>
+                <a:schemeClr val="tx1"/>
+              </a:solidFill>
+              <a:effectLst/>
+              <a:latin typeface="Arial" pitchFamily="34" charset="0"/>
+              <a:cs typeface="Arial" pitchFamily="34" charset="0"/>
+            </a:endParaRPr>
+          </a:p>
+        </p:txBody>
+      </p:sp>
+      <p:sp>
+        <p:nvSpPr>
+          <p:cNvPr id="1038" name="Rectangle 14"/>
+          <p:cNvSpPr>
+            <a:spLocks noChangeArrowheads="1"/>
+          </p:cNvSpPr>
+          <p:nvPr/>
+        </p:nvSpPr>
+        <p:spPr bwMode="auto">
+          <a:xfrm>
+            <a:off x="0" y="0"/>
+            <a:ext cx="9144000" cy="457200"/>
+          </a:xfrm>
+          <a:prstGeom prst="rect">
+            <a:avLst/>
+          </a:prstGeom>
+          <a:noFill/>
+          <a:ln w="9525">
+            <a:noFill/>
+            <a:miter lim="800000"/>
+            <a:headEnd/>
+            <a:tailEnd/>
+          </a:ln>
+          <a:effectLst/>
+        </p:spPr>
+        <p:txBody>
+          <a:bodyPr vert="horz" wrap="none" lIns="91440" tIns="45720" rIns="91440" bIns="45720" numCol="1" anchor="ctr" anchorCtr="0" compatLnSpc="1">
+            <a:prstTxWarp prst="textNoShape">
+              <a:avLst/>
+            </a:prstTxWarp>
+            <a:spAutoFit/>
+          </a:bodyPr>
+          <a:lstStyle/>
+          <a:p>
+            <a:endParaRPr lang="tr-TR"/>
+          </a:p>
+        </p:txBody>
+      </p:sp>
+      <p:sp>
+        <p:nvSpPr>
+          <p:cNvPr id="1039" name="Rectangle 15"/>
+          <p:cNvSpPr>
+            <a:spLocks noChangeArrowheads="1"/>
+          </p:cNvSpPr>
+          <p:nvPr/>
+        </p:nvSpPr>
+        <p:spPr bwMode="auto">
+          <a:xfrm>
+            <a:off x="0" y="790575"/>
+            <a:ext cx="9144000" cy="0"/>
+          </a:xfrm>
+          <a:prstGeom prst="rect">
+            <a:avLst/>
+          </a:prstGeom>
+          <a:noFill/>
+          <a:ln w="9525">
+            <a:noFill/>
+            <a:miter lim="800000"/>
+            <a:headEnd/>
+            <a:tailEnd/>
+          </a:ln>
+          <a:effectLst/>
+        </p:spPr>
+        <p:txBody>
+          <a:bodyPr vert="horz" wrap="none" lIns="91440" tIns="45720" rIns="91440" bIns="45720" numCol="1" anchor="ctr" anchorCtr="0" compatLnSpc="1">
+            <a:prstTxWarp prst="textNoShape">
+              <a:avLst/>
+            </a:prstTxWarp>
+            <a:spAutoFit/>
+          </a:bodyPr>
+          <a:lstStyle/>
+          <a:p>
+            <a:pPr marL="0" marR="0" lvl="0" indent="0" algn="l" defTabSz="914400" rtl="0" eaLnBrk="1" fontAlgn="base" latinLnBrk="0" hangingPunct="1">
+              <a:lnSpc>
+                <a:spcPct val="100000"/>
+              </a:lnSpc>
+              <a:spcBef>
+                <a:spcPct val="0"/>
+              </a:spcBef>
+              <a:spcAft>
+                <a:spcPct val="0"/>
+              </a:spcAft>
+              <a:buClrTx/>
+              <a:buSzTx/>
+              <a:buFontTx/>
+              <a:buNone/>
+              <a:tabLst/>
+            </a:pPr>
+            <a:endParaRPr kumimoji="0" lang="tr-TR" sz="1800" b="0" i="0" u="none" strike="noStrike" cap="none" normalizeH="0" baseline="0" smtClean="0">
+              <a:ln>
+                <a:noFill/>
+              </a:ln>
+              <a:solidFill>
+                <a:schemeClr val="tx1"/>
+              </a:solidFill>
+              <a:effectLst/>
+              <a:latin typeface="Arial" pitchFamily="34" charset="0"/>
+              <a:cs typeface="Arial" pitchFamily="34" charset="0"/>
+            </a:endParaRPr>
+          </a:p>
+        </p:txBody>
+      </p:sp>
+      <p:sp>
+        <p:nvSpPr>
+          <p:cNvPr id="1042" name="Rectangle 18"/>
+          <p:cNvSpPr>
+            <a:spLocks noChangeArrowheads="1"/>
+          </p:cNvSpPr>
+          <p:nvPr/>
+        </p:nvSpPr>
+        <p:spPr bwMode="auto">
+          <a:xfrm>
+            <a:off x="0" y="0"/>
+            <a:ext cx="9144000" cy="457200"/>
+          </a:xfrm>
+          <a:prstGeom prst="rect">
+            <a:avLst/>
+          </a:prstGeom>
+          <a:noFill/>
+          <a:ln w="9525">
+            <a:noFill/>
+            <a:miter lim="800000"/>
+            <a:headEnd/>
+            <a:tailEnd/>
+          </a:ln>
+          <a:effectLst/>
+        </p:spPr>
+        <p:txBody>
+          <a:bodyPr vert="horz" wrap="none" lIns="91440" tIns="45720" rIns="91440" bIns="45720" numCol="1" anchor="ctr" anchorCtr="0" compatLnSpc="1">
+            <a:prstTxWarp prst="textNoShape">
+              <a:avLst/>
+            </a:prstTxWarp>
+            <a:spAutoFit/>
+          </a:bodyPr>
+          <a:lstStyle/>
+          <a:p>
+            <a:endParaRPr lang="tr-TR"/>
+          </a:p>
+        </p:txBody>
+      </p:sp>
+      <p:sp>
+        <p:nvSpPr>
+          <p:cNvPr id="1043" name="Rectangle 19"/>
+          <p:cNvSpPr>
+            <a:spLocks noChangeArrowheads="1"/>
+          </p:cNvSpPr>
+          <p:nvPr/>
+        </p:nvSpPr>
+        <p:spPr bwMode="auto">
+          <a:xfrm>
+            <a:off x="0" y="666750"/>
+            <a:ext cx="9144000" cy="0"/>
+          </a:xfrm>
+          <a:prstGeom prst="rect">
+            <a:avLst/>
+          </a:prstGeom>
+          <a:noFill/>
+          <a:ln w="9525">
+            <a:noFill/>
+            <a:miter lim="800000"/>
+            <a:headEnd/>
+            <a:tailEnd/>
+          </a:ln>
+          <a:effectLst/>
+        </p:spPr>
+        <p:txBody>
+          <a:bodyPr vert="horz" wrap="none" lIns="91440" tIns="45720" rIns="91440" bIns="45720" numCol="1" anchor="ctr" anchorCtr="0" compatLnSpc="1">
+            <a:prstTxWarp prst="textNoShape">
+              <a:avLst/>
+            </a:prstTxWarp>
+            <a:spAutoFit/>
+          </a:bodyPr>
+          <a:lstStyle/>
+          <a:p>
+            <a:pPr marL="0" marR="0" lvl="0" indent="0" algn="l" defTabSz="914400" rtl="0" eaLnBrk="1" fontAlgn="base" latinLnBrk="0" hangingPunct="1">
+              <a:lnSpc>
+                <a:spcPct val="100000"/>
+              </a:lnSpc>
+              <a:spcBef>
+                <a:spcPct val="0"/>
+              </a:spcBef>
+              <a:spcAft>
+                <a:spcPct val="0"/>
+              </a:spcAft>
+              <a:buClrTx/>
+              <a:buSzTx/>
+              <a:buFontTx/>
+              <a:buNone/>
+              <a:tabLst/>
+            </a:pPr>
+            <a:endParaRPr kumimoji="0" lang="tr-TR" sz="1800" b="0" i="0" u="none" strike="noStrike" cap="none" normalizeH="0" baseline="0" smtClean="0">
+              <a:ln>
+                <a:noFill/>
+              </a:ln>
+              <a:solidFill>
+                <a:schemeClr val="tx1"/>
+              </a:solidFill>
+              <a:effectLst/>
+              <a:latin typeface="Arial" pitchFamily="34" charset="0"/>
+              <a:cs typeface="Arial" pitchFamily="34" charset="0"/>
+            </a:endParaRPr>
+          </a:p>
+        </p:txBody>
+      </p:sp>
+      <p:sp>
+        <p:nvSpPr>
+          <p:cNvPr id="1044" name="Rectangle 20"/>
+          <p:cNvSpPr>
+            <a:spLocks noChangeArrowheads="1"/>
+          </p:cNvSpPr>
+          <p:nvPr/>
+        </p:nvSpPr>
+        <p:spPr bwMode="auto">
+          <a:xfrm>
+            <a:off x="0" y="857250"/>
+            <a:ext cx="9144000" cy="0"/>
+          </a:xfrm>
+          <a:prstGeom prst="rect">
+            <a:avLst/>
+          </a:prstGeom>
+          <a:noFill/>
+          <a:ln w="9525">
+            <a:noFill/>
+            <a:miter lim="800000"/>
+            <a:headEnd/>
+            <a:tailEnd/>
+          </a:ln>
+          <a:effectLst/>
+        </p:spPr>
+        <p:txBody>
+          <a:bodyPr vert="horz" wrap="none" lIns="91440" tIns="45720" rIns="91440" bIns="45720" numCol="1" anchor="ctr" anchorCtr="0" compatLnSpc="1">
+            <a:prstTxWarp prst="textNoShape">
+              <a:avLst/>
+            </a:prstTxWarp>
+            <a:spAutoFit/>
+          </a:bodyPr>
+          <a:lstStyle/>
+          <a:p>
+            <a:pPr marL="0" marR="0" lvl="0" indent="0" algn="l" defTabSz="914400" rtl="0" eaLnBrk="1" fontAlgn="base" latinLnBrk="0" hangingPunct="1">
+              <a:lnSpc>
+                <a:spcPct val="100000"/>
+              </a:lnSpc>
+              <a:spcBef>
+                <a:spcPct val="0"/>
+              </a:spcBef>
+              <a:spcAft>
+                <a:spcPct val="0"/>
+              </a:spcAft>
+              <a:buClrTx/>
+              <a:buSzTx/>
+              <a:buFontTx/>
+              <a:buNone/>
+              <a:tabLst/>
+            </a:pPr>
+            <a:endParaRPr kumimoji="0" lang="tr-TR" sz="1800" b="0" i="0" u="none" strike="noStrike" cap="none" normalizeH="0" baseline="0" smtClean="0">
+              <a:ln>
+                <a:noFill/>
+              </a:ln>
+              <a:solidFill>
+                <a:schemeClr val="tx1"/>
+              </a:solidFill>
+              <a:effectLst/>
+              <a:latin typeface="Arial" pitchFamily="34" charset="0"/>
+              <a:cs typeface="Arial" pitchFamily="34" charset="0"/>
+            </a:endParaRPr>
+          </a:p>
+        </p:txBody>
+      </p:sp>
+      <p:sp>
+        <p:nvSpPr>
+          <p:cNvPr id="1046" name="Rectangle 22"/>
+          <p:cNvSpPr>
+            <a:spLocks noChangeArrowheads="1"/>
+          </p:cNvSpPr>
+          <p:nvPr/>
+        </p:nvSpPr>
+        <p:spPr bwMode="auto">
+          <a:xfrm>
+            <a:off x="0" y="0"/>
+            <a:ext cx="9144000" cy="457200"/>
+          </a:xfrm>
+          <a:prstGeom prst="rect">
+            <a:avLst/>
+          </a:prstGeom>
+          <a:noFill/>
+          <a:ln w="9525">
+            <a:noFill/>
+            <a:miter lim="800000"/>
+            <a:headEnd/>
+            <a:tailEnd/>
+          </a:ln>
+          <a:effectLst/>
+        </p:spPr>
+        <p:txBody>
+          <a:bodyPr vert="horz" wrap="none" lIns="91440" tIns="45720" rIns="91440" bIns="45720" numCol="1" anchor="ctr" anchorCtr="0" compatLnSpc="1">
+            <a:prstTxWarp prst="textNoShape">
+              <a:avLst/>
+            </a:prstTxWarp>
+            <a:spAutoFit/>
+          </a:bodyPr>
+          <a:lstStyle/>
+          <a:p>
+            <a:endParaRPr lang="tr-TR"/>
+          </a:p>
+        </p:txBody>
+      </p:sp>
+      <p:sp>
+        <p:nvSpPr>
+          <p:cNvPr id="1047" name="Rectangle 23"/>
+          <p:cNvSpPr>
+            <a:spLocks noChangeArrowheads="1"/>
+          </p:cNvSpPr>
+          <p:nvPr/>
+        </p:nvSpPr>
+        <p:spPr bwMode="auto">
+          <a:xfrm>
+            <a:off x="0" y="666750"/>
+            <a:ext cx="9144000" cy="0"/>
+          </a:xfrm>
+          <a:prstGeom prst="rect">
+            <a:avLst/>
+          </a:prstGeom>
+          <a:noFill/>
+          <a:ln w="9525">
+            <a:noFill/>
+            <a:miter lim="800000"/>
+            <a:headEnd/>
+            <a:tailEnd/>
+          </a:ln>
+          <a:effectLst/>
+        </p:spPr>
+        <p:txBody>
+          <a:bodyPr vert="horz" wrap="none" lIns="91440" tIns="45720" rIns="91440" bIns="45720" numCol="1" anchor="ctr" anchorCtr="0" compatLnSpc="1">
+            <a:prstTxWarp prst="textNoShape">
+              <a:avLst/>
+            </a:prstTxWarp>
+            <a:spAutoFit/>
+          </a:bodyPr>
+          <a:lstStyle/>
+          <a:p>
+            <a:pPr marL="0" marR="0" lvl="0" indent="0" algn="l" defTabSz="914400" rtl="0" eaLnBrk="1" fontAlgn="base" latinLnBrk="0" hangingPunct="1">
+              <a:lnSpc>
+                <a:spcPct val="100000"/>
+              </a:lnSpc>
+              <a:spcBef>
+                <a:spcPct val="0"/>
+              </a:spcBef>
+              <a:spcAft>
+                <a:spcPct val="0"/>
+              </a:spcAft>
+              <a:buClrTx/>
+              <a:buSzTx/>
+              <a:buFontTx/>
+              <a:buNone/>
+              <a:tabLst/>
+            </a:pPr>
+            <a:endParaRPr kumimoji="0" lang="tr-TR" sz="1800" b="0" i="0" u="none" strike="noStrike" cap="none" normalizeH="0" baseline="0" smtClean="0">
+              <a:ln>
+                <a:noFill/>
+              </a:ln>
+              <a:solidFill>
+                <a:schemeClr val="tx1"/>
+              </a:solidFill>
+              <a:effectLst/>
+              <a:latin typeface="Arial" pitchFamily="34" charset="0"/>
+              <a:cs typeface="Arial" pitchFamily="34" charset="0"/>
+            </a:endParaRPr>
+          </a:p>
+        </p:txBody>
+      </p:sp>
+      <p:grpSp>
+        <p:nvGrpSpPr>
+          <p:cNvPr id="41" name="Group 40"/>
+          <p:cNvGrpSpPr/>
+          <p:nvPr/>
+        </p:nvGrpSpPr>
+        <p:grpSpPr>
+          <a:xfrm>
+            <a:off x="2268747" y="3562709"/>
+            <a:ext cx="4581682" cy="1639019"/>
+            <a:chOff x="2355011" y="3165894"/>
+            <a:chExt cx="4581682" cy="1639019"/>
+          </a:xfrm>
+        </p:grpSpPr>
+        <p:sp>
+          <p:nvSpPr>
+            <p:cNvPr id="28" name="Oval 27"/>
+            <p:cNvSpPr/>
+            <p:nvPr/>
+          </p:nvSpPr>
+          <p:spPr>
+            <a:xfrm>
+              <a:off x="2355011" y="4235570"/>
+              <a:ext cx="638355" cy="569343"/>
+            </a:xfrm>
+            <a:prstGeom prst="ellipse">
+              <a:avLst/>
+            </a:prstGeom>
+            <a:noFill/>
+          </p:spPr>
+          <p:style>
+            <a:lnRef idx="2">
+              <a:schemeClr val="accent1">
+                <a:shade val="50000"/>
+              </a:schemeClr>
+            </a:lnRef>
+            <a:fillRef idx="1">
+              <a:schemeClr val="accent1"/>
+            </a:fillRef>
+            <a:effectRef idx="0">
+              <a:schemeClr val="accent1"/>
+            </a:effectRef>
+            <a:fontRef idx="minor">
+              <a:schemeClr val="lt1"/>
+            </a:fontRef>
+          </p:style>
+          <p:txBody>
+            <a:bodyPr rtlCol="0" anchor="ctr"/>
+            <a:lstStyle/>
+            <a:p>
+              <a:pPr algn="ctr"/>
+              <a:endParaRPr lang="tr-TR"/>
+            </a:p>
+          </p:txBody>
+        </p:sp>
+        <p:sp>
+          <p:nvSpPr>
+            <p:cNvPr id="29" name="TextBox 28"/>
+            <p:cNvSpPr txBox="1"/>
+            <p:nvPr/>
+          </p:nvSpPr>
+          <p:spPr>
+            <a:xfrm>
+              <a:off x="2458529" y="4347714"/>
+              <a:ext cx="439544" cy="369332"/>
+            </a:xfrm>
+            <a:prstGeom prst="rect">
+              <a:avLst/>
+            </a:prstGeom>
+            <a:noFill/>
+          </p:spPr>
+          <p:txBody>
+            <a:bodyPr wrap="none" rtlCol="0">
+              <a:spAutoFit/>
+            </a:bodyPr>
+            <a:lstStyle/>
+            <a:p>
+              <a:r>
+                <a:rPr lang="tr-TR" dirty="0" smtClean="0"/>
+                <a:t>A1</a:t>
+              </a:r>
+              <a:endParaRPr lang="tr-TR" dirty="0"/>
+            </a:p>
+          </p:txBody>
+        </p:sp>
+        <p:sp>
+          <p:nvSpPr>
+            <p:cNvPr id="30" name="Oval 29"/>
+            <p:cNvSpPr/>
+            <p:nvPr/>
+          </p:nvSpPr>
+          <p:spPr>
+            <a:xfrm>
+              <a:off x="5727940" y="3165894"/>
+              <a:ext cx="45719" cy="60385"/>
+            </a:xfrm>
+            <a:prstGeom prst="ellipse">
+              <a:avLst/>
+            </a:prstGeom>
+          </p:spPr>
+          <p:style>
+            <a:lnRef idx="2">
+              <a:schemeClr val="accent1">
+                <a:shade val="50000"/>
+              </a:schemeClr>
+            </a:lnRef>
+            <a:fillRef idx="1">
+              <a:schemeClr val="accent1"/>
+            </a:fillRef>
+            <a:effectRef idx="0">
+              <a:schemeClr val="accent1"/>
+            </a:effectRef>
+            <a:fontRef idx="minor">
+              <a:schemeClr val="lt1"/>
+            </a:fontRef>
+          </p:style>
+          <p:txBody>
+            <a:bodyPr rtlCol="0" anchor="ctr"/>
+            <a:lstStyle/>
+            <a:p>
+              <a:pPr algn="ctr"/>
+              <a:endParaRPr lang="tr-TR"/>
+            </a:p>
+          </p:txBody>
+        </p:sp>
+        <p:sp>
+          <p:nvSpPr>
+            <p:cNvPr id="31" name="TextBox 30"/>
+            <p:cNvSpPr txBox="1"/>
+            <p:nvPr/>
+          </p:nvSpPr>
+          <p:spPr>
+            <a:xfrm>
+              <a:off x="5702060" y="3243532"/>
+              <a:ext cx="1234633" cy="369332"/>
+            </a:xfrm>
+            <a:prstGeom prst="rect">
+              <a:avLst/>
+            </a:prstGeom>
+            <a:noFill/>
+          </p:spPr>
+          <p:txBody>
+            <a:bodyPr wrap="none" rtlCol="0">
+              <a:spAutoFit/>
+            </a:bodyPr>
+            <a:lstStyle/>
+            <a:p>
+              <a:r>
+                <a:rPr lang="tr-TR" dirty="0" smtClean="0"/>
+                <a:t>Goal State</a:t>
+              </a:r>
+              <a:endParaRPr lang="tr-TR" dirty="0"/>
+            </a:p>
+          </p:txBody>
+        </p:sp>
+        <p:cxnSp>
+          <p:nvCxnSpPr>
+            <p:cNvPr id="35" name="Straight Arrow Connector 34"/>
+            <p:cNvCxnSpPr>
+              <a:stCxn id="28" idx="7"/>
+            </p:cNvCxnSpPr>
+            <p:nvPr/>
+          </p:nvCxnSpPr>
+          <p:spPr>
+            <a:xfrm rot="5400000" flipH="1" flipV="1">
+              <a:off x="3733070" y="2375837"/>
+              <a:ext cx="1109922" cy="2776300"/>
+            </a:xfrm>
+            <a:prstGeom prst="straightConnector1">
+              <a:avLst/>
+            </a:prstGeom>
+            <a:ln>
+              <a:tailEnd type="arrow"/>
+            </a:ln>
+          </p:spPr>
+          <p:style>
+            <a:lnRef idx="1">
+              <a:schemeClr val="accent1"/>
+            </a:lnRef>
+            <a:fillRef idx="0">
+              <a:schemeClr val="accent1"/>
+            </a:fillRef>
+            <a:effectRef idx="0">
+              <a:schemeClr val="accent1"/>
+            </a:effectRef>
+            <a:fontRef idx="minor">
+              <a:schemeClr val="tx1"/>
+            </a:fontRef>
+          </p:style>
+        </p:cxnSp>
+        <p:sp>
+          <p:nvSpPr>
+            <p:cNvPr id="36" name="Freeform 35"/>
+            <p:cNvSpPr/>
+            <p:nvPr/>
+          </p:nvSpPr>
+          <p:spPr>
+            <a:xfrm>
+              <a:off x="3493698" y="4106174"/>
+              <a:ext cx="112143" cy="189781"/>
+            </a:xfrm>
+            <a:custGeom>
+              <a:avLst/>
+              <a:gdLst>
+                <a:gd name="connsiteX0" fmla="*/ 51759 w 112143"/>
+                <a:gd name="connsiteY0" fmla="*/ 189781 h 189781"/>
+                <a:gd name="connsiteX1" fmla="*/ 103517 w 112143"/>
+                <a:gd name="connsiteY1" fmla="*/ 69011 h 189781"/>
+                <a:gd name="connsiteX2" fmla="*/ 0 w 112143"/>
+                <a:gd name="connsiteY2" fmla="*/ 0 h 189781"/>
+                <a:gd name="connsiteX3" fmla="*/ 0 w 112143"/>
+                <a:gd name="connsiteY3" fmla="*/ 0 h 189781"/>
+              </a:gdLst>
+              <a:ahLst/>
+              <a:cxnLst>
+                <a:cxn ang="0">
+                  <a:pos x="connsiteX0" y="connsiteY0"/>
+                </a:cxn>
+                <a:cxn ang="0">
+                  <a:pos x="connsiteX1" y="connsiteY1"/>
+                </a:cxn>
+                <a:cxn ang="0">
+                  <a:pos x="connsiteX2" y="connsiteY2"/>
+                </a:cxn>
+                <a:cxn ang="0">
+                  <a:pos x="connsiteX3" y="connsiteY3"/>
+                </a:cxn>
+              </a:cxnLst>
+              <a:rect l="l" t="t" r="r" b="b"/>
+              <a:pathLst>
+                <a:path w="112143" h="189781">
+                  <a:moveTo>
+                    <a:pt x="51759" y="189781"/>
+                  </a:moveTo>
+                  <a:cubicBezTo>
+                    <a:pt x="81951" y="145211"/>
+                    <a:pt x="112143" y="100641"/>
+                    <a:pt x="103517" y="69011"/>
+                  </a:cubicBezTo>
+                  <a:cubicBezTo>
+                    <a:pt x="94891" y="37381"/>
+                    <a:pt x="0" y="0"/>
+                    <a:pt x="0" y="0"/>
+                  </a:cubicBezTo>
+                  <a:lnTo>
+                    <a:pt x="0" y="0"/>
+                  </a:lnTo>
+                </a:path>
+              </a:pathLst>
+            </a:custGeom>
+          </p:spPr>
+          <p:style>
+            <a:lnRef idx="1">
+              <a:schemeClr val="accent1"/>
+            </a:lnRef>
+            <a:fillRef idx="0">
+              <a:schemeClr val="accent1"/>
+            </a:fillRef>
+            <a:effectRef idx="0">
+              <a:schemeClr val="accent1"/>
+            </a:effectRef>
+            <a:fontRef idx="minor">
+              <a:schemeClr val="tx1"/>
+            </a:fontRef>
+          </p:style>
+          <p:txBody>
+            <a:bodyPr rtlCol="0" anchor="ctr"/>
+            <a:lstStyle/>
+            <a:p>
+              <a:pPr algn="ctr"/>
+              <a:endParaRPr lang="tr-TR"/>
+            </a:p>
+          </p:txBody>
+        </p:sp>
+        <p:cxnSp>
+          <p:nvCxnSpPr>
+            <p:cNvPr id="38" name="Straight Connector 37"/>
+            <p:cNvCxnSpPr>
+              <a:stCxn id="28" idx="7"/>
+            </p:cNvCxnSpPr>
+            <p:nvPr/>
+          </p:nvCxnSpPr>
+          <p:spPr>
+            <a:xfrm rot="5400000" flipH="1" flipV="1">
+              <a:off x="3418206" y="3769003"/>
+              <a:ext cx="31620" cy="1068270"/>
+            </a:xfrm>
+            <a:prstGeom prst="line">
+              <a:avLst/>
+            </a:prstGeom>
+          </p:spPr>
+          <p:style>
+            <a:lnRef idx="1">
+              <a:schemeClr val="accent1"/>
+            </a:lnRef>
+            <a:fillRef idx="0">
+              <a:schemeClr val="accent1"/>
+            </a:fillRef>
+            <a:effectRef idx="0">
+              <a:schemeClr val="accent1"/>
+            </a:effectRef>
+            <a:fontRef idx="minor">
+              <a:schemeClr val="tx1"/>
+            </a:fontRef>
+          </p:style>
+        </p:cxnSp>
+        <p:sp>
+          <p:nvSpPr>
+            <p:cNvPr id="39" name="TextBox 38"/>
+            <p:cNvSpPr txBox="1"/>
+            <p:nvPr/>
+          </p:nvSpPr>
+          <p:spPr>
+            <a:xfrm>
+              <a:off x="3605841" y="4037162"/>
+              <a:ext cx="1140056" cy="276999"/>
+            </a:xfrm>
+            <a:prstGeom prst="rect">
+              <a:avLst/>
+            </a:prstGeom>
+            <a:noFill/>
+          </p:spPr>
+          <p:txBody>
+            <a:bodyPr wrap="none" rtlCol="0">
+              <a:spAutoFit/>
+            </a:bodyPr>
+            <a:lstStyle/>
+            <a:p>
+              <a:r>
+                <a:rPr lang="tr-TR" sz="1200" dirty="0" smtClean="0"/>
+                <a:t>Bearing Angle</a:t>
+              </a:r>
+              <a:endParaRPr lang="tr-TR" sz="1200" dirty="0"/>
+            </a:p>
+          </p:txBody>
+        </p:sp>
+        <p:sp>
+          <p:nvSpPr>
+            <p:cNvPr id="40" name="TextBox 39"/>
+            <p:cNvSpPr txBox="1"/>
+            <p:nvPr/>
+          </p:nvSpPr>
+          <p:spPr>
+            <a:xfrm rot="20365342">
+              <a:off x="3657599" y="3519578"/>
+              <a:ext cx="902811" cy="276999"/>
+            </a:xfrm>
+            <a:prstGeom prst="rect">
+              <a:avLst/>
+            </a:prstGeom>
+            <a:noFill/>
+          </p:spPr>
+          <p:txBody>
+            <a:bodyPr wrap="none" rtlCol="0">
+              <a:spAutoFit/>
+            </a:bodyPr>
+            <a:lstStyle/>
+            <a:p>
+              <a:r>
+                <a:rPr lang="tr-TR" sz="1200" dirty="0" smtClean="0"/>
+                <a:t>Amplitude</a:t>
+              </a:r>
+              <a:endParaRPr lang="tr-TR" sz="1200" dirty="0"/>
+            </a:p>
+          </p:txBody>
+        </p:sp>
+      </p:grpSp>
+    </p:spTree>
+  </p:cSld>
+  <p:clrMapOvr>
+    <a:masterClrMapping/>
+  </p:clrMapOvr>
+  <p:timing>
+    <p:tnLst>
+      <p:par>
+        <p:cTn id="1" dur="indefinite" restart="never" nodeType="tmRoot"/>
+      </p:par>
+    </p:tnLst>
+  </p:timing>
+</p:sld>
+</file>
+
+<file path=ppt/slides/slide12.xml><?xml version="1.0" encoding="utf-8"?>
+<p:sld xmlns:a="http://schemas.openxmlformats.org/drawingml/2006/main" xmlns:r="http://schemas.openxmlformats.org/officeDocument/2006/relationships" xmlns:p="http://schemas.openxmlformats.org/presentationml/2006/main">
+  <p:cSld>
+    <p:spTree>
+      <p:nvGrpSpPr>
+        <p:cNvPr id="1" name=""/>
+        <p:cNvGrpSpPr/>
+        <p:nvPr/>
+      </p:nvGrpSpPr>
+      <p:grpSpPr>
+        <a:xfrm>
+          <a:off x="0" y="0"/>
+          <a:ext cx="0" cy="0"/>
+          <a:chOff x="0" y="0"/>
+          <a:chExt cx="0" cy="0"/>
+        </a:xfrm>
+      </p:grpSpPr>
+      <p:sp>
+        <p:nvSpPr>
+          <p:cNvPr id="4" name="TextBox 3"/>
+          <p:cNvSpPr txBox="1"/>
+          <p:nvPr/>
+        </p:nvSpPr>
+        <p:spPr>
+          <a:xfrm>
             <a:off x="2819400" y="666690"/>
             <a:ext cx="3254417" cy="400110"/>
           </a:xfrm>
@@ -5898,7 +7142,7 @@
 </p:sld>
 </file>
 
-<file path=ppt/slides/slide12.xml><?xml version="1.0" encoding="utf-8"?>
+<file path=ppt/slides/slide13.xml><?xml version="1.0" encoding="utf-8"?>
 <p:sld xmlns:a="http://schemas.openxmlformats.org/drawingml/2006/main" xmlns:r="http://schemas.openxmlformats.org/officeDocument/2006/relationships" xmlns:p="http://schemas.openxmlformats.org/presentationml/2006/main">
   <p:cSld>
     <p:spTree>
@@ -6953,7 +8197,7 @@
 </p:sld>
 </file>
 
-<file path=ppt/slides/slide13.xml><?xml version="1.0" encoding="utf-8"?>
+<file path=ppt/slides/slide14.xml><?xml version="1.0" encoding="utf-8"?>
 <p:sld xmlns:a="http://schemas.openxmlformats.org/drawingml/2006/main" xmlns:r="http://schemas.openxmlformats.org/officeDocument/2006/relationships" xmlns:p="http://schemas.openxmlformats.org/presentationml/2006/main">
   <p:cSld>
     <p:spTree>

--- a/sunum2.pptx
+++ b/sunum2.pptx
@@ -19,6 +19,7 @@
     <p:sldId id="266" r:id="rId13"/>
     <p:sldId id="267" r:id="rId14"/>
     <p:sldId id="268" r:id="rId15"/>
+    <p:sldId id="270" r:id="rId16"/>
   </p:sldIdLst>
   <p:sldSz cx="9144000" cy="6858000" type="screen4x3"/>
   <p:notesSz cx="6858000" cy="9144000"/>
@@ -779,7 +780,7 @@
             <a:fld id="{1D8BD707-D9CF-40AE-B4C6-C98DA3205C09}" type="datetimeFigureOut">
               <a:rPr lang="en-US" smtClean="0"/>
               <a:pPr/>
-              <a:t>6/3/2015</a:t>
+              <a:t>2/21/2016</a:t>
             </a:fld>
             <a:endParaRPr lang="en-US"/>
           </a:p>
@@ -964,7 +965,7 @@
             <a:fld id="{1D8BD707-D9CF-40AE-B4C6-C98DA3205C09}" type="datetimeFigureOut">
               <a:rPr lang="en-US" smtClean="0"/>
               <a:pPr/>
-              <a:t>6/3/2015</a:t>
+              <a:t>2/21/2016</a:t>
             </a:fld>
             <a:endParaRPr lang="en-US"/>
           </a:p>
@@ -1141,7 +1142,7 @@
             <a:fld id="{1D8BD707-D9CF-40AE-B4C6-C98DA3205C09}" type="datetimeFigureOut">
               <a:rPr lang="en-US" smtClean="0"/>
               <a:pPr/>
-              <a:t>6/3/2015</a:t>
+              <a:t>2/21/2016</a:t>
             </a:fld>
             <a:endParaRPr lang="en-US"/>
           </a:p>
@@ -1308,7 +1309,7 @@
             <a:fld id="{1D8BD707-D9CF-40AE-B4C6-C98DA3205C09}" type="datetimeFigureOut">
               <a:rPr lang="en-US" smtClean="0"/>
               <a:pPr/>
-              <a:t>6/3/2015</a:t>
+              <a:t>2/21/2016</a:t>
             </a:fld>
             <a:endParaRPr lang="en-US"/>
           </a:p>
@@ -1531,7 +1532,7 @@
             <a:fld id="{1D8BD707-D9CF-40AE-B4C6-C98DA3205C09}" type="datetimeFigureOut">
               <a:rPr lang="en-US" smtClean="0"/>
               <a:pPr/>
-              <a:t>6/3/2015</a:t>
+              <a:t>2/21/2016</a:t>
             </a:fld>
             <a:endParaRPr lang="en-US"/>
           </a:p>
@@ -1792,7 +1793,7 @@
             <a:fld id="{1D8BD707-D9CF-40AE-B4C6-C98DA3205C09}" type="datetimeFigureOut">
               <a:rPr lang="en-US" smtClean="0"/>
               <a:pPr/>
-              <a:t>6/3/2015</a:t>
+              <a:t>2/21/2016</a:t>
             </a:fld>
             <a:endParaRPr lang="en-US"/>
           </a:p>
@@ -2198,7 +2199,7 @@
             <a:fld id="{1D8BD707-D9CF-40AE-B4C6-C98DA3205C09}" type="datetimeFigureOut">
               <a:rPr lang="en-US" smtClean="0"/>
               <a:pPr/>
-              <a:t>6/3/2015</a:t>
+              <a:t>2/21/2016</a:t>
             </a:fld>
             <a:endParaRPr lang="en-US"/>
           </a:p>
@@ -2331,7 +2332,7 @@
             <a:fld id="{1D8BD707-D9CF-40AE-B4C6-C98DA3205C09}" type="datetimeFigureOut">
               <a:rPr lang="en-US" smtClean="0"/>
               <a:pPr/>
-              <a:t>6/3/2015</a:t>
+              <a:t>2/21/2016</a:t>
             </a:fld>
             <a:endParaRPr lang="en-US"/>
           </a:p>
@@ -2433,7 +2434,7 @@
             <a:fld id="{1D8BD707-D9CF-40AE-B4C6-C98DA3205C09}" type="datetimeFigureOut">
               <a:rPr lang="en-US" smtClean="0"/>
               <a:pPr/>
-              <a:t>6/3/2015</a:t>
+              <a:t>2/21/2016</a:t>
             </a:fld>
             <a:endParaRPr lang="en-US"/>
           </a:p>
@@ -2680,7 +2681,7 @@
             <a:fld id="{1D8BD707-D9CF-40AE-B4C6-C98DA3205C09}" type="datetimeFigureOut">
               <a:rPr lang="en-US" smtClean="0"/>
               <a:pPr/>
-              <a:t>6/3/2015</a:t>
+              <a:t>2/21/2016</a:t>
             </a:fld>
             <a:endParaRPr lang="en-US"/>
           </a:p>
@@ -2926,7 +2927,7 @@
             <a:fld id="{1D8BD707-D9CF-40AE-B4C6-C98DA3205C09}" type="datetimeFigureOut">
               <a:rPr lang="en-US" smtClean="0"/>
               <a:pPr/>
-              <a:t>6/3/2015</a:t>
+              <a:t>2/21/2016</a:t>
             </a:fld>
             <a:endParaRPr lang="en-US"/>
           </a:p>
@@ -3752,7 +3753,7 @@
             <a:fld id="{1D8BD707-D9CF-40AE-B4C6-C98DA3205C09}" type="datetimeFigureOut">
               <a:rPr lang="en-US" smtClean="0"/>
               <a:pPr/>
-              <a:t>6/3/2015</a:t>
+              <a:t>2/21/2016</a:t>
             </a:fld>
             <a:endParaRPr lang="en-US"/>
           </a:p>
@@ -4783,13 +4784,8 @@
             <a:pPr algn="just"/>
             <a:r>
               <a:rPr lang="tr-TR" dirty="0" smtClean="0"/>
-              <a:t>To increase the bandwith of the controllers, desired setpoints are defined in the velocity domain. </a:t>
+              <a:t>To increase the bandwith of the controllers, desired setpoints are defined in the velocity domain. Velocity setpoints are assumed to have the amplitude proportional with the euclidian distance of each agent to the desired goal state. The direction of these velocity setpoints must have a bearing angle of the line segment drawn from the agent to the goal state. </a:t>
             </a:r>
-            <a:r>
-              <a:rPr lang="tr-TR" dirty="0" smtClean="0"/>
-              <a:t>Velocity setpoints are assumed to have the amplitude proportional with the euclidian distance of each agent to the desired goal state. The direction of these velocity setpoints must have a bearing angle of the line segment drawn from the agent to the goal state. </a:t>
-            </a:r>
-            <a:endParaRPr lang="tr-TR" dirty="0" smtClean="0"/>
           </a:p>
         </p:txBody>
       </p:sp>
@@ -9643,7 +9639,7 @@
 </p:sld>
 </file>
 
-<file path=ppt/slides/slide2.xml><?xml version="1.0" encoding="utf-8"?>
+<file path=ppt/slides/slide15.xml><?xml version="1.0" encoding="utf-8"?>
 <p:sld xmlns:a="http://schemas.openxmlformats.org/drawingml/2006/main" xmlns:r="http://schemas.openxmlformats.org/officeDocument/2006/relationships" xmlns:p="http://schemas.openxmlformats.org/presentationml/2006/main">
   <p:cSld>
     <p:spTree>
@@ -9660,73 +9656,20 @@
           <a:chExt cx="0" cy="0"/>
         </a:xfrm>
       </p:grpSpPr>
-      <p:sp>
-        <p:nvSpPr>
-          <p:cNvPr id="106" name="TextBox 105"/>
-          <p:cNvSpPr txBox="1"/>
-          <p:nvPr/>
-        </p:nvSpPr>
-        <p:spPr>
-          <a:xfrm>
-            <a:off x="2854330" y="609600"/>
-            <a:ext cx="2708270" cy="422310"/>
-          </a:xfrm>
-          <a:prstGeom prst="rect">
-            <a:avLst/>
-          </a:prstGeom>
-          <a:noFill/>
-        </p:spPr>
-        <p:txBody>
-          <a:bodyPr wrap="none" lIns="82945" tIns="41473" rIns="82945" bIns="41473" rtlCol="0">
-            <a:spAutoFit/>
-          </a:bodyPr>
-          <a:lstStyle/>
-          <a:p>
-            <a:r>
-              <a:rPr lang="en-US" sz="2200" b="1" dirty="0" smtClean="0"/>
-              <a:t>SYSTEM DESIGN</a:t>
-            </a:r>
-            <a:endParaRPr lang="tr-TR" sz="2200" b="1" dirty="0"/>
-          </a:p>
-        </p:txBody>
-      </p:sp>
       <p:grpSp>
         <p:nvGrpSpPr>
-          <p:cNvPr id="107" name="Group 106"/>
+          <p:cNvPr id="38" name="Group 37"/>
           <p:cNvGrpSpPr/>
           <p:nvPr/>
         </p:nvGrpSpPr>
         <p:grpSpPr>
           <a:xfrm>
-            <a:off x="195983" y="1166501"/>
-            <a:ext cx="8661457" cy="5310499"/>
-            <a:chOff x="195983" y="1166501"/>
-            <a:chExt cx="8661457" cy="5310499"/>
+            <a:off x="195983" y="1028479"/>
+            <a:ext cx="5941438" cy="2873383"/>
+            <a:chOff x="195983" y="1028479"/>
+            <a:chExt cx="5941438" cy="2873383"/>
           </a:xfrm>
         </p:grpSpPr>
-        <p:sp>
-          <p:nvSpPr>
-            <p:cNvPr id="43" name="TextShape 2"/>
-            <p:cNvSpPr txBox="1"/>
-            <p:nvPr/>
-          </p:nvSpPr>
-          <p:spPr>
-            <a:xfrm>
-              <a:off x="457172" y="2038305"/>
-              <a:ext cx="8228763" cy="3977484"/>
-            </a:xfrm>
-            <a:prstGeom prst="rect">
-              <a:avLst/>
-            </a:prstGeom>
-          </p:spPr>
-          <p:txBody>
-            <a:bodyPr lIns="0" tIns="0" rIns="0" bIns="0"/>
-            <a:lstStyle/>
-            <a:p>
-              <a:endParaRPr/>
-            </a:p>
-          </p:txBody>
-        </p:sp>
         <p:sp>
           <p:nvSpPr>
             <p:cNvPr id="4" name="TextBox 3"/>
@@ -9735,8 +9678,8 @@
           </p:nvSpPr>
           <p:spPr>
             <a:xfrm>
-              <a:off x="2290319" y="1652717"/>
-              <a:ext cx="898560" cy="591587"/>
+              <a:off x="2290319" y="1738176"/>
+              <a:ext cx="1008358" cy="422310"/>
             </a:xfrm>
             <a:prstGeom prst="rect">
               <a:avLst/>
@@ -9985,13 +9928,13 @@
         </p:sp>
         <p:cxnSp>
           <p:nvCxnSpPr>
-            <p:cNvPr id="11" name="Straight Connector 10"/>
+            <p:cNvPr id="10" name="Straight Connector 9"/>
             <p:cNvCxnSpPr/>
             <p:nvPr/>
           </p:nvCxnSpPr>
           <p:spPr>
             <a:xfrm rot="5400000" flipH="1" flipV="1">
-              <a:off x="4640370" y="2203410"/>
+              <a:off x="4640370" y="2220662"/>
               <a:ext cx="553018" cy="1440"/>
             </a:xfrm>
             <a:prstGeom prst="line">
@@ -10016,13 +9959,13 @@
         </p:cxnSp>
         <p:cxnSp>
           <p:nvCxnSpPr>
-            <p:cNvPr id="13" name="Straight Arrow Connector 12"/>
+            <p:cNvPr id="11" name="Straight Arrow Connector 10"/>
             <p:cNvCxnSpPr/>
             <p:nvPr/>
           </p:nvCxnSpPr>
           <p:spPr>
             <a:xfrm rot="10800000">
-              <a:off x="4709519" y="1926900"/>
+              <a:off x="4709519" y="1944152"/>
               <a:ext cx="207360" cy="1441"/>
             </a:xfrm>
             <a:prstGeom prst="straightConnector1">
@@ -10049,7 +9992,7 @@
         </p:cxnSp>
         <p:cxnSp>
           <p:nvCxnSpPr>
-            <p:cNvPr id="15" name="Straight Arrow Connector 14"/>
+            <p:cNvPr id="12" name="Straight Arrow Connector 11"/>
             <p:cNvCxnSpPr>
               <a:stCxn id="5" idx="1"/>
               <a:endCxn id="4" idx="3"/>
@@ -10058,8 +10001,8 @@
           </p:nvCxnSpPr>
           <p:spPr>
             <a:xfrm rot="10800000" flipV="1">
-              <a:off x="3188879" y="1947009"/>
-              <a:ext cx="527040" cy="1501"/>
+              <a:off x="3298677" y="1947009"/>
+              <a:ext cx="417242" cy="2321"/>
             </a:xfrm>
             <a:prstGeom prst="straightConnector1">
               <a:avLst/>
@@ -10085,7 +10028,7 @@
         </p:cxnSp>
         <p:cxnSp>
           <p:nvCxnSpPr>
-            <p:cNvPr id="20" name="Straight Connector 19"/>
+            <p:cNvPr id="13" name="Straight Connector 12"/>
             <p:cNvCxnSpPr/>
             <p:nvPr/>
           </p:nvCxnSpPr>
@@ -10116,7 +10059,7 @@
         </p:cxnSp>
         <p:cxnSp>
           <p:nvCxnSpPr>
-            <p:cNvPr id="22" name="Straight Arrow Connector 21"/>
+            <p:cNvPr id="14" name="Straight Arrow Connector 13"/>
             <p:cNvCxnSpPr/>
             <p:nvPr/>
           </p:nvCxnSpPr>
@@ -10149,13 +10092,13 @@
         </p:cxnSp>
         <p:cxnSp>
           <p:nvCxnSpPr>
-            <p:cNvPr id="26" name="Straight Connector 25"/>
+            <p:cNvPr id="15" name="Straight Connector 14"/>
             <p:cNvCxnSpPr/>
             <p:nvPr/>
           </p:nvCxnSpPr>
           <p:spPr>
             <a:xfrm flipV="1">
-              <a:off x="4916879" y="2549046"/>
+              <a:off x="4916879" y="2566298"/>
               <a:ext cx="138240" cy="71152"/>
             </a:xfrm>
             <a:prstGeom prst="line">
@@ -10180,13 +10123,13 @@
         </p:cxnSp>
         <p:cxnSp>
           <p:nvCxnSpPr>
-            <p:cNvPr id="29" name="Straight Connector 28"/>
+            <p:cNvPr id="16" name="Straight Connector 15"/>
             <p:cNvCxnSpPr/>
             <p:nvPr/>
           </p:nvCxnSpPr>
           <p:spPr>
             <a:xfrm rot="5400000">
-              <a:off x="4536679" y="2998373"/>
+              <a:off x="4536679" y="3015625"/>
               <a:ext cx="760400" cy="1440"/>
             </a:xfrm>
             <a:prstGeom prst="line">
@@ -10211,16 +10154,16 @@
         </p:cxnSp>
         <p:cxnSp>
           <p:nvCxnSpPr>
-            <p:cNvPr id="31" name="Straight Connector 30"/>
+            <p:cNvPr id="17" name="Straight Connector 16"/>
             <p:cNvCxnSpPr>
               <a:stCxn id="7" idx="3"/>
             </p:cNvCxnSpPr>
             <p:nvPr/>
           </p:nvCxnSpPr>
           <p:spPr>
-            <a:xfrm flipV="1">
-              <a:off x="3672719" y="3378574"/>
-              <a:ext cx="1244160" cy="26978"/>
+            <a:xfrm>
+              <a:off x="3672719" y="3405552"/>
+              <a:ext cx="1244338" cy="1882"/>
             </a:xfrm>
             <a:prstGeom prst="line">
               <a:avLst/>
@@ -10242,60 +10185,16 @@
             </a:fontRef>
           </p:style>
         </p:cxnSp>
-        <p:sp>
-          <p:nvSpPr>
-            <p:cNvPr id="35" name="TextBox 34"/>
-            <p:cNvSpPr txBox="1"/>
-            <p:nvPr/>
-          </p:nvSpPr>
-          <p:spPr>
-            <a:xfrm>
-              <a:off x="6299279" y="3067500"/>
-              <a:ext cx="967680" cy="606976"/>
-            </a:xfrm>
-            <a:prstGeom prst="rect">
-              <a:avLst/>
-            </a:prstGeom>
-            <a:noFill/>
-            <a:ln w="15875">
-              <a:solidFill>
-                <a:schemeClr val="accent1">
-                  <a:shade val="95000"/>
-                  <a:satMod val="105000"/>
-                </a:schemeClr>
-              </a:solidFill>
-            </a:ln>
-          </p:spPr>
-          <p:txBody>
-            <a:bodyPr wrap="square" lIns="82945" tIns="41473" rIns="82945" bIns="41473" rtlCol="0">
-              <a:spAutoFit/>
-            </a:bodyPr>
-            <a:lstStyle/>
-            <a:p>
-              <a:pPr algn="ctr"/>
-              <a:r>
-                <a:rPr lang="en-US" sz="1100" dirty="0" smtClean="0"/>
-                <a:t>Formation Control</a:t>
-              </a:r>
-            </a:p>
-            <a:p>
-              <a:pPr algn="ctr"/>
-              <a:endParaRPr lang="tr-TR" sz="1100" dirty="0"/>
-            </a:p>
-          </p:txBody>
-        </p:sp>
         <p:cxnSp>
           <p:nvCxnSpPr>
-            <p:cNvPr id="37" name="Straight Arrow Connector 36"/>
-            <p:cNvCxnSpPr>
-              <a:endCxn id="35" idx="1"/>
-            </p:cNvCxnSpPr>
+            <p:cNvPr id="18" name="Straight Arrow Connector 17"/>
+            <p:cNvCxnSpPr/>
             <p:nvPr/>
           </p:nvCxnSpPr>
           <p:spPr>
-            <a:xfrm flipV="1">
-              <a:off x="4916879" y="3370988"/>
-              <a:ext cx="1382400" cy="7585"/>
+            <a:xfrm>
+              <a:off x="2152079" y="3516827"/>
+              <a:ext cx="552960" cy="1441"/>
             </a:xfrm>
             <a:prstGeom prst="straightConnector1">
               <a:avLst/>
@@ -10321,14 +10220,14 @@
         </p:cxnSp>
         <p:sp>
           <p:nvSpPr>
-            <p:cNvPr id="41" name="TextBox 40"/>
+            <p:cNvPr id="19" name="TextBox 18"/>
             <p:cNvSpPr txBox="1"/>
             <p:nvPr/>
           </p:nvSpPr>
           <p:spPr>
             <a:xfrm>
-              <a:off x="5625083" y="4346355"/>
-              <a:ext cx="768637" cy="406921"/>
+              <a:off x="1232784" y="1629653"/>
+              <a:ext cx="1045957" cy="191478"/>
             </a:xfrm>
             <a:prstGeom prst="rect">
               <a:avLst/>
@@ -10343,30 +10242,23 @@
             <a:p>
               <a:pPr algn="ctr"/>
               <a:r>
-                <a:rPr lang="en-US" sz="1000" dirty="0" smtClean="0"/>
-                <a:t>Formation</a:t>
+                <a:rPr lang="en-US" sz="700" b="1" dirty="0" smtClean="0"/>
+                <a:t>Ultrasonic Sensors</a:t>
               </a:r>
-            </a:p>
-            <a:p>
-              <a:pPr algn="ctr"/>
-              <a:r>
-                <a:rPr lang="en-US" sz="1000" dirty="0" smtClean="0"/>
-                <a:t>Shape</a:t>
-              </a:r>
-              <a:endParaRPr lang="tr-TR" sz="1000" dirty="0"/>
+              <a:endParaRPr lang="tr-TR" sz="700" b="1" dirty="0"/>
             </a:p>
           </p:txBody>
         </p:sp>
         <p:cxnSp>
           <p:nvCxnSpPr>
-            <p:cNvPr id="45" name="Straight Arrow Connector 44"/>
+            <p:cNvPr id="20" name="Straight Arrow Connector 19"/>
             <p:cNvCxnSpPr/>
             <p:nvPr/>
           </p:nvCxnSpPr>
           <p:spPr>
-            <a:xfrm rot="16200000" flipV="1">
-              <a:off x="6342435" y="4113051"/>
-              <a:ext cx="872732" cy="8640"/>
+            <a:xfrm>
+              <a:off x="1460879" y="1788646"/>
+              <a:ext cx="829440" cy="1441"/>
             </a:xfrm>
             <a:prstGeom prst="straightConnector1">
               <a:avLst/>
@@ -10390,16 +10282,46 @@
             </a:fontRef>
           </p:style>
         </p:cxnSp>
+        <p:sp>
+          <p:nvSpPr>
+            <p:cNvPr id="21" name="TextBox 20"/>
+            <p:cNvSpPr txBox="1"/>
+            <p:nvPr/>
+          </p:nvSpPr>
+          <p:spPr>
+            <a:xfrm>
+              <a:off x="2695108" y="1028479"/>
+              <a:ext cx="2073600" cy="283811"/>
+            </a:xfrm>
+            <a:prstGeom prst="rect">
+              <a:avLst/>
+            </a:prstGeom>
+            <a:noFill/>
+          </p:spPr>
+          <p:txBody>
+            <a:bodyPr wrap="square" lIns="82945" tIns="41473" rIns="82945" bIns="41473" rtlCol="0">
+              <a:spAutoFit/>
+            </a:bodyPr>
+            <a:lstStyle/>
+            <a:p>
+              <a:r>
+                <a:rPr lang="en-US" sz="1300" dirty="0" smtClean="0"/>
+                <a:t>LOCAL POSITIONING</a:t>
+              </a:r>
+              <a:endParaRPr lang="tr-TR" sz="1300" dirty="0"/>
+            </a:p>
+          </p:txBody>
+        </p:sp>
         <p:cxnSp>
           <p:nvCxnSpPr>
-            <p:cNvPr id="48" name="Straight Connector 47"/>
+            <p:cNvPr id="22" name="Straight Connector 21"/>
             <p:cNvCxnSpPr/>
             <p:nvPr/>
           </p:nvCxnSpPr>
           <p:spPr>
             <a:xfrm>
-              <a:off x="6230159" y="4553736"/>
-              <a:ext cx="552960" cy="1441"/>
+              <a:off x="2113472" y="2130725"/>
+              <a:ext cx="181154" cy="1588"/>
             </a:xfrm>
             <a:prstGeom prst="line">
               <a:avLst/>
@@ -10421,218 +10343,9 @@
             </a:fontRef>
           </p:style>
         </p:cxnSp>
-        <p:sp>
-          <p:nvSpPr>
-            <p:cNvPr id="49" name="TextBox 48"/>
-            <p:cNvSpPr txBox="1"/>
-            <p:nvPr/>
-          </p:nvSpPr>
-          <p:spPr>
-            <a:xfrm>
-              <a:off x="7681679" y="3067500"/>
-              <a:ext cx="967680" cy="591587"/>
-            </a:xfrm>
-            <a:prstGeom prst="rect">
-              <a:avLst/>
-            </a:prstGeom>
-            <a:noFill/>
-            <a:ln w="15875">
-              <a:solidFill>
-                <a:schemeClr val="accent1">
-                  <a:shade val="95000"/>
-                  <a:satMod val="105000"/>
-                </a:schemeClr>
-              </a:solidFill>
-            </a:ln>
-          </p:spPr>
-          <p:txBody>
-            <a:bodyPr wrap="square" lIns="82945" tIns="41473" rIns="82945" bIns="41473" rtlCol="0">
-              <a:spAutoFit/>
-            </a:bodyPr>
-            <a:lstStyle/>
-            <a:p>
-              <a:pPr algn="ctr"/>
-              <a:r>
-                <a:rPr lang="en-US" sz="1100" dirty="0" smtClean="0"/>
-                <a:t>Agent </a:t>
-              </a:r>
-            </a:p>
-            <a:p>
-              <a:pPr algn="ctr"/>
-              <a:r>
-                <a:rPr lang="en-US" sz="1100" dirty="0" smtClean="0"/>
-                <a:t>Dynamics</a:t>
-              </a:r>
-            </a:p>
-            <a:p>
-              <a:pPr algn="ctr"/>
-              <a:endParaRPr lang="tr-TR" sz="1100" dirty="0"/>
-            </a:p>
-          </p:txBody>
-        </p:sp>
         <p:cxnSp>
           <p:nvCxnSpPr>
-            <p:cNvPr id="51" name="Straight Arrow Connector 50"/>
-            <p:cNvCxnSpPr>
-              <a:stCxn id="35" idx="3"/>
-              <a:endCxn id="49" idx="1"/>
-            </p:cNvCxnSpPr>
-            <p:nvPr/>
-          </p:nvCxnSpPr>
-          <p:spPr>
-            <a:xfrm flipV="1">
-              <a:off x="7266959" y="3363294"/>
-              <a:ext cx="414720" cy="7694"/>
-            </a:xfrm>
-            <a:prstGeom prst="straightConnector1">
-              <a:avLst/>
-            </a:prstGeom>
-            <a:ln w="15875">
-              <a:tailEnd type="arrow"/>
-            </a:ln>
-          </p:spPr>
-          <p:style>
-            <a:lnRef idx="1">
-              <a:schemeClr val="accent1"/>
-            </a:lnRef>
-            <a:fillRef idx="0">
-              <a:schemeClr val="accent1"/>
-            </a:fillRef>
-            <a:effectRef idx="0">
-              <a:schemeClr val="accent1"/>
-            </a:effectRef>
-            <a:fontRef idx="minor">
-              <a:schemeClr val="tx1"/>
-            </a:fontRef>
-          </p:style>
-        </p:cxnSp>
-        <p:cxnSp>
-          <p:nvCxnSpPr>
-            <p:cNvPr id="61" name="Straight Connector 60"/>
-            <p:cNvCxnSpPr/>
-            <p:nvPr/>
-          </p:nvCxnSpPr>
-          <p:spPr>
-            <a:xfrm rot="10800000">
-              <a:off x="8649359" y="3355532"/>
-              <a:ext cx="207360" cy="1441"/>
-            </a:xfrm>
-            <a:prstGeom prst="line">
-              <a:avLst/>
-            </a:prstGeom>
-            <a:ln w="15875"/>
-          </p:spPr>
-          <p:style>
-            <a:lnRef idx="1">
-              <a:schemeClr val="accent1"/>
-            </a:lnRef>
-            <a:fillRef idx="0">
-              <a:schemeClr val="accent1"/>
-            </a:fillRef>
-            <a:effectRef idx="0">
-              <a:schemeClr val="accent1"/>
-            </a:effectRef>
-            <a:fontRef idx="minor">
-              <a:schemeClr val="tx1"/>
-            </a:fontRef>
-          </p:style>
-        </p:cxnSp>
-        <p:cxnSp>
-          <p:nvCxnSpPr>
-            <p:cNvPr id="63" name="Straight Connector 62"/>
-            <p:cNvCxnSpPr/>
-            <p:nvPr/>
-          </p:nvCxnSpPr>
-          <p:spPr>
-            <a:xfrm rot="5400000">
-              <a:off x="8061756" y="4152078"/>
-              <a:ext cx="1589927" cy="1440"/>
-            </a:xfrm>
-            <a:prstGeom prst="line">
-              <a:avLst/>
-            </a:prstGeom>
-            <a:ln w="15875"/>
-          </p:spPr>
-          <p:style>
-            <a:lnRef idx="1">
-              <a:schemeClr val="accent1"/>
-            </a:lnRef>
-            <a:fillRef idx="0">
-              <a:schemeClr val="accent1"/>
-            </a:fillRef>
-            <a:effectRef idx="0">
-              <a:schemeClr val="accent1"/>
-            </a:effectRef>
-            <a:fontRef idx="minor">
-              <a:schemeClr val="tx1"/>
-            </a:fontRef>
-          </p:style>
-        </p:cxnSp>
-        <p:cxnSp>
-          <p:nvCxnSpPr>
-            <p:cNvPr id="65" name="Straight Connector 64"/>
-            <p:cNvCxnSpPr/>
-            <p:nvPr/>
-          </p:nvCxnSpPr>
-          <p:spPr>
-            <a:xfrm rot="10800000" flipV="1">
-              <a:off x="216719" y="4949202"/>
-              <a:ext cx="8640000" cy="19298"/>
-            </a:xfrm>
-            <a:prstGeom prst="line">
-              <a:avLst/>
-            </a:prstGeom>
-            <a:ln w="15875"/>
-          </p:spPr>
-          <p:style>
-            <a:lnRef idx="1">
-              <a:schemeClr val="accent1"/>
-            </a:lnRef>
-            <a:fillRef idx="0">
-              <a:schemeClr val="accent1"/>
-            </a:fillRef>
-            <a:effectRef idx="0">
-              <a:schemeClr val="accent1"/>
-            </a:effectRef>
-            <a:fontRef idx="minor">
-              <a:schemeClr val="tx1"/>
-            </a:fontRef>
-          </p:style>
-        </p:cxnSp>
-        <p:cxnSp>
-          <p:nvCxnSpPr>
-            <p:cNvPr id="67" name="Straight Connector 66"/>
-            <p:cNvCxnSpPr/>
-            <p:nvPr/>
-          </p:nvCxnSpPr>
-          <p:spPr>
-            <a:xfrm rot="5400000" flipH="1" flipV="1">
-              <a:off x="-577524" y="4172816"/>
-              <a:ext cx="1589927" cy="1440"/>
-            </a:xfrm>
-            <a:prstGeom prst="line">
-              <a:avLst/>
-            </a:prstGeom>
-            <a:ln w="15875"/>
-          </p:spPr>
-          <p:style>
-            <a:lnRef idx="1">
-              <a:schemeClr val="accent1"/>
-            </a:lnRef>
-            <a:fillRef idx="0">
-              <a:schemeClr val="accent1"/>
-            </a:fillRef>
-            <a:effectRef idx="0">
-              <a:schemeClr val="accent1"/>
-            </a:effectRef>
-            <a:fontRef idx="minor">
-              <a:schemeClr val="tx1"/>
-            </a:fontRef>
-          </p:style>
-        </p:cxnSp>
-        <p:cxnSp>
-          <p:nvCxnSpPr>
-            <p:cNvPr id="69" name="Straight Arrow Connector 68"/>
+            <p:cNvPr id="23" name="Straight Arrow Connector 22"/>
             <p:cNvCxnSpPr/>
             <p:nvPr/>
           </p:nvCxnSpPr>
@@ -10665,7 +10378,7 @@
         </p:cxnSp>
         <p:cxnSp>
           <p:nvCxnSpPr>
-            <p:cNvPr id="73" name="Straight Arrow Connector 72"/>
+            <p:cNvPr id="24" name="Straight Arrow Connector 23"/>
             <p:cNvCxnSpPr/>
             <p:nvPr/>
           </p:nvCxnSpPr>
@@ -10696,42 +10409,9 @@
             </a:fontRef>
           </p:style>
         </p:cxnSp>
-        <p:cxnSp>
-          <p:nvCxnSpPr>
-            <p:cNvPr id="85" name="Straight Arrow Connector 84"/>
-            <p:cNvCxnSpPr/>
-            <p:nvPr/>
-          </p:nvCxnSpPr>
-          <p:spPr>
-            <a:xfrm>
-              <a:off x="2152079" y="3516827"/>
-              <a:ext cx="552960" cy="1441"/>
-            </a:xfrm>
-            <a:prstGeom prst="straightConnector1">
-              <a:avLst/>
-            </a:prstGeom>
-            <a:ln w="15875">
-              <a:tailEnd type="arrow"/>
-            </a:ln>
-          </p:spPr>
-          <p:style>
-            <a:lnRef idx="1">
-              <a:schemeClr val="accent1"/>
-            </a:lnRef>
-            <a:fillRef idx="0">
-              <a:schemeClr val="accent1"/>
-            </a:fillRef>
-            <a:effectRef idx="0">
-              <a:schemeClr val="accent1"/>
-            </a:effectRef>
-            <a:fontRef idx="minor">
-              <a:schemeClr val="tx1"/>
-            </a:fontRef>
-          </p:style>
-        </p:cxnSp>
         <p:sp>
           <p:nvSpPr>
-            <p:cNvPr id="86" name="TextBox 85"/>
+            <p:cNvPr id="25" name="TextBox 24"/>
             <p:cNvSpPr txBox="1"/>
             <p:nvPr/>
           </p:nvSpPr>
@@ -10762,7 +10442,7 @@
         </p:sp>
         <p:sp>
           <p:nvSpPr>
-            <p:cNvPr id="87" name="TextBox 86"/>
+            <p:cNvPr id="26" name="TextBox 25"/>
             <p:cNvSpPr txBox="1"/>
             <p:nvPr/>
           </p:nvSpPr>
@@ -10793,7 +10473,7 @@
         </p:sp>
         <p:cxnSp>
           <p:nvCxnSpPr>
-            <p:cNvPr id="91" name="Straight Arrow Connector 90"/>
+            <p:cNvPr id="27" name="Straight Arrow Connector 26"/>
             <p:cNvCxnSpPr/>
             <p:nvPr/>
           </p:nvCxnSpPr>
@@ -10826,7 +10506,7 @@
         </p:cxnSp>
         <p:sp>
           <p:nvSpPr>
-            <p:cNvPr id="93" name="TextBox 92"/>
+            <p:cNvPr id="28" name="TextBox 27"/>
             <p:cNvSpPr txBox="1"/>
             <p:nvPr/>
           </p:nvSpPr>
@@ -10855,89 +10535,22 @@
             </a:p>
           </p:txBody>
         </p:sp>
-        <p:sp>
-          <p:nvSpPr>
-            <p:cNvPr id="95" name="TextBox 94"/>
-            <p:cNvSpPr txBox="1"/>
-            <p:nvPr/>
-          </p:nvSpPr>
-          <p:spPr>
-            <a:xfrm>
-              <a:off x="1232784" y="1629653"/>
-              <a:ext cx="1045957" cy="191478"/>
-            </a:xfrm>
-            <a:prstGeom prst="rect">
-              <a:avLst/>
-            </a:prstGeom>
-            <a:noFill/>
-          </p:spPr>
-          <p:txBody>
-            <a:bodyPr wrap="none" lIns="82945" tIns="41473" rIns="82945" bIns="41473" rtlCol="0">
-              <a:spAutoFit/>
-            </a:bodyPr>
-            <a:lstStyle/>
-            <a:p>
-              <a:pPr algn="ctr"/>
-              <a:r>
-                <a:rPr lang="en-US" sz="700" b="1" dirty="0" smtClean="0"/>
-                <a:t>Ultrasonic Sensors</a:t>
-              </a:r>
-              <a:endParaRPr lang="tr-TR" sz="700" b="1" dirty="0"/>
-            </a:p>
-          </p:txBody>
-        </p:sp>
         <p:cxnSp>
           <p:nvCxnSpPr>
-            <p:cNvPr id="99" name="Straight Arrow Connector 98"/>
+            <p:cNvPr id="36" name="Straight Arrow Connector 35"/>
             <p:cNvCxnSpPr/>
             <p:nvPr/>
           </p:nvCxnSpPr>
           <p:spPr>
             <a:xfrm>
-              <a:off x="1460879" y="1788646"/>
-              <a:ext cx="829440" cy="1441"/>
+              <a:off x="4908430" y="3407434"/>
+              <a:ext cx="560717" cy="1588"/>
             </a:xfrm>
             <a:prstGeom prst="straightConnector1">
               <a:avLst/>
             </a:prstGeom>
-            <a:ln w="15875">
+            <a:ln w="19050">
               <a:tailEnd type="arrow"/>
-            </a:ln>
-          </p:spPr>
-          <p:style>
-            <a:lnRef idx="1">
-              <a:schemeClr val="accent1"/>
-            </a:lnRef>
-            <a:fillRef idx="0">
-              <a:schemeClr val="accent1"/>
-            </a:fillRef>
-            <a:effectRef idx="0">
-              <a:schemeClr val="accent1"/>
-            </a:effectRef>
-            <a:fontRef idx="minor">
-              <a:schemeClr val="tx1"/>
-            </a:fontRef>
-          </p:style>
-        </p:cxnSp>
-        <p:cxnSp>
-          <p:nvCxnSpPr>
-            <p:cNvPr id="102" name="Straight Connector 101"/>
-            <p:cNvCxnSpPr/>
-            <p:nvPr/>
-          </p:nvCxnSpPr>
-          <p:spPr>
-            <a:xfrm rot="16200000" flipH="1">
-              <a:off x="3568836" y="3205758"/>
-              <a:ext cx="3871126" cy="69120"/>
-            </a:xfrm>
-            <a:prstGeom prst="line">
-              <a:avLst/>
-            </a:prstGeom>
-            <a:ln w="22225">
-              <a:solidFill>
-                <a:srgbClr val="FF0000"/>
-              </a:solidFill>
-              <a:prstDash val="dashDot"/>
             </a:ln>
           </p:spPr>
           <p:style>
@@ -10957,1199 +10570,158 @@
         </p:cxnSp>
         <p:sp>
           <p:nvSpPr>
-            <p:cNvPr id="103" name="TextBox 102"/>
-            <p:cNvSpPr txBox="1"/>
+            <p:cNvPr id="37" name="Rectangle 36"/>
+            <p:cNvSpPr/>
             <p:nvPr/>
           </p:nvSpPr>
           <p:spPr>
             <a:xfrm>
-              <a:off x="1875599" y="1166501"/>
-              <a:ext cx="2073600" cy="283811"/>
+              <a:off x="4474786" y="3425489"/>
+              <a:ext cx="1662635" cy="430887"/>
             </a:xfrm>
             <a:prstGeom prst="rect">
               <a:avLst/>
             </a:prstGeom>
-            <a:noFill/>
           </p:spPr>
           <p:txBody>
-            <a:bodyPr wrap="square" lIns="82945" tIns="41473" rIns="82945" bIns="41473" rtlCol="0">
+            <a:bodyPr wrap="none">
               <a:spAutoFit/>
             </a:bodyPr>
             <a:lstStyle/>
             <a:p>
+              <a:pPr algn="ctr"/>
               <a:r>
-                <a:rPr lang="en-US" sz="1300" dirty="0" smtClean="0"/>
-                <a:t>LOCAL POSITIONING</a:t>
+                <a:rPr lang="tr-TR" sz="1100" dirty="0" smtClean="0"/>
+                <a:t>True Position&amp;Velocity </a:t>
               </a:r>
-              <a:endParaRPr lang="tr-TR" sz="1300" dirty="0"/>
+            </a:p>
+            <a:p>
+              <a:pPr algn="ctr"/>
+              <a:r>
+                <a:rPr lang="tr-TR" sz="1100" dirty="0" smtClean="0"/>
+                <a:t>Information</a:t>
+              </a:r>
+              <a:endParaRPr lang="tr-TR" sz="1100" dirty="0"/>
             </a:p>
           </p:txBody>
         </p:sp>
-        <p:sp>
-          <p:nvSpPr>
-            <p:cNvPr id="104" name="TextBox 103"/>
-            <p:cNvSpPr txBox="1"/>
-            <p:nvPr/>
-          </p:nvSpPr>
-          <p:spPr>
-            <a:xfrm>
-              <a:off x="6299279" y="1166501"/>
-              <a:ext cx="2211840" cy="283811"/>
-            </a:xfrm>
-            <a:prstGeom prst="rect">
-              <a:avLst/>
-            </a:prstGeom>
-            <a:noFill/>
-          </p:spPr>
-          <p:txBody>
-            <a:bodyPr wrap="square" lIns="82945" tIns="41473" rIns="82945" bIns="41473" rtlCol="0">
-              <a:spAutoFit/>
-            </a:bodyPr>
-            <a:lstStyle/>
-            <a:p>
-              <a:r>
-                <a:rPr lang="en-US" sz="1300" dirty="0" smtClean="0"/>
-                <a:t>FORMATION CONTROL</a:t>
-              </a:r>
-              <a:endParaRPr lang="tr-TR" sz="1300" dirty="0"/>
-            </a:p>
-          </p:txBody>
-        </p:sp>
+      </p:grpSp>
+    </p:spTree>
+  </p:cSld>
+  <p:clrMapOvr>
+    <a:masterClrMapping/>
+  </p:clrMapOvr>
+</p:sld>
+</file>
+
+<file path=ppt/slides/slide2.xml><?xml version="1.0" encoding="utf-8"?>
+<p:sld xmlns:a="http://schemas.openxmlformats.org/drawingml/2006/main" xmlns:r="http://schemas.openxmlformats.org/officeDocument/2006/relationships" xmlns:p="http://schemas.openxmlformats.org/presentationml/2006/main">
+  <p:cSld>
+    <p:spTree>
+      <p:nvGrpSpPr>
+        <p:cNvPr id="1" name=""/>
+        <p:cNvGrpSpPr/>
+        <p:nvPr/>
+      </p:nvGrpSpPr>
+      <p:grpSpPr>
+        <a:xfrm>
+          <a:off x="0" y="0"/>
+          <a:ext cx="0" cy="0"/>
+          <a:chOff x="0" y="0"/>
+          <a:chExt cx="0" cy="0"/>
+        </a:xfrm>
+      </p:grpSpPr>
+      <p:sp>
+        <p:nvSpPr>
+          <p:cNvPr id="106" name="TextBox 105"/>
+          <p:cNvSpPr txBox="1"/>
+          <p:nvPr/>
+        </p:nvSpPr>
+        <p:spPr>
+          <a:xfrm>
+            <a:off x="2854330" y="609600"/>
+            <a:ext cx="2708270" cy="422310"/>
+          </a:xfrm>
+          <a:prstGeom prst="rect">
+            <a:avLst/>
+          </a:prstGeom>
+          <a:noFill/>
+        </p:spPr>
+        <p:txBody>
+          <a:bodyPr wrap="none" lIns="82945" tIns="41473" rIns="82945" bIns="41473" rtlCol="0">
+            <a:spAutoFit/>
+          </a:bodyPr>
+          <a:lstStyle/>
+          <a:p>
+            <a:r>
+              <a:rPr lang="en-US" sz="2200" b="1" dirty="0" smtClean="0"/>
+              <a:t>SYSTEM DESIGN</a:t>
+            </a:r>
+            <a:endParaRPr lang="tr-TR" sz="2200" b="1" dirty="0"/>
+          </a:p>
+        </p:txBody>
+      </p:sp>
+      <p:sp>
+        <p:nvSpPr>
+          <p:cNvPr id="43" name="TextShape 2"/>
+          <p:cNvSpPr txBox="1"/>
+          <p:nvPr/>
+        </p:nvSpPr>
+        <p:spPr>
+          <a:xfrm>
+            <a:off x="457172" y="2038305"/>
+            <a:ext cx="8228763" cy="3977484"/>
+          </a:xfrm>
+          <a:prstGeom prst="rect">
+            <a:avLst/>
+          </a:prstGeom>
+        </p:spPr>
+        <p:txBody>
+          <a:bodyPr lIns="0" tIns="0" rIns="0" bIns="0"/>
+          <a:lstStyle/>
+          <a:p>
+            <a:endParaRPr/>
+          </a:p>
+        </p:txBody>
+      </p:sp>
+      <p:grpSp>
+        <p:nvGrpSpPr>
+          <p:cNvPr id="2" name="Group 75"/>
+          <p:cNvGrpSpPr/>
+          <p:nvPr/>
+        </p:nvGrpSpPr>
+        <p:grpSpPr>
+          <a:xfrm>
+            <a:off x="1114560" y="5314136"/>
+            <a:ext cx="6775200" cy="1162864"/>
+            <a:chOff x="468312" y="5380037"/>
+            <a:chExt cx="7469187" cy="1281842"/>
+          </a:xfrm>
+        </p:grpSpPr>
         <p:grpSp>
           <p:nvGrpSpPr>
-            <p:cNvPr id="2" name="Group 75"/>
+            <p:cNvPr id="3" name="Group 41"/>
             <p:cNvGrpSpPr/>
             <p:nvPr/>
           </p:nvGrpSpPr>
           <p:grpSpPr>
             <a:xfrm>
-              <a:off x="1114560" y="5314136"/>
-              <a:ext cx="6775200" cy="1162864"/>
-              <a:chOff x="468312" y="5380037"/>
-              <a:chExt cx="7469187" cy="1281842"/>
+              <a:off x="6488112" y="5456237"/>
+              <a:ext cx="1449387" cy="1060833"/>
+              <a:chOff x="1914525" y="4770437"/>
+              <a:chExt cx="2592387" cy="1746633"/>
             </a:xfrm>
           </p:grpSpPr>
-          <p:grpSp>
-            <p:nvGrpSpPr>
-              <p:cNvPr id="3" name="Group 41"/>
-              <p:cNvGrpSpPr/>
-              <p:nvPr/>
-            </p:nvGrpSpPr>
-            <p:grpSpPr>
-              <a:xfrm>
-                <a:off x="6488112" y="5456237"/>
-                <a:ext cx="1449387" cy="1060833"/>
-                <a:chOff x="1914525" y="4770437"/>
-                <a:chExt cx="2592387" cy="1746633"/>
-              </a:xfrm>
-            </p:grpSpPr>
-            <p:sp>
-              <p:nvSpPr>
-                <p:cNvPr id="44" name="Freeform 43"/>
-                <p:cNvSpPr/>
-                <p:nvPr/>
-              </p:nvSpPr>
-              <p:spPr>
-                <a:xfrm>
-                  <a:off x="1914525" y="4770437"/>
-                  <a:ext cx="2592387" cy="1746633"/>
-                </a:xfrm>
-                <a:custGeom>
-                  <a:avLst/>
-                  <a:gdLst>
-                    <a:gd name="connsiteX0" fmla="*/ 800100 w 1724025"/>
-                    <a:gd name="connsiteY0" fmla="*/ 7937 h 1238632"/>
-                    <a:gd name="connsiteX1" fmla="*/ 790575 w 1724025"/>
-                    <a:gd name="connsiteY1" fmla="*/ 55562 h 1238632"/>
-                    <a:gd name="connsiteX2" fmla="*/ 809625 w 1724025"/>
-                    <a:gd name="connsiteY2" fmla="*/ 169862 h 1238632"/>
-                    <a:gd name="connsiteX3" fmla="*/ 828675 w 1724025"/>
-                    <a:gd name="connsiteY3" fmla="*/ 198437 h 1238632"/>
-                    <a:gd name="connsiteX4" fmla="*/ 1019175 w 1724025"/>
-                    <a:gd name="connsiteY4" fmla="*/ 188912 h 1238632"/>
-                    <a:gd name="connsiteX5" fmla="*/ 1047750 w 1724025"/>
-                    <a:gd name="connsiteY5" fmla="*/ 169862 h 1238632"/>
-                    <a:gd name="connsiteX6" fmla="*/ 1076325 w 1724025"/>
-                    <a:gd name="connsiteY6" fmla="*/ 160337 h 1238632"/>
-                    <a:gd name="connsiteX7" fmla="*/ 1085850 w 1724025"/>
-                    <a:gd name="connsiteY7" fmla="*/ 131762 h 1238632"/>
-                    <a:gd name="connsiteX8" fmla="*/ 1114425 w 1724025"/>
-                    <a:gd name="connsiteY8" fmla="*/ 122237 h 1238632"/>
-                    <a:gd name="connsiteX9" fmla="*/ 1143000 w 1724025"/>
-                    <a:gd name="connsiteY9" fmla="*/ 103187 h 1238632"/>
-                    <a:gd name="connsiteX10" fmla="*/ 1200150 w 1724025"/>
-                    <a:gd name="connsiteY10" fmla="*/ 84137 h 1238632"/>
-                    <a:gd name="connsiteX11" fmla="*/ 1276350 w 1724025"/>
-                    <a:gd name="connsiteY11" fmla="*/ 93662 h 1238632"/>
-                    <a:gd name="connsiteX12" fmla="*/ 1333500 w 1724025"/>
-                    <a:gd name="connsiteY12" fmla="*/ 112712 h 1238632"/>
-                    <a:gd name="connsiteX13" fmla="*/ 1343025 w 1724025"/>
-                    <a:gd name="connsiteY13" fmla="*/ 141287 h 1238632"/>
-                    <a:gd name="connsiteX14" fmla="*/ 1362075 w 1724025"/>
-                    <a:gd name="connsiteY14" fmla="*/ 169862 h 1238632"/>
-                    <a:gd name="connsiteX15" fmla="*/ 1381125 w 1724025"/>
-                    <a:gd name="connsiteY15" fmla="*/ 227012 h 1238632"/>
-                    <a:gd name="connsiteX16" fmla="*/ 1362075 w 1724025"/>
-                    <a:gd name="connsiteY16" fmla="*/ 341312 h 1238632"/>
-                    <a:gd name="connsiteX17" fmla="*/ 1343025 w 1724025"/>
-                    <a:gd name="connsiteY17" fmla="*/ 369887 h 1238632"/>
-                    <a:gd name="connsiteX18" fmla="*/ 1352550 w 1724025"/>
-                    <a:gd name="connsiteY18" fmla="*/ 474662 h 1238632"/>
-                    <a:gd name="connsiteX19" fmla="*/ 1409700 w 1724025"/>
-                    <a:gd name="connsiteY19" fmla="*/ 512762 h 1238632"/>
-                    <a:gd name="connsiteX20" fmla="*/ 1466850 w 1724025"/>
-                    <a:gd name="connsiteY20" fmla="*/ 541337 h 1238632"/>
-                    <a:gd name="connsiteX21" fmla="*/ 1504950 w 1724025"/>
-                    <a:gd name="connsiteY21" fmla="*/ 550862 h 1238632"/>
-                    <a:gd name="connsiteX22" fmla="*/ 1533525 w 1724025"/>
-                    <a:gd name="connsiteY22" fmla="*/ 560387 h 1238632"/>
-                    <a:gd name="connsiteX23" fmla="*/ 1638300 w 1724025"/>
-                    <a:gd name="connsiteY23" fmla="*/ 598487 h 1238632"/>
-                    <a:gd name="connsiteX24" fmla="*/ 1666875 w 1724025"/>
-                    <a:gd name="connsiteY24" fmla="*/ 608012 h 1238632"/>
-                    <a:gd name="connsiteX25" fmla="*/ 1685925 w 1724025"/>
-                    <a:gd name="connsiteY25" fmla="*/ 636587 h 1238632"/>
-                    <a:gd name="connsiteX26" fmla="*/ 1704975 w 1724025"/>
-                    <a:gd name="connsiteY26" fmla="*/ 693737 h 1238632"/>
-                    <a:gd name="connsiteX27" fmla="*/ 1724025 w 1724025"/>
-                    <a:gd name="connsiteY27" fmla="*/ 779462 h 1238632"/>
-                    <a:gd name="connsiteX28" fmla="*/ 1695450 w 1724025"/>
-                    <a:gd name="connsiteY28" fmla="*/ 855662 h 1238632"/>
-                    <a:gd name="connsiteX29" fmla="*/ 1666875 w 1724025"/>
-                    <a:gd name="connsiteY29" fmla="*/ 865187 h 1238632"/>
-                    <a:gd name="connsiteX30" fmla="*/ 1638300 w 1724025"/>
-                    <a:gd name="connsiteY30" fmla="*/ 884237 h 1238632"/>
-                    <a:gd name="connsiteX31" fmla="*/ 1400175 w 1724025"/>
-                    <a:gd name="connsiteY31" fmla="*/ 893762 h 1238632"/>
-                    <a:gd name="connsiteX32" fmla="*/ 1333500 w 1724025"/>
-                    <a:gd name="connsiteY32" fmla="*/ 912812 h 1238632"/>
-                    <a:gd name="connsiteX33" fmla="*/ 1276350 w 1724025"/>
-                    <a:gd name="connsiteY33" fmla="*/ 931862 h 1238632"/>
-                    <a:gd name="connsiteX34" fmla="*/ 1219200 w 1724025"/>
-                    <a:gd name="connsiteY34" fmla="*/ 969962 h 1238632"/>
-                    <a:gd name="connsiteX35" fmla="*/ 1162050 w 1724025"/>
-                    <a:gd name="connsiteY35" fmla="*/ 1008062 h 1238632"/>
-                    <a:gd name="connsiteX36" fmla="*/ 1133475 w 1724025"/>
-                    <a:gd name="connsiteY36" fmla="*/ 1027112 h 1238632"/>
-                    <a:gd name="connsiteX37" fmla="*/ 1057275 w 1724025"/>
-                    <a:gd name="connsiteY37" fmla="*/ 1141412 h 1238632"/>
-                    <a:gd name="connsiteX38" fmla="*/ 1038225 w 1724025"/>
-                    <a:gd name="connsiteY38" fmla="*/ 1169987 h 1238632"/>
-                    <a:gd name="connsiteX39" fmla="*/ 942975 w 1724025"/>
-                    <a:gd name="connsiteY39" fmla="*/ 1208087 h 1238632"/>
-                    <a:gd name="connsiteX40" fmla="*/ 895350 w 1724025"/>
-                    <a:gd name="connsiteY40" fmla="*/ 1217612 h 1238632"/>
-                    <a:gd name="connsiteX41" fmla="*/ 781050 w 1724025"/>
-                    <a:gd name="connsiteY41" fmla="*/ 1236662 h 1238632"/>
-                    <a:gd name="connsiteX42" fmla="*/ 571500 w 1724025"/>
-                    <a:gd name="connsiteY42" fmla="*/ 1227137 h 1238632"/>
-                    <a:gd name="connsiteX43" fmla="*/ 552450 w 1724025"/>
-                    <a:gd name="connsiteY43" fmla="*/ 1198562 h 1238632"/>
-                    <a:gd name="connsiteX44" fmla="*/ 542925 w 1724025"/>
-                    <a:gd name="connsiteY44" fmla="*/ 969962 h 1238632"/>
-                    <a:gd name="connsiteX45" fmla="*/ 523875 w 1724025"/>
-                    <a:gd name="connsiteY45" fmla="*/ 855662 h 1238632"/>
-                    <a:gd name="connsiteX46" fmla="*/ 495300 w 1724025"/>
-                    <a:gd name="connsiteY46" fmla="*/ 798512 h 1238632"/>
-                    <a:gd name="connsiteX47" fmla="*/ 438150 w 1724025"/>
-                    <a:gd name="connsiteY47" fmla="*/ 760412 h 1238632"/>
-                    <a:gd name="connsiteX48" fmla="*/ 342900 w 1724025"/>
-                    <a:gd name="connsiteY48" fmla="*/ 731837 h 1238632"/>
-                    <a:gd name="connsiteX49" fmla="*/ 257175 w 1724025"/>
-                    <a:gd name="connsiteY49" fmla="*/ 712787 h 1238632"/>
-                    <a:gd name="connsiteX50" fmla="*/ 228600 w 1724025"/>
-                    <a:gd name="connsiteY50" fmla="*/ 703262 h 1238632"/>
-                    <a:gd name="connsiteX51" fmla="*/ 142875 w 1724025"/>
-                    <a:gd name="connsiteY51" fmla="*/ 684212 h 1238632"/>
-                    <a:gd name="connsiteX52" fmla="*/ 104775 w 1724025"/>
-                    <a:gd name="connsiteY52" fmla="*/ 655637 h 1238632"/>
-                    <a:gd name="connsiteX53" fmla="*/ 57150 w 1724025"/>
-                    <a:gd name="connsiteY53" fmla="*/ 608012 h 1238632"/>
-                    <a:gd name="connsiteX54" fmla="*/ 28575 w 1724025"/>
-                    <a:gd name="connsiteY54" fmla="*/ 550862 h 1238632"/>
-                    <a:gd name="connsiteX55" fmla="*/ 9525 w 1724025"/>
-                    <a:gd name="connsiteY55" fmla="*/ 484187 h 1238632"/>
-                    <a:gd name="connsiteX56" fmla="*/ 0 w 1724025"/>
-                    <a:gd name="connsiteY56" fmla="*/ 455612 h 1238632"/>
-                    <a:gd name="connsiteX57" fmla="*/ 9525 w 1724025"/>
-                    <a:gd name="connsiteY57" fmla="*/ 360362 h 1238632"/>
-                    <a:gd name="connsiteX58" fmla="*/ 47625 w 1724025"/>
-                    <a:gd name="connsiteY58" fmla="*/ 303212 h 1238632"/>
-                    <a:gd name="connsiteX59" fmla="*/ 76200 w 1724025"/>
-                    <a:gd name="connsiteY59" fmla="*/ 274637 h 1238632"/>
-                    <a:gd name="connsiteX60" fmla="*/ 171450 w 1724025"/>
-                    <a:gd name="connsiteY60" fmla="*/ 217487 h 1238632"/>
-                    <a:gd name="connsiteX61" fmla="*/ 200025 w 1724025"/>
-                    <a:gd name="connsiteY61" fmla="*/ 207962 h 1238632"/>
-                    <a:gd name="connsiteX62" fmla="*/ 333375 w 1724025"/>
-                    <a:gd name="connsiteY62" fmla="*/ 188912 h 1238632"/>
-                    <a:gd name="connsiteX63" fmla="*/ 495300 w 1724025"/>
-                    <a:gd name="connsiteY63" fmla="*/ 179387 h 1238632"/>
-                    <a:gd name="connsiteX64" fmla="*/ 523875 w 1724025"/>
-                    <a:gd name="connsiteY64" fmla="*/ 169862 h 1238632"/>
-                    <a:gd name="connsiteX65" fmla="*/ 590550 w 1724025"/>
-                    <a:gd name="connsiteY65" fmla="*/ 93662 h 1238632"/>
-                    <a:gd name="connsiteX66" fmla="*/ 609600 w 1724025"/>
-                    <a:gd name="connsiteY66" fmla="*/ 65087 h 1238632"/>
-                    <a:gd name="connsiteX67" fmla="*/ 628650 w 1724025"/>
-                    <a:gd name="connsiteY67" fmla="*/ 36512 h 1238632"/>
-                    <a:gd name="connsiteX68" fmla="*/ 685800 w 1724025"/>
-                    <a:gd name="connsiteY68" fmla="*/ 7937 h 1238632"/>
-                    <a:gd name="connsiteX69" fmla="*/ 800100 w 1724025"/>
-                    <a:gd name="connsiteY69" fmla="*/ 7937 h 1238632"/>
-                  </a:gdLst>
-                  <a:ahLst/>
-                  <a:cxnLst>
-                    <a:cxn ang="0">
-                      <a:pos x="connsiteX0" y="connsiteY0"/>
-                    </a:cxn>
-                    <a:cxn ang="0">
-                      <a:pos x="connsiteX1" y="connsiteY1"/>
-                    </a:cxn>
-                    <a:cxn ang="0">
-                      <a:pos x="connsiteX2" y="connsiteY2"/>
-                    </a:cxn>
-                    <a:cxn ang="0">
-                      <a:pos x="connsiteX3" y="connsiteY3"/>
-                    </a:cxn>
-                    <a:cxn ang="0">
-                      <a:pos x="connsiteX4" y="connsiteY4"/>
-                    </a:cxn>
-                    <a:cxn ang="0">
-                      <a:pos x="connsiteX5" y="connsiteY5"/>
-                    </a:cxn>
-                    <a:cxn ang="0">
-                      <a:pos x="connsiteX6" y="connsiteY6"/>
-                    </a:cxn>
-                    <a:cxn ang="0">
-                      <a:pos x="connsiteX7" y="connsiteY7"/>
-                    </a:cxn>
-                    <a:cxn ang="0">
-                      <a:pos x="connsiteX8" y="connsiteY8"/>
-                    </a:cxn>
-                    <a:cxn ang="0">
-                      <a:pos x="connsiteX9" y="connsiteY9"/>
-                    </a:cxn>
-                    <a:cxn ang="0">
-                      <a:pos x="connsiteX10" y="connsiteY10"/>
-                    </a:cxn>
-                    <a:cxn ang="0">
-                      <a:pos x="connsiteX11" y="connsiteY11"/>
-                    </a:cxn>
-                    <a:cxn ang="0">
-                      <a:pos x="connsiteX12" y="connsiteY12"/>
-                    </a:cxn>
-                    <a:cxn ang="0">
-                      <a:pos x="connsiteX13" y="connsiteY13"/>
-                    </a:cxn>
-                    <a:cxn ang="0">
-                      <a:pos x="connsiteX14" y="connsiteY14"/>
-                    </a:cxn>
-                    <a:cxn ang="0">
-                      <a:pos x="connsiteX15" y="connsiteY15"/>
-                    </a:cxn>
-                    <a:cxn ang="0">
-                      <a:pos x="connsiteX16" y="connsiteY16"/>
-                    </a:cxn>
-                    <a:cxn ang="0">
-                      <a:pos x="connsiteX17" y="connsiteY17"/>
-                    </a:cxn>
-                    <a:cxn ang="0">
-                      <a:pos x="connsiteX18" y="connsiteY18"/>
-                    </a:cxn>
-                    <a:cxn ang="0">
-                      <a:pos x="connsiteX19" y="connsiteY19"/>
-                    </a:cxn>
-                    <a:cxn ang="0">
-                      <a:pos x="connsiteX20" y="connsiteY20"/>
-                    </a:cxn>
-                    <a:cxn ang="0">
-                      <a:pos x="connsiteX21" y="connsiteY21"/>
-                    </a:cxn>
-                    <a:cxn ang="0">
-                      <a:pos x="connsiteX22" y="connsiteY22"/>
-                    </a:cxn>
-                    <a:cxn ang="0">
-                      <a:pos x="connsiteX23" y="connsiteY23"/>
-                    </a:cxn>
-                    <a:cxn ang="0">
-                      <a:pos x="connsiteX24" y="connsiteY24"/>
-                    </a:cxn>
-                    <a:cxn ang="0">
-                      <a:pos x="connsiteX25" y="connsiteY25"/>
-                    </a:cxn>
-                    <a:cxn ang="0">
-                      <a:pos x="connsiteX26" y="connsiteY26"/>
-                    </a:cxn>
-                    <a:cxn ang="0">
-                      <a:pos x="connsiteX27" y="connsiteY27"/>
-                    </a:cxn>
-                    <a:cxn ang="0">
-                      <a:pos x="connsiteX28" y="connsiteY28"/>
-                    </a:cxn>
-                    <a:cxn ang="0">
-                      <a:pos x="connsiteX29" y="connsiteY29"/>
-                    </a:cxn>
-                    <a:cxn ang="0">
-                      <a:pos x="connsiteX30" y="connsiteY30"/>
-                    </a:cxn>
-                    <a:cxn ang="0">
-                      <a:pos x="connsiteX31" y="connsiteY31"/>
-                    </a:cxn>
-                    <a:cxn ang="0">
-                      <a:pos x="connsiteX32" y="connsiteY32"/>
-                    </a:cxn>
-                    <a:cxn ang="0">
-                      <a:pos x="connsiteX33" y="connsiteY33"/>
-                    </a:cxn>
-                    <a:cxn ang="0">
-                      <a:pos x="connsiteX34" y="connsiteY34"/>
-                    </a:cxn>
-                    <a:cxn ang="0">
-                      <a:pos x="connsiteX35" y="connsiteY35"/>
-                    </a:cxn>
-                    <a:cxn ang="0">
-                      <a:pos x="connsiteX36" y="connsiteY36"/>
-                    </a:cxn>
-                    <a:cxn ang="0">
-                      <a:pos x="connsiteX37" y="connsiteY37"/>
-                    </a:cxn>
-                    <a:cxn ang="0">
-                      <a:pos x="connsiteX38" y="connsiteY38"/>
-                    </a:cxn>
-                    <a:cxn ang="0">
-                      <a:pos x="connsiteX39" y="connsiteY39"/>
-                    </a:cxn>
-                    <a:cxn ang="0">
-                      <a:pos x="connsiteX40" y="connsiteY40"/>
-                    </a:cxn>
-                    <a:cxn ang="0">
-                      <a:pos x="connsiteX41" y="connsiteY41"/>
-                    </a:cxn>
-                    <a:cxn ang="0">
-                      <a:pos x="connsiteX42" y="connsiteY42"/>
-                    </a:cxn>
-                    <a:cxn ang="0">
-                      <a:pos x="connsiteX43" y="connsiteY43"/>
-                    </a:cxn>
-                    <a:cxn ang="0">
-                      <a:pos x="connsiteX44" y="connsiteY44"/>
-                    </a:cxn>
-                    <a:cxn ang="0">
-                      <a:pos x="connsiteX45" y="connsiteY45"/>
-                    </a:cxn>
-                    <a:cxn ang="0">
-                      <a:pos x="connsiteX46" y="connsiteY46"/>
-                    </a:cxn>
-                    <a:cxn ang="0">
-                      <a:pos x="connsiteX47" y="connsiteY47"/>
-                    </a:cxn>
-                    <a:cxn ang="0">
-                      <a:pos x="connsiteX48" y="connsiteY48"/>
-                    </a:cxn>
-                    <a:cxn ang="0">
-                      <a:pos x="connsiteX49" y="connsiteY49"/>
-                    </a:cxn>
-                    <a:cxn ang="0">
-                      <a:pos x="connsiteX50" y="connsiteY50"/>
-                    </a:cxn>
-                    <a:cxn ang="0">
-                      <a:pos x="connsiteX51" y="connsiteY51"/>
-                    </a:cxn>
-                    <a:cxn ang="0">
-                      <a:pos x="connsiteX52" y="connsiteY52"/>
-                    </a:cxn>
-                    <a:cxn ang="0">
-                      <a:pos x="connsiteX53" y="connsiteY53"/>
-                    </a:cxn>
-                    <a:cxn ang="0">
-                      <a:pos x="connsiteX54" y="connsiteY54"/>
-                    </a:cxn>
-                    <a:cxn ang="0">
-                      <a:pos x="connsiteX55" y="connsiteY55"/>
-                    </a:cxn>
-                    <a:cxn ang="0">
-                      <a:pos x="connsiteX56" y="connsiteY56"/>
-                    </a:cxn>
-                    <a:cxn ang="0">
-                      <a:pos x="connsiteX57" y="connsiteY57"/>
-                    </a:cxn>
-                    <a:cxn ang="0">
-                      <a:pos x="connsiteX58" y="connsiteY58"/>
-                    </a:cxn>
-                    <a:cxn ang="0">
-                      <a:pos x="connsiteX59" y="connsiteY59"/>
-                    </a:cxn>
-                    <a:cxn ang="0">
-                      <a:pos x="connsiteX60" y="connsiteY60"/>
-                    </a:cxn>
-                    <a:cxn ang="0">
-                      <a:pos x="connsiteX61" y="connsiteY61"/>
-                    </a:cxn>
-                    <a:cxn ang="0">
-                      <a:pos x="connsiteX62" y="connsiteY62"/>
-                    </a:cxn>
-                    <a:cxn ang="0">
-                      <a:pos x="connsiteX63" y="connsiteY63"/>
-                    </a:cxn>
-                    <a:cxn ang="0">
-                      <a:pos x="connsiteX64" y="connsiteY64"/>
-                    </a:cxn>
-                    <a:cxn ang="0">
-                      <a:pos x="connsiteX65" y="connsiteY65"/>
-                    </a:cxn>
-                    <a:cxn ang="0">
-                      <a:pos x="connsiteX66" y="connsiteY66"/>
-                    </a:cxn>
-                    <a:cxn ang="0">
-                      <a:pos x="connsiteX67" y="connsiteY67"/>
-                    </a:cxn>
-                    <a:cxn ang="0">
-                      <a:pos x="connsiteX68" y="connsiteY68"/>
-                    </a:cxn>
-                    <a:cxn ang="0">
-                      <a:pos x="connsiteX69" y="connsiteY69"/>
-                    </a:cxn>
-                  </a:cxnLst>
-                  <a:rect l="l" t="t" r="r" b="b"/>
-                  <a:pathLst>
-                    <a:path w="1724025" h="1238632">
-                      <a:moveTo>
-                        <a:pt x="800100" y="7937"/>
-                      </a:moveTo>
-                      <a:cubicBezTo>
-                        <a:pt x="817562" y="15874"/>
-                        <a:pt x="790575" y="39373"/>
-                        <a:pt x="790575" y="55562"/>
-                      </a:cubicBezTo>
-                      <a:cubicBezTo>
-                        <a:pt x="790575" y="76688"/>
-                        <a:pt x="794722" y="140055"/>
-                        <a:pt x="809625" y="169862"/>
-                      </a:cubicBezTo>
-                      <a:cubicBezTo>
-                        <a:pt x="814745" y="180101"/>
-                        <a:pt x="822325" y="188912"/>
-                        <a:pt x="828675" y="198437"/>
-                      </a:cubicBezTo>
-                      <a:cubicBezTo>
-                        <a:pt x="892175" y="195262"/>
-                        <a:pt x="956130" y="197135"/>
-                        <a:pt x="1019175" y="188912"/>
-                      </a:cubicBezTo>
-                      <a:cubicBezTo>
-                        <a:pt x="1030526" y="187431"/>
-                        <a:pt x="1037511" y="174982"/>
-                        <a:pt x="1047750" y="169862"/>
-                      </a:cubicBezTo>
-                      <a:cubicBezTo>
-                        <a:pt x="1056730" y="165372"/>
-                        <a:pt x="1066800" y="163512"/>
-                        <a:pt x="1076325" y="160337"/>
-                      </a:cubicBezTo>
-                      <a:cubicBezTo>
-                        <a:pt x="1079500" y="150812"/>
-                        <a:pt x="1078750" y="138862"/>
-                        <a:pt x="1085850" y="131762"/>
-                      </a:cubicBezTo>
-                      <a:cubicBezTo>
-                        <a:pt x="1092950" y="124662"/>
-                        <a:pt x="1105445" y="126727"/>
-                        <a:pt x="1114425" y="122237"/>
-                      </a:cubicBezTo>
-                      <a:cubicBezTo>
-                        <a:pt x="1124664" y="117117"/>
-                        <a:pt x="1132539" y="107836"/>
-                        <a:pt x="1143000" y="103187"/>
-                      </a:cubicBezTo>
-                      <a:cubicBezTo>
-                        <a:pt x="1161350" y="95032"/>
-                        <a:pt x="1200150" y="84137"/>
-                        <a:pt x="1200150" y="84137"/>
-                      </a:cubicBezTo>
-                      <a:cubicBezTo>
-                        <a:pt x="1225550" y="87312"/>
-                        <a:pt x="1251321" y="88299"/>
-                        <a:pt x="1276350" y="93662"/>
-                      </a:cubicBezTo>
-                      <a:cubicBezTo>
-                        <a:pt x="1295985" y="97869"/>
-                        <a:pt x="1333500" y="112712"/>
-                        <a:pt x="1333500" y="112712"/>
-                      </a:cubicBezTo>
-                      <a:cubicBezTo>
-                        <a:pt x="1336675" y="122237"/>
-                        <a:pt x="1338535" y="132307"/>
-                        <a:pt x="1343025" y="141287"/>
-                      </a:cubicBezTo>
-                      <a:cubicBezTo>
-                        <a:pt x="1348145" y="151526"/>
-                        <a:pt x="1357426" y="159401"/>
-                        <a:pt x="1362075" y="169862"/>
-                      </a:cubicBezTo>
-                      <a:cubicBezTo>
-                        <a:pt x="1370230" y="188212"/>
-                        <a:pt x="1381125" y="227012"/>
-                        <a:pt x="1381125" y="227012"/>
-                      </a:cubicBezTo>
-                      <a:cubicBezTo>
-                        <a:pt x="1378107" y="254174"/>
-                        <a:pt x="1378032" y="309397"/>
-                        <a:pt x="1362075" y="341312"/>
-                      </a:cubicBezTo>
-                      <a:cubicBezTo>
-                        <a:pt x="1356955" y="351551"/>
-                        <a:pt x="1349375" y="360362"/>
-                        <a:pt x="1343025" y="369887"/>
-                      </a:cubicBezTo>
-                      <a:cubicBezTo>
-                        <a:pt x="1346200" y="404812"/>
-                        <a:pt x="1337720" y="442883"/>
-                        <a:pt x="1352550" y="474662"/>
-                      </a:cubicBezTo>
-                      <a:cubicBezTo>
-                        <a:pt x="1362232" y="495409"/>
-                        <a:pt x="1387980" y="505522"/>
-                        <a:pt x="1409700" y="512762"/>
-                      </a:cubicBezTo>
-                      <a:cubicBezTo>
-                        <a:pt x="1530107" y="552898"/>
-                        <a:pt x="1337599" y="485944"/>
-                        <a:pt x="1466850" y="541337"/>
-                      </a:cubicBezTo>
-                      <a:cubicBezTo>
-                        <a:pt x="1478882" y="546494"/>
-                        <a:pt x="1492363" y="547266"/>
-                        <a:pt x="1504950" y="550862"/>
-                      </a:cubicBezTo>
-                      <a:cubicBezTo>
-                        <a:pt x="1514604" y="553620"/>
-                        <a:pt x="1524124" y="556862"/>
-                        <a:pt x="1533525" y="560387"/>
-                      </a:cubicBezTo>
-                      <a:cubicBezTo>
-                        <a:pt x="1639556" y="600149"/>
-                        <a:pt x="1518232" y="558464"/>
-                        <a:pt x="1638300" y="598487"/>
-                      </a:cubicBezTo>
-                      <a:lnTo>
-                        <a:pt x="1666875" y="608012"/>
-                      </a:lnTo>
-                      <a:cubicBezTo>
-                        <a:pt x="1673225" y="617537"/>
-                        <a:pt x="1681276" y="626126"/>
-                        <a:pt x="1685925" y="636587"/>
-                      </a:cubicBezTo>
-                      <a:cubicBezTo>
-                        <a:pt x="1694080" y="654937"/>
-                        <a:pt x="1698625" y="674687"/>
-                        <a:pt x="1704975" y="693737"/>
-                      </a:cubicBezTo>
-                      <a:cubicBezTo>
-                        <a:pt x="1720607" y="740634"/>
-                        <a:pt x="1712849" y="712408"/>
-                        <a:pt x="1724025" y="779462"/>
-                      </a:cubicBezTo>
-                      <a:cubicBezTo>
-                        <a:pt x="1718862" y="805278"/>
-                        <a:pt x="1718809" y="836975"/>
-                        <a:pt x="1695450" y="855662"/>
-                      </a:cubicBezTo>
-                      <a:cubicBezTo>
-                        <a:pt x="1687610" y="861934"/>
-                        <a:pt x="1675855" y="860697"/>
-                        <a:pt x="1666875" y="865187"/>
-                      </a:cubicBezTo>
-                      <a:cubicBezTo>
-                        <a:pt x="1656636" y="870307"/>
-                        <a:pt x="1649682" y="883017"/>
-                        <a:pt x="1638300" y="884237"/>
-                      </a:cubicBezTo>
-                      <a:cubicBezTo>
-                        <a:pt x="1559314" y="892700"/>
-                        <a:pt x="1479550" y="890587"/>
-                        <a:pt x="1400175" y="893762"/>
-                      </a:cubicBezTo>
-                      <a:cubicBezTo>
-                        <a:pt x="1304143" y="925773"/>
-                        <a:pt x="1453101" y="876932"/>
-                        <a:pt x="1333500" y="912812"/>
-                      </a:cubicBezTo>
-                      <a:cubicBezTo>
-                        <a:pt x="1314266" y="918582"/>
-                        <a:pt x="1293058" y="920723"/>
-                        <a:pt x="1276350" y="931862"/>
-                      </a:cubicBezTo>
-                      <a:lnTo>
-                        <a:pt x="1219200" y="969962"/>
-                      </a:lnTo>
-                      <a:lnTo>
-                        <a:pt x="1162050" y="1008062"/>
-                      </a:lnTo>
-                      <a:lnTo>
-                        <a:pt x="1133475" y="1027112"/>
-                      </a:lnTo>
-                      <a:lnTo>
-                        <a:pt x="1057275" y="1141412"/>
-                      </a:lnTo>
-                      <a:cubicBezTo>
-                        <a:pt x="1050925" y="1150937"/>
-                        <a:pt x="1048464" y="1164867"/>
-                        <a:pt x="1038225" y="1169987"/>
-                      </a:cubicBezTo>
-                      <a:cubicBezTo>
-                        <a:pt x="1004358" y="1186920"/>
-                        <a:pt x="982209" y="1200240"/>
-                        <a:pt x="942975" y="1208087"/>
-                      </a:cubicBezTo>
-                      <a:cubicBezTo>
-                        <a:pt x="927100" y="1211262"/>
-                        <a:pt x="911293" y="1214799"/>
-                        <a:pt x="895350" y="1217612"/>
-                      </a:cubicBezTo>
-                      <a:lnTo>
-                        <a:pt x="781050" y="1236662"/>
-                      </a:lnTo>
-                      <a:cubicBezTo>
-                        <a:pt x="711200" y="1233487"/>
-                        <a:pt x="640471" y="1238632"/>
-                        <a:pt x="571500" y="1227137"/>
-                      </a:cubicBezTo>
-                      <a:cubicBezTo>
-                        <a:pt x="560208" y="1225255"/>
-                        <a:pt x="553714" y="1209940"/>
-                        <a:pt x="552450" y="1198562"/>
-                      </a:cubicBezTo>
-                      <a:cubicBezTo>
-                        <a:pt x="544028" y="1122762"/>
-                        <a:pt x="547835" y="1046070"/>
-                        <a:pt x="542925" y="969962"/>
-                      </a:cubicBezTo>
-                      <a:cubicBezTo>
-                        <a:pt x="541522" y="948223"/>
-                        <a:pt x="530295" y="881341"/>
-                        <a:pt x="523875" y="855662"/>
-                      </a:cubicBezTo>
-                      <a:cubicBezTo>
-                        <a:pt x="519255" y="837182"/>
-                        <a:pt x="510199" y="811549"/>
-                        <a:pt x="495300" y="798512"/>
-                      </a:cubicBezTo>
-                      <a:cubicBezTo>
-                        <a:pt x="478070" y="783435"/>
-                        <a:pt x="459870" y="767652"/>
-                        <a:pt x="438150" y="760412"/>
-                      </a:cubicBezTo>
-                      <a:cubicBezTo>
-                        <a:pt x="302337" y="715141"/>
-                        <a:pt x="443667" y="760627"/>
-                        <a:pt x="342900" y="731837"/>
-                      </a:cubicBezTo>
-                      <a:cubicBezTo>
-                        <a:pt x="230329" y="699674"/>
-                        <a:pt x="450556" y="755761"/>
-                        <a:pt x="257175" y="712787"/>
-                      </a:cubicBezTo>
-                      <a:cubicBezTo>
-                        <a:pt x="247374" y="710609"/>
-                        <a:pt x="238401" y="705440"/>
-                        <a:pt x="228600" y="703262"/>
-                      </a:cubicBezTo>
-                      <a:cubicBezTo>
-                        <a:pt x="128020" y="680911"/>
-                        <a:pt x="207201" y="705654"/>
-                        <a:pt x="142875" y="684212"/>
-                      </a:cubicBezTo>
-                      <a:cubicBezTo>
-                        <a:pt x="130175" y="674687"/>
-                        <a:pt x="116000" y="666862"/>
-                        <a:pt x="104775" y="655637"/>
-                      </a:cubicBezTo>
-                      <a:cubicBezTo>
-                        <a:pt x="41275" y="592137"/>
-                        <a:pt x="133350" y="658812"/>
-                        <a:pt x="57150" y="608012"/>
-                      </a:cubicBezTo>
-                      <a:cubicBezTo>
-                        <a:pt x="33209" y="536188"/>
-                        <a:pt x="65504" y="624720"/>
-                        <a:pt x="28575" y="550862"/>
-                      </a:cubicBezTo>
-                      <a:cubicBezTo>
-                        <a:pt x="20962" y="535637"/>
-                        <a:pt x="13594" y="498429"/>
-                        <a:pt x="9525" y="484187"/>
-                      </a:cubicBezTo>
-                      <a:cubicBezTo>
-                        <a:pt x="6767" y="474533"/>
-                        <a:pt x="3175" y="465137"/>
-                        <a:pt x="0" y="455612"/>
-                      </a:cubicBezTo>
-                      <a:cubicBezTo>
-                        <a:pt x="3175" y="423862"/>
-                        <a:pt x="8" y="390818"/>
-                        <a:pt x="9525" y="360362"/>
-                      </a:cubicBezTo>
-                      <a:cubicBezTo>
-                        <a:pt x="16354" y="338509"/>
-                        <a:pt x="31436" y="319401"/>
-                        <a:pt x="47625" y="303212"/>
-                      </a:cubicBezTo>
-                      <a:cubicBezTo>
-                        <a:pt x="57150" y="293687"/>
-                        <a:pt x="65567" y="282907"/>
-                        <a:pt x="76200" y="274637"/>
-                      </a:cubicBezTo>
-                      <a:cubicBezTo>
-                        <a:pt x="103901" y="253092"/>
-                        <a:pt x="138462" y="231625"/>
-                        <a:pt x="171450" y="217487"/>
-                      </a:cubicBezTo>
-                      <a:cubicBezTo>
-                        <a:pt x="180678" y="213532"/>
-                        <a:pt x="190224" y="210140"/>
-                        <a:pt x="200025" y="207962"/>
-                      </a:cubicBezTo>
-                      <a:cubicBezTo>
-                        <a:pt x="227472" y="201863"/>
-                        <a:pt x="310847" y="190714"/>
-                        <a:pt x="333375" y="188912"/>
-                      </a:cubicBezTo>
-                      <a:cubicBezTo>
-                        <a:pt x="387271" y="184600"/>
-                        <a:pt x="441325" y="182562"/>
-                        <a:pt x="495300" y="179387"/>
-                      </a:cubicBezTo>
-                      <a:cubicBezTo>
-                        <a:pt x="504825" y="176212"/>
-                        <a:pt x="514895" y="174352"/>
-                        <a:pt x="523875" y="169862"/>
-                      </a:cubicBezTo>
-                      <a:cubicBezTo>
-                        <a:pt x="563563" y="150018"/>
-                        <a:pt x="561975" y="136525"/>
-                        <a:pt x="590550" y="93662"/>
-                      </a:cubicBezTo>
-                      <a:lnTo>
-                        <a:pt x="609600" y="65087"/>
-                      </a:lnTo>
-                      <a:cubicBezTo>
-                        <a:pt x="615950" y="55562"/>
-                        <a:pt x="617790" y="40132"/>
-                        <a:pt x="628650" y="36512"/>
-                      </a:cubicBezTo>
-                      <a:cubicBezTo>
-                        <a:pt x="668085" y="23367"/>
-                        <a:pt x="648871" y="32556"/>
-                        <a:pt x="685800" y="7937"/>
-                      </a:cubicBezTo>
-                      <a:cubicBezTo>
-                        <a:pt x="784209" y="17778"/>
-                        <a:pt x="782638" y="0"/>
-                        <a:pt x="800100" y="7937"/>
-                      </a:cubicBezTo>
-                      <a:close/>
-                    </a:path>
-                  </a:pathLst>
-                </a:custGeom>
-                <a:noFill/>
-              </p:spPr>
-              <p:style>
-                <a:lnRef idx="2">
-                  <a:schemeClr val="accent1">
-                    <a:shade val="50000"/>
-                  </a:schemeClr>
-                </a:lnRef>
-                <a:fillRef idx="1">
-                  <a:schemeClr val="accent1"/>
-                </a:fillRef>
-                <a:effectRef idx="0">
-                  <a:schemeClr val="accent1"/>
-                </a:effectRef>
-                <a:fontRef idx="minor">
-                  <a:schemeClr val="lt1"/>
-                </a:fontRef>
-              </p:style>
-              <p:txBody>
-                <a:bodyPr rtlCol="0" anchor="ctr"/>
-                <a:lstStyle/>
-                <a:p>
-                  <a:pPr algn="ctr"/>
-                  <a:endParaRPr lang="tr-TR"/>
-                </a:p>
-              </p:txBody>
-            </p:sp>
-            <p:sp>
-              <p:nvSpPr>
-                <p:cNvPr id="46" name="Oval 45"/>
-                <p:cNvSpPr/>
-                <p:nvPr/>
-              </p:nvSpPr>
-              <p:spPr>
-                <a:xfrm>
-                  <a:off x="2143125" y="5227637"/>
-                  <a:ext cx="228600" cy="228600"/>
-                </a:xfrm>
-                <a:prstGeom prst="ellipse">
-                  <a:avLst/>
-                </a:prstGeom>
-              </p:spPr>
-              <p:style>
-                <a:lnRef idx="2">
-                  <a:schemeClr val="accent1">
-                    <a:shade val="50000"/>
-                  </a:schemeClr>
-                </a:lnRef>
-                <a:fillRef idx="1">
-                  <a:schemeClr val="accent1"/>
-                </a:fillRef>
-                <a:effectRef idx="0">
-                  <a:schemeClr val="accent1"/>
-                </a:effectRef>
-                <a:fontRef idx="minor">
-                  <a:schemeClr val="lt1"/>
-                </a:fontRef>
-              </p:style>
-              <p:txBody>
-                <a:bodyPr rtlCol="0" anchor="ctr"/>
-                <a:lstStyle/>
-                <a:p>
-                  <a:pPr algn="ctr"/>
-                  <a:endParaRPr lang="tr-TR"/>
-                </a:p>
-              </p:txBody>
-            </p:sp>
-            <p:sp>
-              <p:nvSpPr>
-                <p:cNvPr id="47" name="Oval 46"/>
-                <p:cNvSpPr/>
-                <p:nvPr/>
-              </p:nvSpPr>
-              <p:spPr>
-                <a:xfrm>
-                  <a:off x="2600325" y="5456237"/>
-                  <a:ext cx="381000" cy="381000"/>
-                </a:xfrm>
-                <a:prstGeom prst="ellipse">
-                  <a:avLst/>
-                </a:prstGeom>
-              </p:spPr>
-              <p:style>
-                <a:lnRef idx="2">
-                  <a:schemeClr val="accent1">
-                    <a:shade val="50000"/>
-                  </a:schemeClr>
-                </a:lnRef>
-                <a:fillRef idx="1">
-                  <a:schemeClr val="accent1"/>
-                </a:fillRef>
-                <a:effectRef idx="0">
-                  <a:schemeClr val="accent1"/>
-                </a:effectRef>
-                <a:fontRef idx="minor">
-                  <a:schemeClr val="lt1"/>
-                </a:fontRef>
-              </p:style>
-              <p:txBody>
-                <a:bodyPr rtlCol="0" anchor="ctr"/>
-                <a:lstStyle/>
-                <a:p>
-                  <a:pPr algn="ctr"/>
-                  <a:endParaRPr lang="tr-TR"/>
-                </a:p>
-              </p:txBody>
-            </p:sp>
-            <p:sp>
-              <p:nvSpPr>
-                <p:cNvPr id="50" name="Oval 49"/>
-                <p:cNvSpPr/>
-                <p:nvPr/>
-              </p:nvSpPr>
-              <p:spPr>
-                <a:xfrm>
-                  <a:off x="3667125" y="4999037"/>
-                  <a:ext cx="228600" cy="228600"/>
-                </a:xfrm>
-                <a:prstGeom prst="ellipse">
-                  <a:avLst/>
-                </a:prstGeom>
-              </p:spPr>
-              <p:style>
-                <a:lnRef idx="2">
-                  <a:schemeClr val="accent1">
-                    <a:shade val="50000"/>
-                  </a:schemeClr>
-                </a:lnRef>
-                <a:fillRef idx="1">
-                  <a:schemeClr val="accent1"/>
-                </a:fillRef>
-                <a:effectRef idx="0">
-                  <a:schemeClr val="accent1"/>
-                </a:effectRef>
-                <a:fontRef idx="minor">
-                  <a:schemeClr val="lt1"/>
-                </a:fontRef>
-              </p:style>
-              <p:txBody>
-                <a:bodyPr rtlCol="0" anchor="ctr"/>
-                <a:lstStyle/>
-                <a:p>
-                  <a:pPr algn="ctr"/>
-                  <a:endParaRPr lang="tr-TR"/>
-                </a:p>
-              </p:txBody>
-            </p:sp>
-            <p:sp>
-              <p:nvSpPr>
-                <p:cNvPr id="52" name="Oval 51"/>
-                <p:cNvSpPr/>
-                <p:nvPr/>
-              </p:nvSpPr>
-              <p:spPr>
-                <a:xfrm>
-                  <a:off x="3514725" y="5837237"/>
-                  <a:ext cx="228600" cy="228600"/>
-                </a:xfrm>
-                <a:prstGeom prst="ellipse">
-                  <a:avLst/>
-                </a:prstGeom>
-              </p:spPr>
-              <p:style>
-                <a:lnRef idx="2">
-                  <a:schemeClr val="accent1">
-                    <a:shade val="50000"/>
-                  </a:schemeClr>
-                </a:lnRef>
-                <a:fillRef idx="1">
-                  <a:schemeClr val="accent1"/>
-                </a:fillRef>
-                <a:effectRef idx="0">
-                  <a:schemeClr val="accent1"/>
-                </a:effectRef>
-                <a:fontRef idx="minor">
-                  <a:schemeClr val="lt1"/>
-                </a:fontRef>
-              </p:style>
-              <p:txBody>
-                <a:bodyPr rtlCol="0" anchor="ctr"/>
-                <a:lstStyle/>
-                <a:p>
-                  <a:pPr algn="ctr"/>
-                  <a:endParaRPr lang="tr-TR"/>
-                </a:p>
-              </p:txBody>
-            </p:sp>
-            <p:sp>
-              <p:nvSpPr>
-                <p:cNvPr id="53" name="Oval 52"/>
-                <p:cNvSpPr/>
-                <p:nvPr/>
-              </p:nvSpPr>
-              <p:spPr>
-                <a:xfrm>
-                  <a:off x="2981325" y="6065837"/>
-                  <a:ext cx="304800" cy="304800"/>
-                </a:xfrm>
-                <a:prstGeom prst="ellipse">
-                  <a:avLst/>
-                </a:prstGeom>
-              </p:spPr>
-              <p:style>
-                <a:lnRef idx="2">
-                  <a:schemeClr val="accent1">
-                    <a:shade val="50000"/>
-                  </a:schemeClr>
-                </a:lnRef>
-                <a:fillRef idx="1">
-                  <a:schemeClr val="accent1"/>
-                </a:fillRef>
-                <a:effectRef idx="0">
-                  <a:schemeClr val="accent1"/>
-                </a:effectRef>
-                <a:fontRef idx="minor">
-                  <a:schemeClr val="lt1"/>
-                </a:fontRef>
-              </p:style>
-              <p:txBody>
-                <a:bodyPr rtlCol="0" anchor="ctr"/>
-                <a:lstStyle/>
-                <a:p>
-                  <a:pPr algn="ctr"/>
-                  <a:endParaRPr lang="tr-TR"/>
-                </a:p>
-              </p:txBody>
-            </p:sp>
-            <p:sp>
-              <p:nvSpPr>
-                <p:cNvPr id="54" name="Isosceles Triangle 53"/>
-                <p:cNvSpPr/>
-                <p:nvPr/>
-              </p:nvSpPr>
-              <p:spPr>
-                <a:xfrm>
-                  <a:off x="2600325" y="5151437"/>
-                  <a:ext cx="228600" cy="228600"/>
-                </a:xfrm>
-                <a:prstGeom prst="triangle">
-                  <a:avLst/>
-                </a:prstGeom>
-              </p:spPr>
-              <p:style>
-                <a:lnRef idx="2">
-                  <a:schemeClr val="accent1">
-                    <a:shade val="50000"/>
-                  </a:schemeClr>
-                </a:lnRef>
-                <a:fillRef idx="1">
-                  <a:schemeClr val="accent1"/>
-                </a:fillRef>
-                <a:effectRef idx="0">
-                  <a:schemeClr val="accent1"/>
-                </a:effectRef>
-                <a:fontRef idx="minor">
-                  <a:schemeClr val="lt1"/>
-                </a:fontRef>
-              </p:style>
-              <p:txBody>
-                <a:bodyPr rtlCol="0" anchor="ctr"/>
-                <a:lstStyle/>
-                <a:p>
-                  <a:pPr algn="ctr"/>
-                  <a:endParaRPr lang="tr-TR"/>
-                </a:p>
-              </p:txBody>
-            </p:sp>
-            <p:sp>
-              <p:nvSpPr>
-                <p:cNvPr id="55" name="Isosceles Triangle 54"/>
-                <p:cNvSpPr/>
-                <p:nvPr/>
-              </p:nvSpPr>
-              <p:spPr>
-                <a:xfrm>
-                  <a:off x="3209925" y="5151437"/>
-                  <a:ext cx="228600" cy="228600"/>
-                </a:xfrm>
-                <a:prstGeom prst="triangle">
-                  <a:avLst/>
-                </a:prstGeom>
-              </p:spPr>
-              <p:style>
-                <a:lnRef idx="2">
-                  <a:schemeClr val="accent1">
-                    <a:shade val="50000"/>
-                  </a:schemeClr>
-                </a:lnRef>
-                <a:fillRef idx="1">
-                  <a:schemeClr val="accent1"/>
-                </a:fillRef>
-                <a:effectRef idx="0">
-                  <a:schemeClr val="accent1"/>
-                </a:effectRef>
-                <a:fontRef idx="minor">
-                  <a:schemeClr val="lt1"/>
-                </a:fontRef>
-              </p:style>
-              <p:txBody>
-                <a:bodyPr rtlCol="0" anchor="ctr"/>
-                <a:lstStyle/>
-                <a:p>
-                  <a:pPr algn="ctr"/>
-                  <a:endParaRPr lang="tr-TR"/>
-                </a:p>
-              </p:txBody>
-            </p:sp>
-            <p:sp>
-              <p:nvSpPr>
-                <p:cNvPr id="56" name="Rectangle 55"/>
-                <p:cNvSpPr/>
-                <p:nvPr/>
-              </p:nvSpPr>
-              <p:spPr>
-                <a:xfrm>
-                  <a:off x="3895725" y="5684837"/>
-                  <a:ext cx="381000" cy="228600"/>
-                </a:xfrm>
-                <a:prstGeom prst="rect">
-                  <a:avLst/>
-                </a:prstGeom>
-              </p:spPr>
-              <p:style>
-                <a:lnRef idx="2">
-                  <a:schemeClr val="accent1">
-                    <a:shade val="50000"/>
-                  </a:schemeClr>
-                </a:lnRef>
-                <a:fillRef idx="1">
-                  <a:schemeClr val="accent1"/>
-                </a:fillRef>
-                <a:effectRef idx="0">
-                  <a:schemeClr val="accent1"/>
-                </a:effectRef>
-                <a:fontRef idx="minor">
-                  <a:schemeClr val="lt1"/>
-                </a:fontRef>
-              </p:style>
-              <p:txBody>
-                <a:bodyPr rtlCol="0" anchor="ctr"/>
-                <a:lstStyle/>
-                <a:p>
-                  <a:pPr algn="ctr"/>
-                  <a:endParaRPr lang="tr-TR"/>
-                </a:p>
-              </p:txBody>
-            </p:sp>
-            <p:sp>
-              <p:nvSpPr>
-                <p:cNvPr id="57" name="Rectangle 56"/>
-                <p:cNvSpPr/>
-                <p:nvPr/>
-              </p:nvSpPr>
-              <p:spPr>
-                <a:xfrm>
-                  <a:off x="3286125" y="5532437"/>
-                  <a:ext cx="228600" cy="152400"/>
-                </a:xfrm>
-                <a:prstGeom prst="rect">
-                  <a:avLst/>
-                </a:prstGeom>
-              </p:spPr>
-              <p:style>
-                <a:lnRef idx="2">
-                  <a:schemeClr val="accent1">
-                    <a:shade val="50000"/>
-                  </a:schemeClr>
-                </a:lnRef>
-                <a:fillRef idx="1">
-                  <a:schemeClr val="accent1"/>
-                </a:fillRef>
-                <a:effectRef idx="0">
-                  <a:schemeClr val="accent1"/>
-                </a:effectRef>
-                <a:fontRef idx="minor">
-                  <a:schemeClr val="lt1"/>
-                </a:fontRef>
-              </p:style>
-              <p:txBody>
-                <a:bodyPr rtlCol="0" anchor="ctr"/>
-                <a:lstStyle/>
-                <a:p>
-                  <a:pPr algn="ctr"/>
-                  <a:endParaRPr lang="tr-TR"/>
-                </a:p>
-              </p:txBody>
-            </p:sp>
-          </p:grpSp>
           <p:sp>
             <p:nvSpPr>
-              <p:cNvPr id="59" name="Freeform 58"/>
+              <p:cNvPr id="44" name="Freeform 43"/>
               <p:cNvSpPr/>
               <p:nvPr/>
             </p:nvSpPr>
             <p:spPr>
               <a:xfrm>
-                <a:off x="2982912" y="5456237"/>
-                <a:ext cx="1449387" cy="1060833"/>
+                <a:off x="1914525" y="4770437"/>
+                <a:ext cx="2592387" cy="1746633"/>
               </a:xfrm>
               <a:custGeom>
                 <a:avLst/>
@@ -12878,14 +11450,14 @@
           </p:sp>
           <p:sp>
             <p:nvSpPr>
-              <p:cNvPr id="60" name="Oval 59"/>
+              <p:cNvPr id="46" name="Oval 45"/>
               <p:cNvSpPr/>
               <p:nvPr/>
             </p:nvSpPr>
             <p:spPr>
               <a:xfrm>
-                <a:off x="1001712" y="5380037"/>
-                <a:ext cx="127809" cy="138842"/>
+                <a:off x="2143125" y="5227637"/>
+                <a:ext cx="228600" cy="228600"/>
               </a:xfrm>
               <a:prstGeom prst="ellipse">
                 <a:avLst/>
@@ -12918,14 +11490,14 @@
           </p:sp>
           <p:sp>
             <p:nvSpPr>
-              <p:cNvPr id="62" name="Oval 61"/>
+              <p:cNvPr id="47" name="Oval 46"/>
               <p:cNvSpPr/>
               <p:nvPr/>
             </p:nvSpPr>
             <p:spPr>
               <a:xfrm>
-                <a:off x="1535112" y="5456237"/>
-                <a:ext cx="213015" cy="231404"/>
+                <a:off x="2600325" y="5456237"/>
+                <a:ext cx="381000" cy="381000"/>
               </a:xfrm>
               <a:prstGeom prst="ellipse">
                 <a:avLst/>
@@ -12958,14 +11530,14 @@
           </p:sp>
           <p:sp>
             <p:nvSpPr>
-              <p:cNvPr id="64" name="Oval 63"/>
+              <p:cNvPr id="50" name="Oval 49"/>
               <p:cNvSpPr/>
               <p:nvPr/>
             </p:nvSpPr>
             <p:spPr>
               <a:xfrm>
-                <a:off x="1839912" y="5989637"/>
-                <a:ext cx="127809" cy="138842"/>
+                <a:off x="3667125" y="4999037"/>
+                <a:ext cx="228600" cy="228600"/>
               </a:xfrm>
               <a:prstGeom prst="ellipse">
                 <a:avLst/>
@@ -12998,14 +11570,14 @@
           </p:sp>
           <p:sp>
             <p:nvSpPr>
-              <p:cNvPr id="66" name="Oval 65"/>
+              <p:cNvPr id="52" name="Oval 51"/>
               <p:cNvSpPr/>
               <p:nvPr/>
             </p:nvSpPr>
             <p:spPr>
               <a:xfrm>
-                <a:off x="2297112" y="6523037"/>
-                <a:ext cx="127809" cy="138842"/>
+                <a:off x="3514725" y="5837237"/>
+                <a:ext cx="228600" cy="228600"/>
               </a:xfrm>
               <a:prstGeom prst="ellipse">
                 <a:avLst/>
@@ -13038,14 +11610,14 @@
           </p:sp>
           <p:sp>
             <p:nvSpPr>
-              <p:cNvPr id="68" name="Oval 67"/>
+              <p:cNvPr id="53" name="Oval 52"/>
               <p:cNvSpPr/>
               <p:nvPr/>
             </p:nvSpPr>
             <p:spPr>
               <a:xfrm>
-                <a:off x="1763712" y="6446837"/>
-                <a:ext cx="170412" cy="185123"/>
+                <a:off x="2981325" y="6065837"/>
+                <a:ext cx="304800" cy="304800"/>
               </a:xfrm>
               <a:prstGeom prst="ellipse">
                 <a:avLst/>
@@ -13078,14 +11650,14 @@
           </p:sp>
           <p:sp>
             <p:nvSpPr>
-              <p:cNvPr id="70" name="Isosceles Triangle 69"/>
+              <p:cNvPr id="54" name="Isosceles Triangle 53"/>
               <p:cNvSpPr/>
               <p:nvPr/>
             </p:nvSpPr>
             <p:spPr>
               <a:xfrm>
-                <a:off x="1154112" y="6065837"/>
-                <a:ext cx="127809" cy="138842"/>
+                <a:off x="2600325" y="5151437"/>
+                <a:ext cx="228600" cy="228600"/>
               </a:xfrm>
               <a:prstGeom prst="triangle">
                 <a:avLst/>
@@ -13118,14 +11690,14 @@
           </p:sp>
           <p:sp>
             <p:nvSpPr>
-              <p:cNvPr id="71" name="Isosceles Triangle 70"/>
+              <p:cNvPr id="55" name="Isosceles Triangle 54"/>
               <p:cNvSpPr/>
               <p:nvPr/>
             </p:nvSpPr>
             <p:spPr>
               <a:xfrm>
-                <a:off x="2297112" y="5761037"/>
-                <a:ext cx="127809" cy="138842"/>
+                <a:off x="3209925" y="5151437"/>
+                <a:ext cx="228600" cy="228600"/>
               </a:xfrm>
               <a:prstGeom prst="triangle">
                 <a:avLst/>
@@ -13158,14 +11730,14 @@
           </p:sp>
           <p:sp>
             <p:nvSpPr>
-              <p:cNvPr id="72" name="Rectangle 71"/>
+              <p:cNvPr id="56" name="Rectangle 55"/>
               <p:cNvSpPr/>
               <p:nvPr/>
             </p:nvSpPr>
             <p:spPr>
               <a:xfrm>
-                <a:off x="925512" y="6446837"/>
-                <a:ext cx="213015" cy="138842"/>
+                <a:off x="3895725" y="5684837"/>
+                <a:ext cx="381000" cy="228600"/>
               </a:xfrm>
               <a:prstGeom prst="rect">
                 <a:avLst/>
@@ -13198,14 +11770,14 @@
           </p:sp>
           <p:sp>
             <p:nvSpPr>
-              <p:cNvPr id="74" name="Rectangle 73"/>
+              <p:cNvPr id="57" name="Rectangle 56"/>
               <p:cNvSpPr/>
               <p:nvPr/>
             </p:nvSpPr>
             <p:spPr>
               <a:xfrm>
-                <a:off x="468312" y="5761037"/>
-                <a:ext cx="127809" cy="92561"/>
+                <a:off x="3286125" y="5532437"/>
+                <a:ext cx="228600" cy="152400"/>
               </a:xfrm>
               <a:prstGeom prst="rect">
                 <a:avLst/>
@@ -13236,79 +11808,2463 @@
               </a:p>
             </p:txBody>
           </p:sp>
-          <p:sp>
-            <p:nvSpPr>
-              <p:cNvPr id="75" name="Right Arrow 74"/>
-              <p:cNvSpPr/>
-              <p:nvPr/>
-            </p:nvSpPr>
-            <p:spPr>
-              <a:xfrm>
-                <a:off x="5040312" y="5837237"/>
-                <a:ext cx="838200" cy="381000"/>
-              </a:xfrm>
-              <a:prstGeom prst="rightArrow">
-                <a:avLst/>
-              </a:prstGeom>
-            </p:spPr>
-            <p:style>
-              <a:lnRef idx="2">
-                <a:schemeClr val="accent1">
-                  <a:shade val="50000"/>
-                </a:schemeClr>
-              </a:lnRef>
-              <a:fillRef idx="1">
-                <a:schemeClr val="accent1"/>
-              </a:fillRef>
-              <a:effectRef idx="0">
-                <a:schemeClr val="accent1"/>
-              </a:effectRef>
-              <a:fontRef idx="minor">
-                <a:schemeClr val="lt1"/>
-              </a:fontRef>
-            </p:style>
-            <p:txBody>
-              <a:bodyPr rtlCol="0" anchor="ctr"/>
-              <a:lstStyle/>
-              <a:p>
-                <a:pPr algn="ctr"/>
-                <a:endParaRPr lang="tr-TR"/>
-              </a:p>
-            </p:txBody>
-          </p:sp>
         </p:grpSp>
-        <p:cxnSp>
-          <p:nvCxnSpPr>
-            <p:cNvPr id="105" name="Straight Connector 104"/>
-            <p:cNvCxnSpPr/>
+        <p:sp>
+          <p:nvSpPr>
+            <p:cNvPr id="59" name="Freeform 58"/>
+            <p:cNvSpPr/>
             <p:nvPr/>
-          </p:nvCxnSpPr>
+          </p:nvSpPr>
           <p:spPr>
             <a:xfrm>
-              <a:off x="2113472" y="2130725"/>
-              <a:ext cx="181154" cy="1588"/>
+              <a:off x="2982912" y="5456237"/>
+              <a:ext cx="1449387" cy="1060833"/>
             </a:xfrm>
-            <a:prstGeom prst="line">
+            <a:custGeom>
+              <a:avLst/>
+              <a:gdLst>
+                <a:gd name="connsiteX0" fmla="*/ 800100 w 1724025"/>
+                <a:gd name="connsiteY0" fmla="*/ 7937 h 1238632"/>
+                <a:gd name="connsiteX1" fmla="*/ 790575 w 1724025"/>
+                <a:gd name="connsiteY1" fmla="*/ 55562 h 1238632"/>
+                <a:gd name="connsiteX2" fmla="*/ 809625 w 1724025"/>
+                <a:gd name="connsiteY2" fmla="*/ 169862 h 1238632"/>
+                <a:gd name="connsiteX3" fmla="*/ 828675 w 1724025"/>
+                <a:gd name="connsiteY3" fmla="*/ 198437 h 1238632"/>
+                <a:gd name="connsiteX4" fmla="*/ 1019175 w 1724025"/>
+                <a:gd name="connsiteY4" fmla="*/ 188912 h 1238632"/>
+                <a:gd name="connsiteX5" fmla="*/ 1047750 w 1724025"/>
+                <a:gd name="connsiteY5" fmla="*/ 169862 h 1238632"/>
+                <a:gd name="connsiteX6" fmla="*/ 1076325 w 1724025"/>
+                <a:gd name="connsiteY6" fmla="*/ 160337 h 1238632"/>
+                <a:gd name="connsiteX7" fmla="*/ 1085850 w 1724025"/>
+                <a:gd name="connsiteY7" fmla="*/ 131762 h 1238632"/>
+                <a:gd name="connsiteX8" fmla="*/ 1114425 w 1724025"/>
+                <a:gd name="connsiteY8" fmla="*/ 122237 h 1238632"/>
+                <a:gd name="connsiteX9" fmla="*/ 1143000 w 1724025"/>
+                <a:gd name="connsiteY9" fmla="*/ 103187 h 1238632"/>
+                <a:gd name="connsiteX10" fmla="*/ 1200150 w 1724025"/>
+                <a:gd name="connsiteY10" fmla="*/ 84137 h 1238632"/>
+                <a:gd name="connsiteX11" fmla="*/ 1276350 w 1724025"/>
+                <a:gd name="connsiteY11" fmla="*/ 93662 h 1238632"/>
+                <a:gd name="connsiteX12" fmla="*/ 1333500 w 1724025"/>
+                <a:gd name="connsiteY12" fmla="*/ 112712 h 1238632"/>
+                <a:gd name="connsiteX13" fmla="*/ 1343025 w 1724025"/>
+                <a:gd name="connsiteY13" fmla="*/ 141287 h 1238632"/>
+                <a:gd name="connsiteX14" fmla="*/ 1362075 w 1724025"/>
+                <a:gd name="connsiteY14" fmla="*/ 169862 h 1238632"/>
+                <a:gd name="connsiteX15" fmla="*/ 1381125 w 1724025"/>
+                <a:gd name="connsiteY15" fmla="*/ 227012 h 1238632"/>
+                <a:gd name="connsiteX16" fmla="*/ 1362075 w 1724025"/>
+                <a:gd name="connsiteY16" fmla="*/ 341312 h 1238632"/>
+                <a:gd name="connsiteX17" fmla="*/ 1343025 w 1724025"/>
+                <a:gd name="connsiteY17" fmla="*/ 369887 h 1238632"/>
+                <a:gd name="connsiteX18" fmla="*/ 1352550 w 1724025"/>
+                <a:gd name="connsiteY18" fmla="*/ 474662 h 1238632"/>
+                <a:gd name="connsiteX19" fmla="*/ 1409700 w 1724025"/>
+                <a:gd name="connsiteY19" fmla="*/ 512762 h 1238632"/>
+                <a:gd name="connsiteX20" fmla="*/ 1466850 w 1724025"/>
+                <a:gd name="connsiteY20" fmla="*/ 541337 h 1238632"/>
+                <a:gd name="connsiteX21" fmla="*/ 1504950 w 1724025"/>
+                <a:gd name="connsiteY21" fmla="*/ 550862 h 1238632"/>
+                <a:gd name="connsiteX22" fmla="*/ 1533525 w 1724025"/>
+                <a:gd name="connsiteY22" fmla="*/ 560387 h 1238632"/>
+                <a:gd name="connsiteX23" fmla="*/ 1638300 w 1724025"/>
+                <a:gd name="connsiteY23" fmla="*/ 598487 h 1238632"/>
+                <a:gd name="connsiteX24" fmla="*/ 1666875 w 1724025"/>
+                <a:gd name="connsiteY24" fmla="*/ 608012 h 1238632"/>
+                <a:gd name="connsiteX25" fmla="*/ 1685925 w 1724025"/>
+                <a:gd name="connsiteY25" fmla="*/ 636587 h 1238632"/>
+                <a:gd name="connsiteX26" fmla="*/ 1704975 w 1724025"/>
+                <a:gd name="connsiteY26" fmla="*/ 693737 h 1238632"/>
+                <a:gd name="connsiteX27" fmla="*/ 1724025 w 1724025"/>
+                <a:gd name="connsiteY27" fmla="*/ 779462 h 1238632"/>
+                <a:gd name="connsiteX28" fmla="*/ 1695450 w 1724025"/>
+                <a:gd name="connsiteY28" fmla="*/ 855662 h 1238632"/>
+                <a:gd name="connsiteX29" fmla="*/ 1666875 w 1724025"/>
+                <a:gd name="connsiteY29" fmla="*/ 865187 h 1238632"/>
+                <a:gd name="connsiteX30" fmla="*/ 1638300 w 1724025"/>
+                <a:gd name="connsiteY30" fmla="*/ 884237 h 1238632"/>
+                <a:gd name="connsiteX31" fmla="*/ 1400175 w 1724025"/>
+                <a:gd name="connsiteY31" fmla="*/ 893762 h 1238632"/>
+                <a:gd name="connsiteX32" fmla="*/ 1333500 w 1724025"/>
+                <a:gd name="connsiteY32" fmla="*/ 912812 h 1238632"/>
+                <a:gd name="connsiteX33" fmla="*/ 1276350 w 1724025"/>
+                <a:gd name="connsiteY33" fmla="*/ 931862 h 1238632"/>
+                <a:gd name="connsiteX34" fmla="*/ 1219200 w 1724025"/>
+                <a:gd name="connsiteY34" fmla="*/ 969962 h 1238632"/>
+                <a:gd name="connsiteX35" fmla="*/ 1162050 w 1724025"/>
+                <a:gd name="connsiteY35" fmla="*/ 1008062 h 1238632"/>
+                <a:gd name="connsiteX36" fmla="*/ 1133475 w 1724025"/>
+                <a:gd name="connsiteY36" fmla="*/ 1027112 h 1238632"/>
+                <a:gd name="connsiteX37" fmla="*/ 1057275 w 1724025"/>
+                <a:gd name="connsiteY37" fmla="*/ 1141412 h 1238632"/>
+                <a:gd name="connsiteX38" fmla="*/ 1038225 w 1724025"/>
+                <a:gd name="connsiteY38" fmla="*/ 1169987 h 1238632"/>
+                <a:gd name="connsiteX39" fmla="*/ 942975 w 1724025"/>
+                <a:gd name="connsiteY39" fmla="*/ 1208087 h 1238632"/>
+                <a:gd name="connsiteX40" fmla="*/ 895350 w 1724025"/>
+                <a:gd name="connsiteY40" fmla="*/ 1217612 h 1238632"/>
+                <a:gd name="connsiteX41" fmla="*/ 781050 w 1724025"/>
+                <a:gd name="connsiteY41" fmla="*/ 1236662 h 1238632"/>
+                <a:gd name="connsiteX42" fmla="*/ 571500 w 1724025"/>
+                <a:gd name="connsiteY42" fmla="*/ 1227137 h 1238632"/>
+                <a:gd name="connsiteX43" fmla="*/ 552450 w 1724025"/>
+                <a:gd name="connsiteY43" fmla="*/ 1198562 h 1238632"/>
+                <a:gd name="connsiteX44" fmla="*/ 542925 w 1724025"/>
+                <a:gd name="connsiteY44" fmla="*/ 969962 h 1238632"/>
+                <a:gd name="connsiteX45" fmla="*/ 523875 w 1724025"/>
+                <a:gd name="connsiteY45" fmla="*/ 855662 h 1238632"/>
+                <a:gd name="connsiteX46" fmla="*/ 495300 w 1724025"/>
+                <a:gd name="connsiteY46" fmla="*/ 798512 h 1238632"/>
+                <a:gd name="connsiteX47" fmla="*/ 438150 w 1724025"/>
+                <a:gd name="connsiteY47" fmla="*/ 760412 h 1238632"/>
+                <a:gd name="connsiteX48" fmla="*/ 342900 w 1724025"/>
+                <a:gd name="connsiteY48" fmla="*/ 731837 h 1238632"/>
+                <a:gd name="connsiteX49" fmla="*/ 257175 w 1724025"/>
+                <a:gd name="connsiteY49" fmla="*/ 712787 h 1238632"/>
+                <a:gd name="connsiteX50" fmla="*/ 228600 w 1724025"/>
+                <a:gd name="connsiteY50" fmla="*/ 703262 h 1238632"/>
+                <a:gd name="connsiteX51" fmla="*/ 142875 w 1724025"/>
+                <a:gd name="connsiteY51" fmla="*/ 684212 h 1238632"/>
+                <a:gd name="connsiteX52" fmla="*/ 104775 w 1724025"/>
+                <a:gd name="connsiteY52" fmla="*/ 655637 h 1238632"/>
+                <a:gd name="connsiteX53" fmla="*/ 57150 w 1724025"/>
+                <a:gd name="connsiteY53" fmla="*/ 608012 h 1238632"/>
+                <a:gd name="connsiteX54" fmla="*/ 28575 w 1724025"/>
+                <a:gd name="connsiteY54" fmla="*/ 550862 h 1238632"/>
+                <a:gd name="connsiteX55" fmla="*/ 9525 w 1724025"/>
+                <a:gd name="connsiteY55" fmla="*/ 484187 h 1238632"/>
+                <a:gd name="connsiteX56" fmla="*/ 0 w 1724025"/>
+                <a:gd name="connsiteY56" fmla="*/ 455612 h 1238632"/>
+                <a:gd name="connsiteX57" fmla="*/ 9525 w 1724025"/>
+                <a:gd name="connsiteY57" fmla="*/ 360362 h 1238632"/>
+                <a:gd name="connsiteX58" fmla="*/ 47625 w 1724025"/>
+                <a:gd name="connsiteY58" fmla="*/ 303212 h 1238632"/>
+                <a:gd name="connsiteX59" fmla="*/ 76200 w 1724025"/>
+                <a:gd name="connsiteY59" fmla="*/ 274637 h 1238632"/>
+                <a:gd name="connsiteX60" fmla="*/ 171450 w 1724025"/>
+                <a:gd name="connsiteY60" fmla="*/ 217487 h 1238632"/>
+                <a:gd name="connsiteX61" fmla="*/ 200025 w 1724025"/>
+                <a:gd name="connsiteY61" fmla="*/ 207962 h 1238632"/>
+                <a:gd name="connsiteX62" fmla="*/ 333375 w 1724025"/>
+                <a:gd name="connsiteY62" fmla="*/ 188912 h 1238632"/>
+                <a:gd name="connsiteX63" fmla="*/ 495300 w 1724025"/>
+                <a:gd name="connsiteY63" fmla="*/ 179387 h 1238632"/>
+                <a:gd name="connsiteX64" fmla="*/ 523875 w 1724025"/>
+                <a:gd name="connsiteY64" fmla="*/ 169862 h 1238632"/>
+                <a:gd name="connsiteX65" fmla="*/ 590550 w 1724025"/>
+                <a:gd name="connsiteY65" fmla="*/ 93662 h 1238632"/>
+                <a:gd name="connsiteX66" fmla="*/ 609600 w 1724025"/>
+                <a:gd name="connsiteY66" fmla="*/ 65087 h 1238632"/>
+                <a:gd name="connsiteX67" fmla="*/ 628650 w 1724025"/>
+                <a:gd name="connsiteY67" fmla="*/ 36512 h 1238632"/>
+                <a:gd name="connsiteX68" fmla="*/ 685800 w 1724025"/>
+                <a:gd name="connsiteY68" fmla="*/ 7937 h 1238632"/>
+                <a:gd name="connsiteX69" fmla="*/ 800100 w 1724025"/>
+                <a:gd name="connsiteY69" fmla="*/ 7937 h 1238632"/>
+              </a:gdLst>
+              <a:ahLst/>
+              <a:cxnLst>
+                <a:cxn ang="0">
+                  <a:pos x="connsiteX0" y="connsiteY0"/>
+                </a:cxn>
+                <a:cxn ang="0">
+                  <a:pos x="connsiteX1" y="connsiteY1"/>
+                </a:cxn>
+                <a:cxn ang="0">
+                  <a:pos x="connsiteX2" y="connsiteY2"/>
+                </a:cxn>
+                <a:cxn ang="0">
+                  <a:pos x="connsiteX3" y="connsiteY3"/>
+                </a:cxn>
+                <a:cxn ang="0">
+                  <a:pos x="connsiteX4" y="connsiteY4"/>
+                </a:cxn>
+                <a:cxn ang="0">
+                  <a:pos x="connsiteX5" y="connsiteY5"/>
+                </a:cxn>
+                <a:cxn ang="0">
+                  <a:pos x="connsiteX6" y="connsiteY6"/>
+                </a:cxn>
+                <a:cxn ang="0">
+                  <a:pos x="connsiteX7" y="connsiteY7"/>
+                </a:cxn>
+                <a:cxn ang="0">
+                  <a:pos x="connsiteX8" y="connsiteY8"/>
+                </a:cxn>
+                <a:cxn ang="0">
+                  <a:pos x="connsiteX9" y="connsiteY9"/>
+                </a:cxn>
+                <a:cxn ang="0">
+                  <a:pos x="connsiteX10" y="connsiteY10"/>
+                </a:cxn>
+                <a:cxn ang="0">
+                  <a:pos x="connsiteX11" y="connsiteY11"/>
+                </a:cxn>
+                <a:cxn ang="0">
+                  <a:pos x="connsiteX12" y="connsiteY12"/>
+                </a:cxn>
+                <a:cxn ang="0">
+                  <a:pos x="connsiteX13" y="connsiteY13"/>
+                </a:cxn>
+                <a:cxn ang="0">
+                  <a:pos x="connsiteX14" y="connsiteY14"/>
+                </a:cxn>
+                <a:cxn ang="0">
+                  <a:pos x="connsiteX15" y="connsiteY15"/>
+                </a:cxn>
+                <a:cxn ang="0">
+                  <a:pos x="connsiteX16" y="connsiteY16"/>
+                </a:cxn>
+                <a:cxn ang="0">
+                  <a:pos x="connsiteX17" y="connsiteY17"/>
+                </a:cxn>
+                <a:cxn ang="0">
+                  <a:pos x="connsiteX18" y="connsiteY18"/>
+                </a:cxn>
+                <a:cxn ang="0">
+                  <a:pos x="connsiteX19" y="connsiteY19"/>
+                </a:cxn>
+                <a:cxn ang="0">
+                  <a:pos x="connsiteX20" y="connsiteY20"/>
+                </a:cxn>
+                <a:cxn ang="0">
+                  <a:pos x="connsiteX21" y="connsiteY21"/>
+                </a:cxn>
+                <a:cxn ang="0">
+                  <a:pos x="connsiteX22" y="connsiteY22"/>
+                </a:cxn>
+                <a:cxn ang="0">
+                  <a:pos x="connsiteX23" y="connsiteY23"/>
+                </a:cxn>
+                <a:cxn ang="0">
+                  <a:pos x="connsiteX24" y="connsiteY24"/>
+                </a:cxn>
+                <a:cxn ang="0">
+                  <a:pos x="connsiteX25" y="connsiteY25"/>
+                </a:cxn>
+                <a:cxn ang="0">
+                  <a:pos x="connsiteX26" y="connsiteY26"/>
+                </a:cxn>
+                <a:cxn ang="0">
+                  <a:pos x="connsiteX27" y="connsiteY27"/>
+                </a:cxn>
+                <a:cxn ang="0">
+                  <a:pos x="connsiteX28" y="connsiteY28"/>
+                </a:cxn>
+                <a:cxn ang="0">
+                  <a:pos x="connsiteX29" y="connsiteY29"/>
+                </a:cxn>
+                <a:cxn ang="0">
+                  <a:pos x="connsiteX30" y="connsiteY30"/>
+                </a:cxn>
+                <a:cxn ang="0">
+                  <a:pos x="connsiteX31" y="connsiteY31"/>
+                </a:cxn>
+                <a:cxn ang="0">
+                  <a:pos x="connsiteX32" y="connsiteY32"/>
+                </a:cxn>
+                <a:cxn ang="0">
+                  <a:pos x="connsiteX33" y="connsiteY33"/>
+                </a:cxn>
+                <a:cxn ang="0">
+                  <a:pos x="connsiteX34" y="connsiteY34"/>
+                </a:cxn>
+                <a:cxn ang="0">
+                  <a:pos x="connsiteX35" y="connsiteY35"/>
+                </a:cxn>
+                <a:cxn ang="0">
+                  <a:pos x="connsiteX36" y="connsiteY36"/>
+                </a:cxn>
+                <a:cxn ang="0">
+                  <a:pos x="connsiteX37" y="connsiteY37"/>
+                </a:cxn>
+                <a:cxn ang="0">
+                  <a:pos x="connsiteX38" y="connsiteY38"/>
+                </a:cxn>
+                <a:cxn ang="0">
+                  <a:pos x="connsiteX39" y="connsiteY39"/>
+                </a:cxn>
+                <a:cxn ang="0">
+                  <a:pos x="connsiteX40" y="connsiteY40"/>
+                </a:cxn>
+                <a:cxn ang="0">
+                  <a:pos x="connsiteX41" y="connsiteY41"/>
+                </a:cxn>
+                <a:cxn ang="0">
+                  <a:pos x="connsiteX42" y="connsiteY42"/>
+                </a:cxn>
+                <a:cxn ang="0">
+                  <a:pos x="connsiteX43" y="connsiteY43"/>
+                </a:cxn>
+                <a:cxn ang="0">
+                  <a:pos x="connsiteX44" y="connsiteY44"/>
+                </a:cxn>
+                <a:cxn ang="0">
+                  <a:pos x="connsiteX45" y="connsiteY45"/>
+                </a:cxn>
+                <a:cxn ang="0">
+                  <a:pos x="connsiteX46" y="connsiteY46"/>
+                </a:cxn>
+                <a:cxn ang="0">
+                  <a:pos x="connsiteX47" y="connsiteY47"/>
+                </a:cxn>
+                <a:cxn ang="0">
+                  <a:pos x="connsiteX48" y="connsiteY48"/>
+                </a:cxn>
+                <a:cxn ang="0">
+                  <a:pos x="connsiteX49" y="connsiteY49"/>
+                </a:cxn>
+                <a:cxn ang="0">
+                  <a:pos x="connsiteX50" y="connsiteY50"/>
+                </a:cxn>
+                <a:cxn ang="0">
+                  <a:pos x="connsiteX51" y="connsiteY51"/>
+                </a:cxn>
+                <a:cxn ang="0">
+                  <a:pos x="connsiteX52" y="connsiteY52"/>
+                </a:cxn>
+                <a:cxn ang="0">
+                  <a:pos x="connsiteX53" y="connsiteY53"/>
+                </a:cxn>
+                <a:cxn ang="0">
+                  <a:pos x="connsiteX54" y="connsiteY54"/>
+                </a:cxn>
+                <a:cxn ang="0">
+                  <a:pos x="connsiteX55" y="connsiteY55"/>
+                </a:cxn>
+                <a:cxn ang="0">
+                  <a:pos x="connsiteX56" y="connsiteY56"/>
+                </a:cxn>
+                <a:cxn ang="0">
+                  <a:pos x="connsiteX57" y="connsiteY57"/>
+                </a:cxn>
+                <a:cxn ang="0">
+                  <a:pos x="connsiteX58" y="connsiteY58"/>
+                </a:cxn>
+                <a:cxn ang="0">
+                  <a:pos x="connsiteX59" y="connsiteY59"/>
+                </a:cxn>
+                <a:cxn ang="0">
+                  <a:pos x="connsiteX60" y="connsiteY60"/>
+                </a:cxn>
+                <a:cxn ang="0">
+                  <a:pos x="connsiteX61" y="connsiteY61"/>
+                </a:cxn>
+                <a:cxn ang="0">
+                  <a:pos x="connsiteX62" y="connsiteY62"/>
+                </a:cxn>
+                <a:cxn ang="0">
+                  <a:pos x="connsiteX63" y="connsiteY63"/>
+                </a:cxn>
+                <a:cxn ang="0">
+                  <a:pos x="connsiteX64" y="connsiteY64"/>
+                </a:cxn>
+                <a:cxn ang="0">
+                  <a:pos x="connsiteX65" y="connsiteY65"/>
+                </a:cxn>
+                <a:cxn ang="0">
+                  <a:pos x="connsiteX66" y="connsiteY66"/>
+                </a:cxn>
+                <a:cxn ang="0">
+                  <a:pos x="connsiteX67" y="connsiteY67"/>
+                </a:cxn>
+                <a:cxn ang="0">
+                  <a:pos x="connsiteX68" y="connsiteY68"/>
+                </a:cxn>
+                <a:cxn ang="0">
+                  <a:pos x="connsiteX69" y="connsiteY69"/>
+                </a:cxn>
+              </a:cxnLst>
+              <a:rect l="l" t="t" r="r" b="b"/>
+              <a:pathLst>
+                <a:path w="1724025" h="1238632">
+                  <a:moveTo>
+                    <a:pt x="800100" y="7937"/>
+                  </a:moveTo>
+                  <a:cubicBezTo>
+                    <a:pt x="817562" y="15874"/>
+                    <a:pt x="790575" y="39373"/>
+                    <a:pt x="790575" y="55562"/>
+                  </a:cubicBezTo>
+                  <a:cubicBezTo>
+                    <a:pt x="790575" y="76688"/>
+                    <a:pt x="794722" y="140055"/>
+                    <a:pt x="809625" y="169862"/>
+                  </a:cubicBezTo>
+                  <a:cubicBezTo>
+                    <a:pt x="814745" y="180101"/>
+                    <a:pt x="822325" y="188912"/>
+                    <a:pt x="828675" y="198437"/>
+                  </a:cubicBezTo>
+                  <a:cubicBezTo>
+                    <a:pt x="892175" y="195262"/>
+                    <a:pt x="956130" y="197135"/>
+                    <a:pt x="1019175" y="188912"/>
+                  </a:cubicBezTo>
+                  <a:cubicBezTo>
+                    <a:pt x="1030526" y="187431"/>
+                    <a:pt x="1037511" y="174982"/>
+                    <a:pt x="1047750" y="169862"/>
+                  </a:cubicBezTo>
+                  <a:cubicBezTo>
+                    <a:pt x="1056730" y="165372"/>
+                    <a:pt x="1066800" y="163512"/>
+                    <a:pt x="1076325" y="160337"/>
+                  </a:cubicBezTo>
+                  <a:cubicBezTo>
+                    <a:pt x="1079500" y="150812"/>
+                    <a:pt x="1078750" y="138862"/>
+                    <a:pt x="1085850" y="131762"/>
+                  </a:cubicBezTo>
+                  <a:cubicBezTo>
+                    <a:pt x="1092950" y="124662"/>
+                    <a:pt x="1105445" y="126727"/>
+                    <a:pt x="1114425" y="122237"/>
+                  </a:cubicBezTo>
+                  <a:cubicBezTo>
+                    <a:pt x="1124664" y="117117"/>
+                    <a:pt x="1132539" y="107836"/>
+                    <a:pt x="1143000" y="103187"/>
+                  </a:cubicBezTo>
+                  <a:cubicBezTo>
+                    <a:pt x="1161350" y="95032"/>
+                    <a:pt x="1200150" y="84137"/>
+                    <a:pt x="1200150" y="84137"/>
+                  </a:cubicBezTo>
+                  <a:cubicBezTo>
+                    <a:pt x="1225550" y="87312"/>
+                    <a:pt x="1251321" y="88299"/>
+                    <a:pt x="1276350" y="93662"/>
+                  </a:cubicBezTo>
+                  <a:cubicBezTo>
+                    <a:pt x="1295985" y="97869"/>
+                    <a:pt x="1333500" y="112712"/>
+                    <a:pt x="1333500" y="112712"/>
+                  </a:cubicBezTo>
+                  <a:cubicBezTo>
+                    <a:pt x="1336675" y="122237"/>
+                    <a:pt x="1338535" y="132307"/>
+                    <a:pt x="1343025" y="141287"/>
+                  </a:cubicBezTo>
+                  <a:cubicBezTo>
+                    <a:pt x="1348145" y="151526"/>
+                    <a:pt x="1357426" y="159401"/>
+                    <a:pt x="1362075" y="169862"/>
+                  </a:cubicBezTo>
+                  <a:cubicBezTo>
+                    <a:pt x="1370230" y="188212"/>
+                    <a:pt x="1381125" y="227012"/>
+                    <a:pt x="1381125" y="227012"/>
+                  </a:cubicBezTo>
+                  <a:cubicBezTo>
+                    <a:pt x="1378107" y="254174"/>
+                    <a:pt x="1378032" y="309397"/>
+                    <a:pt x="1362075" y="341312"/>
+                  </a:cubicBezTo>
+                  <a:cubicBezTo>
+                    <a:pt x="1356955" y="351551"/>
+                    <a:pt x="1349375" y="360362"/>
+                    <a:pt x="1343025" y="369887"/>
+                  </a:cubicBezTo>
+                  <a:cubicBezTo>
+                    <a:pt x="1346200" y="404812"/>
+                    <a:pt x="1337720" y="442883"/>
+                    <a:pt x="1352550" y="474662"/>
+                  </a:cubicBezTo>
+                  <a:cubicBezTo>
+                    <a:pt x="1362232" y="495409"/>
+                    <a:pt x="1387980" y="505522"/>
+                    <a:pt x="1409700" y="512762"/>
+                  </a:cubicBezTo>
+                  <a:cubicBezTo>
+                    <a:pt x="1530107" y="552898"/>
+                    <a:pt x="1337599" y="485944"/>
+                    <a:pt x="1466850" y="541337"/>
+                  </a:cubicBezTo>
+                  <a:cubicBezTo>
+                    <a:pt x="1478882" y="546494"/>
+                    <a:pt x="1492363" y="547266"/>
+                    <a:pt x="1504950" y="550862"/>
+                  </a:cubicBezTo>
+                  <a:cubicBezTo>
+                    <a:pt x="1514604" y="553620"/>
+                    <a:pt x="1524124" y="556862"/>
+                    <a:pt x="1533525" y="560387"/>
+                  </a:cubicBezTo>
+                  <a:cubicBezTo>
+                    <a:pt x="1639556" y="600149"/>
+                    <a:pt x="1518232" y="558464"/>
+                    <a:pt x="1638300" y="598487"/>
+                  </a:cubicBezTo>
+                  <a:lnTo>
+                    <a:pt x="1666875" y="608012"/>
+                  </a:lnTo>
+                  <a:cubicBezTo>
+                    <a:pt x="1673225" y="617537"/>
+                    <a:pt x="1681276" y="626126"/>
+                    <a:pt x="1685925" y="636587"/>
+                  </a:cubicBezTo>
+                  <a:cubicBezTo>
+                    <a:pt x="1694080" y="654937"/>
+                    <a:pt x="1698625" y="674687"/>
+                    <a:pt x="1704975" y="693737"/>
+                  </a:cubicBezTo>
+                  <a:cubicBezTo>
+                    <a:pt x="1720607" y="740634"/>
+                    <a:pt x="1712849" y="712408"/>
+                    <a:pt x="1724025" y="779462"/>
+                  </a:cubicBezTo>
+                  <a:cubicBezTo>
+                    <a:pt x="1718862" y="805278"/>
+                    <a:pt x="1718809" y="836975"/>
+                    <a:pt x="1695450" y="855662"/>
+                  </a:cubicBezTo>
+                  <a:cubicBezTo>
+                    <a:pt x="1687610" y="861934"/>
+                    <a:pt x="1675855" y="860697"/>
+                    <a:pt x="1666875" y="865187"/>
+                  </a:cubicBezTo>
+                  <a:cubicBezTo>
+                    <a:pt x="1656636" y="870307"/>
+                    <a:pt x="1649682" y="883017"/>
+                    <a:pt x="1638300" y="884237"/>
+                  </a:cubicBezTo>
+                  <a:cubicBezTo>
+                    <a:pt x="1559314" y="892700"/>
+                    <a:pt x="1479550" y="890587"/>
+                    <a:pt x="1400175" y="893762"/>
+                  </a:cubicBezTo>
+                  <a:cubicBezTo>
+                    <a:pt x="1304143" y="925773"/>
+                    <a:pt x="1453101" y="876932"/>
+                    <a:pt x="1333500" y="912812"/>
+                  </a:cubicBezTo>
+                  <a:cubicBezTo>
+                    <a:pt x="1314266" y="918582"/>
+                    <a:pt x="1293058" y="920723"/>
+                    <a:pt x="1276350" y="931862"/>
+                  </a:cubicBezTo>
+                  <a:lnTo>
+                    <a:pt x="1219200" y="969962"/>
+                  </a:lnTo>
+                  <a:lnTo>
+                    <a:pt x="1162050" y="1008062"/>
+                  </a:lnTo>
+                  <a:lnTo>
+                    <a:pt x="1133475" y="1027112"/>
+                  </a:lnTo>
+                  <a:lnTo>
+                    <a:pt x="1057275" y="1141412"/>
+                  </a:lnTo>
+                  <a:cubicBezTo>
+                    <a:pt x="1050925" y="1150937"/>
+                    <a:pt x="1048464" y="1164867"/>
+                    <a:pt x="1038225" y="1169987"/>
+                  </a:cubicBezTo>
+                  <a:cubicBezTo>
+                    <a:pt x="1004358" y="1186920"/>
+                    <a:pt x="982209" y="1200240"/>
+                    <a:pt x="942975" y="1208087"/>
+                  </a:cubicBezTo>
+                  <a:cubicBezTo>
+                    <a:pt x="927100" y="1211262"/>
+                    <a:pt x="911293" y="1214799"/>
+                    <a:pt x="895350" y="1217612"/>
+                  </a:cubicBezTo>
+                  <a:lnTo>
+                    <a:pt x="781050" y="1236662"/>
+                  </a:lnTo>
+                  <a:cubicBezTo>
+                    <a:pt x="711200" y="1233487"/>
+                    <a:pt x="640471" y="1238632"/>
+                    <a:pt x="571500" y="1227137"/>
+                  </a:cubicBezTo>
+                  <a:cubicBezTo>
+                    <a:pt x="560208" y="1225255"/>
+                    <a:pt x="553714" y="1209940"/>
+                    <a:pt x="552450" y="1198562"/>
+                  </a:cubicBezTo>
+                  <a:cubicBezTo>
+                    <a:pt x="544028" y="1122762"/>
+                    <a:pt x="547835" y="1046070"/>
+                    <a:pt x="542925" y="969962"/>
+                  </a:cubicBezTo>
+                  <a:cubicBezTo>
+                    <a:pt x="541522" y="948223"/>
+                    <a:pt x="530295" y="881341"/>
+                    <a:pt x="523875" y="855662"/>
+                  </a:cubicBezTo>
+                  <a:cubicBezTo>
+                    <a:pt x="519255" y="837182"/>
+                    <a:pt x="510199" y="811549"/>
+                    <a:pt x="495300" y="798512"/>
+                  </a:cubicBezTo>
+                  <a:cubicBezTo>
+                    <a:pt x="478070" y="783435"/>
+                    <a:pt x="459870" y="767652"/>
+                    <a:pt x="438150" y="760412"/>
+                  </a:cubicBezTo>
+                  <a:cubicBezTo>
+                    <a:pt x="302337" y="715141"/>
+                    <a:pt x="443667" y="760627"/>
+                    <a:pt x="342900" y="731837"/>
+                  </a:cubicBezTo>
+                  <a:cubicBezTo>
+                    <a:pt x="230329" y="699674"/>
+                    <a:pt x="450556" y="755761"/>
+                    <a:pt x="257175" y="712787"/>
+                  </a:cubicBezTo>
+                  <a:cubicBezTo>
+                    <a:pt x="247374" y="710609"/>
+                    <a:pt x="238401" y="705440"/>
+                    <a:pt x="228600" y="703262"/>
+                  </a:cubicBezTo>
+                  <a:cubicBezTo>
+                    <a:pt x="128020" y="680911"/>
+                    <a:pt x="207201" y="705654"/>
+                    <a:pt x="142875" y="684212"/>
+                  </a:cubicBezTo>
+                  <a:cubicBezTo>
+                    <a:pt x="130175" y="674687"/>
+                    <a:pt x="116000" y="666862"/>
+                    <a:pt x="104775" y="655637"/>
+                  </a:cubicBezTo>
+                  <a:cubicBezTo>
+                    <a:pt x="41275" y="592137"/>
+                    <a:pt x="133350" y="658812"/>
+                    <a:pt x="57150" y="608012"/>
+                  </a:cubicBezTo>
+                  <a:cubicBezTo>
+                    <a:pt x="33209" y="536188"/>
+                    <a:pt x="65504" y="624720"/>
+                    <a:pt x="28575" y="550862"/>
+                  </a:cubicBezTo>
+                  <a:cubicBezTo>
+                    <a:pt x="20962" y="535637"/>
+                    <a:pt x="13594" y="498429"/>
+                    <a:pt x="9525" y="484187"/>
+                  </a:cubicBezTo>
+                  <a:cubicBezTo>
+                    <a:pt x="6767" y="474533"/>
+                    <a:pt x="3175" y="465137"/>
+                    <a:pt x="0" y="455612"/>
+                  </a:cubicBezTo>
+                  <a:cubicBezTo>
+                    <a:pt x="3175" y="423862"/>
+                    <a:pt x="8" y="390818"/>
+                    <a:pt x="9525" y="360362"/>
+                  </a:cubicBezTo>
+                  <a:cubicBezTo>
+                    <a:pt x="16354" y="338509"/>
+                    <a:pt x="31436" y="319401"/>
+                    <a:pt x="47625" y="303212"/>
+                  </a:cubicBezTo>
+                  <a:cubicBezTo>
+                    <a:pt x="57150" y="293687"/>
+                    <a:pt x="65567" y="282907"/>
+                    <a:pt x="76200" y="274637"/>
+                  </a:cubicBezTo>
+                  <a:cubicBezTo>
+                    <a:pt x="103901" y="253092"/>
+                    <a:pt x="138462" y="231625"/>
+                    <a:pt x="171450" y="217487"/>
+                  </a:cubicBezTo>
+                  <a:cubicBezTo>
+                    <a:pt x="180678" y="213532"/>
+                    <a:pt x="190224" y="210140"/>
+                    <a:pt x="200025" y="207962"/>
+                  </a:cubicBezTo>
+                  <a:cubicBezTo>
+                    <a:pt x="227472" y="201863"/>
+                    <a:pt x="310847" y="190714"/>
+                    <a:pt x="333375" y="188912"/>
+                  </a:cubicBezTo>
+                  <a:cubicBezTo>
+                    <a:pt x="387271" y="184600"/>
+                    <a:pt x="441325" y="182562"/>
+                    <a:pt x="495300" y="179387"/>
+                  </a:cubicBezTo>
+                  <a:cubicBezTo>
+                    <a:pt x="504825" y="176212"/>
+                    <a:pt x="514895" y="174352"/>
+                    <a:pt x="523875" y="169862"/>
+                  </a:cubicBezTo>
+                  <a:cubicBezTo>
+                    <a:pt x="563563" y="150018"/>
+                    <a:pt x="561975" y="136525"/>
+                    <a:pt x="590550" y="93662"/>
+                  </a:cubicBezTo>
+                  <a:lnTo>
+                    <a:pt x="609600" y="65087"/>
+                  </a:lnTo>
+                  <a:cubicBezTo>
+                    <a:pt x="615950" y="55562"/>
+                    <a:pt x="617790" y="40132"/>
+                    <a:pt x="628650" y="36512"/>
+                  </a:cubicBezTo>
+                  <a:cubicBezTo>
+                    <a:pt x="668085" y="23367"/>
+                    <a:pt x="648871" y="32556"/>
+                    <a:pt x="685800" y="7937"/>
+                  </a:cubicBezTo>
+                  <a:cubicBezTo>
+                    <a:pt x="784209" y="17778"/>
+                    <a:pt x="782638" y="0"/>
+                    <a:pt x="800100" y="7937"/>
+                  </a:cubicBezTo>
+                  <a:close/>
+                </a:path>
+              </a:pathLst>
+            </a:custGeom>
+            <a:noFill/>
+          </p:spPr>
+          <p:style>
+            <a:lnRef idx="2">
+              <a:schemeClr val="accent1">
+                <a:shade val="50000"/>
+              </a:schemeClr>
+            </a:lnRef>
+            <a:fillRef idx="1">
+              <a:schemeClr val="accent1"/>
+            </a:fillRef>
+            <a:effectRef idx="0">
+              <a:schemeClr val="accent1"/>
+            </a:effectRef>
+            <a:fontRef idx="minor">
+              <a:schemeClr val="lt1"/>
+            </a:fontRef>
+          </p:style>
+          <p:txBody>
+            <a:bodyPr rtlCol="0" anchor="ctr"/>
+            <a:lstStyle/>
+            <a:p>
+              <a:pPr algn="ctr"/>
+              <a:endParaRPr lang="tr-TR"/>
+            </a:p>
+          </p:txBody>
+        </p:sp>
+        <p:sp>
+          <p:nvSpPr>
+            <p:cNvPr id="60" name="Oval 59"/>
+            <p:cNvSpPr/>
+            <p:nvPr/>
+          </p:nvSpPr>
+          <p:spPr>
+            <a:xfrm>
+              <a:off x="1001712" y="5380037"/>
+              <a:ext cx="127809" cy="138842"/>
+            </a:xfrm>
+            <a:prstGeom prst="ellipse">
               <a:avLst/>
             </a:prstGeom>
-            <a:ln w="15875"/>
           </p:spPr>
           <p:style>
-            <a:lnRef idx="1">
-              <a:schemeClr val="accent1"/>
+            <a:lnRef idx="2">
+              <a:schemeClr val="accent1">
+                <a:shade val="50000"/>
+              </a:schemeClr>
             </a:lnRef>
-            <a:fillRef idx="0">
+            <a:fillRef idx="1">
               <a:schemeClr val="accent1"/>
             </a:fillRef>
             <a:effectRef idx="0">
               <a:schemeClr val="accent1"/>
             </a:effectRef>
             <a:fontRef idx="minor">
-              <a:schemeClr val="tx1"/>
+              <a:schemeClr val="lt1"/>
             </a:fontRef>
           </p:style>
-        </p:cxnSp>
+          <p:txBody>
+            <a:bodyPr rtlCol="0" anchor="ctr"/>
+            <a:lstStyle/>
+            <a:p>
+              <a:pPr algn="ctr"/>
+              <a:endParaRPr lang="tr-TR"/>
+            </a:p>
+          </p:txBody>
+        </p:sp>
+        <p:sp>
+          <p:nvSpPr>
+            <p:cNvPr id="62" name="Oval 61"/>
+            <p:cNvSpPr/>
+            <p:nvPr/>
+          </p:nvSpPr>
+          <p:spPr>
+            <a:xfrm>
+              <a:off x="1535112" y="5456237"/>
+              <a:ext cx="213015" cy="231404"/>
+            </a:xfrm>
+            <a:prstGeom prst="ellipse">
+              <a:avLst/>
+            </a:prstGeom>
+          </p:spPr>
+          <p:style>
+            <a:lnRef idx="2">
+              <a:schemeClr val="accent1">
+                <a:shade val="50000"/>
+              </a:schemeClr>
+            </a:lnRef>
+            <a:fillRef idx="1">
+              <a:schemeClr val="accent1"/>
+            </a:fillRef>
+            <a:effectRef idx="0">
+              <a:schemeClr val="accent1"/>
+            </a:effectRef>
+            <a:fontRef idx="minor">
+              <a:schemeClr val="lt1"/>
+            </a:fontRef>
+          </p:style>
+          <p:txBody>
+            <a:bodyPr rtlCol="0" anchor="ctr"/>
+            <a:lstStyle/>
+            <a:p>
+              <a:pPr algn="ctr"/>
+              <a:endParaRPr lang="tr-TR"/>
+            </a:p>
+          </p:txBody>
+        </p:sp>
+        <p:sp>
+          <p:nvSpPr>
+            <p:cNvPr id="64" name="Oval 63"/>
+            <p:cNvSpPr/>
+            <p:nvPr/>
+          </p:nvSpPr>
+          <p:spPr>
+            <a:xfrm>
+              <a:off x="1839912" y="5989637"/>
+              <a:ext cx="127809" cy="138842"/>
+            </a:xfrm>
+            <a:prstGeom prst="ellipse">
+              <a:avLst/>
+            </a:prstGeom>
+          </p:spPr>
+          <p:style>
+            <a:lnRef idx="2">
+              <a:schemeClr val="accent1">
+                <a:shade val="50000"/>
+              </a:schemeClr>
+            </a:lnRef>
+            <a:fillRef idx="1">
+              <a:schemeClr val="accent1"/>
+            </a:fillRef>
+            <a:effectRef idx="0">
+              <a:schemeClr val="accent1"/>
+            </a:effectRef>
+            <a:fontRef idx="minor">
+              <a:schemeClr val="lt1"/>
+            </a:fontRef>
+          </p:style>
+          <p:txBody>
+            <a:bodyPr rtlCol="0" anchor="ctr"/>
+            <a:lstStyle/>
+            <a:p>
+              <a:pPr algn="ctr"/>
+              <a:endParaRPr lang="tr-TR"/>
+            </a:p>
+          </p:txBody>
+        </p:sp>
+        <p:sp>
+          <p:nvSpPr>
+            <p:cNvPr id="66" name="Oval 65"/>
+            <p:cNvSpPr/>
+            <p:nvPr/>
+          </p:nvSpPr>
+          <p:spPr>
+            <a:xfrm>
+              <a:off x="2297112" y="6523037"/>
+              <a:ext cx="127809" cy="138842"/>
+            </a:xfrm>
+            <a:prstGeom prst="ellipse">
+              <a:avLst/>
+            </a:prstGeom>
+          </p:spPr>
+          <p:style>
+            <a:lnRef idx="2">
+              <a:schemeClr val="accent1">
+                <a:shade val="50000"/>
+              </a:schemeClr>
+            </a:lnRef>
+            <a:fillRef idx="1">
+              <a:schemeClr val="accent1"/>
+            </a:fillRef>
+            <a:effectRef idx="0">
+              <a:schemeClr val="accent1"/>
+            </a:effectRef>
+            <a:fontRef idx="minor">
+              <a:schemeClr val="lt1"/>
+            </a:fontRef>
+          </p:style>
+          <p:txBody>
+            <a:bodyPr rtlCol="0" anchor="ctr"/>
+            <a:lstStyle/>
+            <a:p>
+              <a:pPr algn="ctr"/>
+              <a:endParaRPr lang="tr-TR"/>
+            </a:p>
+          </p:txBody>
+        </p:sp>
+        <p:sp>
+          <p:nvSpPr>
+            <p:cNvPr id="68" name="Oval 67"/>
+            <p:cNvSpPr/>
+            <p:nvPr/>
+          </p:nvSpPr>
+          <p:spPr>
+            <a:xfrm>
+              <a:off x="1763712" y="6446837"/>
+              <a:ext cx="170412" cy="185123"/>
+            </a:xfrm>
+            <a:prstGeom prst="ellipse">
+              <a:avLst/>
+            </a:prstGeom>
+          </p:spPr>
+          <p:style>
+            <a:lnRef idx="2">
+              <a:schemeClr val="accent1">
+                <a:shade val="50000"/>
+              </a:schemeClr>
+            </a:lnRef>
+            <a:fillRef idx="1">
+              <a:schemeClr val="accent1"/>
+            </a:fillRef>
+            <a:effectRef idx="0">
+              <a:schemeClr val="accent1"/>
+            </a:effectRef>
+            <a:fontRef idx="minor">
+              <a:schemeClr val="lt1"/>
+            </a:fontRef>
+          </p:style>
+          <p:txBody>
+            <a:bodyPr rtlCol="0" anchor="ctr"/>
+            <a:lstStyle/>
+            <a:p>
+              <a:pPr algn="ctr"/>
+              <a:endParaRPr lang="tr-TR"/>
+            </a:p>
+          </p:txBody>
+        </p:sp>
+        <p:sp>
+          <p:nvSpPr>
+            <p:cNvPr id="70" name="Isosceles Triangle 69"/>
+            <p:cNvSpPr/>
+            <p:nvPr/>
+          </p:nvSpPr>
+          <p:spPr>
+            <a:xfrm>
+              <a:off x="1154112" y="6065837"/>
+              <a:ext cx="127809" cy="138842"/>
+            </a:xfrm>
+            <a:prstGeom prst="triangle">
+              <a:avLst/>
+            </a:prstGeom>
+          </p:spPr>
+          <p:style>
+            <a:lnRef idx="2">
+              <a:schemeClr val="accent1">
+                <a:shade val="50000"/>
+              </a:schemeClr>
+            </a:lnRef>
+            <a:fillRef idx="1">
+              <a:schemeClr val="accent1"/>
+            </a:fillRef>
+            <a:effectRef idx="0">
+              <a:schemeClr val="accent1"/>
+            </a:effectRef>
+            <a:fontRef idx="minor">
+              <a:schemeClr val="lt1"/>
+            </a:fontRef>
+          </p:style>
+          <p:txBody>
+            <a:bodyPr rtlCol="0" anchor="ctr"/>
+            <a:lstStyle/>
+            <a:p>
+              <a:pPr algn="ctr"/>
+              <a:endParaRPr lang="tr-TR"/>
+            </a:p>
+          </p:txBody>
+        </p:sp>
+        <p:sp>
+          <p:nvSpPr>
+            <p:cNvPr id="71" name="Isosceles Triangle 70"/>
+            <p:cNvSpPr/>
+            <p:nvPr/>
+          </p:nvSpPr>
+          <p:spPr>
+            <a:xfrm>
+              <a:off x="2297112" y="5761037"/>
+              <a:ext cx="127809" cy="138842"/>
+            </a:xfrm>
+            <a:prstGeom prst="triangle">
+              <a:avLst/>
+            </a:prstGeom>
+          </p:spPr>
+          <p:style>
+            <a:lnRef idx="2">
+              <a:schemeClr val="accent1">
+                <a:shade val="50000"/>
+              </a:schemeClr>
+            </a:lnRef>
+            <a:fillRef idx="1">
+              <a:schemeClr val="accent1"/>
+            </a:fillRef>
+            <a:effectRef idx="0">
+              <a:schemeClr val="accent1"/>
+            </a:effectRef>
+            <a:fontRef idx="minor">
+              <a:schemeClr val="lt1"/>
+            </a:fontRef>
+          </p:style>
+          <p:txBody>
+            <a:bodyPr rtlCol="0" anchor="ctr"/>
+            <a:lstStyle/>
+            <a:p>
+              <a:pPr algn="ctr"/>
+              <a:endParaRPr lang="tr-TR"/>
+            </a:p>
+          </p:txBody>
+        </p:sp>
+        <p:sp>
+          <p:nvSpPr>
+            <p:cNvPr id="72" name="Rectangle 71"/>
+            <p:cNvSpPr/>
+            <p:nvPr/>
+          </p:nvSpPr>
+          <p:spPr>
+            <a:xfrm>
+              <a:off x="925512" y="6446837"/>
+              <a:ext cx="213015" cy="138842"/>
+            </a:xfrm>
+            <a:prstGeom prst="rect">
+              <a:avLst/>
+            </a:prstGeom>
+          </p:spPr>
+          <p:style>
+            <a:lnRef idx="2">
+              <a:schemeClr val="accent1">
+                <a:shade val="50000"/>
+              </a:schemeClr>
+            </a:lnRef>
+            <a:fillRef idx="1">
+              <a:schemeClr val="accent1"/>
+            </a:fillRef>
+            <a:effectRef idx="0">
+              <a:schemeClr val="accent1"/>
+            </a:effectRef>
+            <a:fontRef idx="minor">
+              <a:schemeClr val="lt1"/>
+            </a:fontRef>
+          </p:style>
+          <p:txBody>
+            <a:bodyPr rtlCol="0" anchor="ctr"/>
+            <a:lstStyle/>
+            <a:p>
+              <a:pPr algn="ctr"/>
+              <a:endParaRPr lang="tr-TR"/>
+            </a:p>
+          </p:txBody>
+        </p:sp>
+        <p:sp>
+          <p:nvSpPr>
+            <p:cNvPr id="74" name="Rectangle 73"/>
+            <p:cNvSpPr/>
+            <p:nvPr/>
+          </p:nvSpPr>
+          <p:spPr>
+            <a:xfrm>
+              <a:off x="468312" y="5761037"/>
+              <a:ext cx="127809" cy="92561"/>
+            </a:xfrm>
+            <a:prstGeom prst="rect">
+              <a:avLst/>
+            </a:prstGeom>
+          </p:spPr>
+          <p:style>
+            <a:lnRef idx="2">
+              <a:schemeClr val="accent1">
+                <a:shade val="50000"/>
+              </a:schemeClr>
+            </a:lnRef>
+            <a:fillRef idx="1">
+              <a:schemeClr val="accent1"/>
+            </a:fillRef>
+            <a:effectRef idx="0">
+              <a:schemeClr val="accent1"/>
+            </a:effectRef>
+            <a:fontRef idx="minor">
+              <a:schemeClr val="lt1"/>
+            </a:fontRef>
+          </p:style>
+          <p:txBody>
+            <a:bodyPr rtlCol="0" anchor="ctr"/>
+            <a:lstStyle/>
+            <a:p>
+              <a:pPr algn="ctr"/>
+              <a:endParaRPr lang="tr-TR"/>
+            </a:p>
+          </p:txBody>
+        </p:sp>
+        <p:sp>
+          <p:nvSpPr>
+            <p:cNvPr id="75" name="Right Arrow 74"/>
+            <p:cNvSpPr/>
+            <p:nvPr/>
+          </p:nvSpPr>
+          <p:spPr>
+            <a:xfrm>
+              <a:off x="5040312" y="5837237"/>
+              <a:ext cx="838200" cy="381000"/>
+            </a:xfrm>
+            <a:prstGeom prst="rightArrow">
+              <a:avLst/>
+            </a:prstGeom>
+          </p:spPr>
+          <p:style>
+            <a:lnRef idx="2">
+              <a:schemeClr val="accent1">
+                <a:shade val="50000"/>
+              </a:schemeClr>
+            </a:lnRef>
+            <a:fillRef idx="1">
+              <a:schemeClr val="accent1"/>
+            </a:fillRef>
+            <a:effectRef idx="0">
+              <a:schemeClr val="accent1"/>
+            </a:effectRef>
+            <a:fontRef idx="minor">
+              <a:schemeClr val="lt1"/>
+            </a:fontRef>
+          </p:style>
+          <p:txBody>
+            <a:bodyPr rtlCol="0" anchor="ctr"/>
+            <a:lstStyle/>
+            <a:p>
+              <a:pPr algn="ctr"/>
+              <a:endParaRPr lang="tr-TR"/>
+            </a:p>
+          </p:txBody>
+        </p:sp>
       </p:grpSp>
+      <p:sp>
+        <p:nvSpPr>
+          <p:cNvPr id="4" name="TextBox 3"/>
+          <p:cNvSpPr txBox="1"/>
+          <p:nvPr/>
+        </p:nvSpPr>
+        <p:spPr>
+          <a:xfrm>
+            <a:off x="2290319" y="1738176"/>
+            <a:ext cx="1008358" cy="422310"/>
+          </a:xfrm>
+          <a:prstGeom prst="rect">
+            <a:avLst/>
+          </a:prstGeom>
+          <a:noFill/>
+          <a:ln w="15875">
+            <a:solidFill>
+              <a:schemeClr val="accent1">
+                <a:shade val="95000"/>
+                <a:satMod val="105000"/>
+              </a:schemeClr>
+            </a:solidFill>
+          </a:ln>
+        </p:spPr>
+        <p:txBody>
+          <a:bodyPr wrap="square" lIns="82945" tIns="41473" rIns="82945" bIns="41473" rtlCol="0">
+            <a:spAutoFit/>
+          </a:bodyPr>
+          <a:lstStyle/>
+          <a:p>
+            <a:pPr algn="ctr"/>
+            <a:r>
+              <a:rPr lang="en-US" sz="1100" dirty="0" smtClean="0"/>
+              <a:t>Local </a:t>
+            </a:r>
+            <a:r>
+              <a:rPr lang="en-US" sz="1100" dirty="0" err="1" smtClean="0"/>
+              <a:t>Trilateration</a:t>
+            </a:r>
+            <a:endParaRPr lang="tr-TR" sz="1100" dirty="0"/>
+          </a:p>
+        </p:txBody>
+      </p:sp>
+      <p:sp>
+        <p:nvSpPr>
+          <p:cNvPr id="5" name="TextBox 4"/>
+          <p:cNvSpPr txBox="1"/>
+          <p:nvPr/>
+        </p:nvSpPr>
+        <p:spPr>
+          <a:xfrm>
+            <a:off x="3715919" y="1728160"/>
+            <a:ext cx="967680" cy="437699"/>
+          </a:xfrm>
+          <a:prstGeom prst="rect">
+            <a:avLst/>
+          </a:prstGeom>
+          <a:noFill/>
+          <a:ln w="15875">
+            <a:solidFill>
+              <a:schemeClr val="accent1">
+                <a:shade val="95000"/>
+                <a:satMod val="105000"/>
+              </a:schemeClr>
+            </a:solidFill>
+          </a:ln>
+        </p:spPr>
+        <p:txBody>
+          <a:bodyPr wrap="square" lIns="82945" tIns="41473" rIns="82945" bIns="41473" rtlCol="0">
+            <a:spAutoFit/>
+          </a:bodyPr>
+          <a:lstStyle/>
+          <a:p>
+            <a:pPr algn="ctr"/>
+            <a:r>
+              <a:rPr lang="en-US" sz="1100" dirty="0" smtClean="0"/>
+              <a:t>Route Table</a:t>
+            </a:r>
+          </a:p>
+          <a:p>
+            <a:pPr algn="ctr"/>
+            <a:r>
+              <a:rPr lang="en-US" sz="1100" dirty="0" smtClean="0"/>
+              <a:t> Algorithms</a:t>
+            </a:r>
+            <a:endParaRPr lang="tr-TR" sz="1100" dirty="0"/>
+          </a:p>
+        </p:txBody>
+      </p:sp>
+      <p:sp>
+        <p:nvSpPr>
+          <p:cNvPr id="6" name="TextBox 5"/>
+          <p:cNvSpPr txBox="1"/>
+          <p:nvPr/>
+        </p:nvSpPr>
+        <p:spPr>
+          <a:xfrm>
+            <a:off x="1046159" y="3309446"/>
+            <a:ext cx="1105920" cy="591587"/>
+          </a:xfrm>
+          <a:prstGeom prst="rect">
+            <a:avLst/>
+          </a:prstGeom>
+          <a:noFill/>
+          <a:ln w="15875">
+            <a:solidFill>
+              <a:schemeClr val="accent1">
+                <a:shade val="95000"/>
+                <a:satMod val="105000"/>
+              </a:schemeClr>
+            </a:solidFill>
+          </a:ln>
+        </p:spPr>
+        <p:txBody>
+          <a:bodyPr wrap="square" lIns="82945" tIns="41473" rIns="82945" bIns="41473" rtlCol="0">
+            <a:spAutoFit/>
+          </a:bodyPr>
+          <a:lstStyle/>
+          <a:p>
+            <a:pPr algn="ctr"/>
+            <a:r>
+              <a:rPr lang="en-US" sz="1100" dirty="0" smtClean="0"/>
+              <a:t>State </a:t>
+            </a:r>
+            <a:r>
+              <a:rPr lang="en-US" sz="1100" dirty="0" err="1" smtClean="0"/>
+              <a:t>Propogation</a:t>
+            </a:r>
+            <a:endParaRPr lang="en-US" sz="1100" dirty="0" smtClean="0"/>
+          </a:p>
+          <a:p>
+            <a:pPr algn="ctr"/>
+            <a:endParaRPr lang="tr-TR" sz="1100" dirty="0"/>
+          </a:p>
+        </p:txBody>
+      </p:sp>
+      <p:sp>
+        <p:nvSpPr>
+          <p:cNvPr id="7" name="TextBox 6"/>
+          <p:cNvSpPr txBox="1"/>
+          <p:nvPr/>
+        </p:nvSpPr>
+        <p:spPr>
+          <a:xfrm>
+            <a:off x="2705039" y="3102064"/>
+            <a:ext cx="967680" cy="606976"/>
+          </a:xfrm>
+          <a:prstGeom prst="rect">
+            <a:avLst/>
+          </a:prstGeom>
+          <a:noFill/>
+          <a:ln w="15875">
+            <a:solidFill>
+              <a:schemeClr val="accent1">
+                <a:shade val="95000"/>
+                <a:satMod val="105000"/>
+              </a:schemeClr>
+            </a:solidFill>
+          </a:ln>
+        </p:spPr>
+        <p:txBody>
+          <a:bodyPr wrap="square" lIns="82945" tIns="41473" rIns="82945" bIns="41473" rtlCol="0">
+            <a:spAutoFit/>
+          </a:bodyPr>
+          <a:lstStyle/>
+          <a:p>
+            <a:pPr algn="ctr"/>
+            <a:r>
+              <a:rPr lang="en-US" sz="1100" dirty="0" smtClean="0"/>
+              <a:t>State Estimator</a:t>
+            </a:r>
+          </a:p>
+          <a:p>
+            <a:pPr algn="ctr"/>
+            <a:endParaRPr lang="tr-TR" sz="1100" dirty="0"/>
+          </a:p>
+        </p:txBody>
+      </p:sp>
+      <p:sp>
+        <p:nvSpPr>
+          <p:cNvPr id="8" name="TextBox 7"/>
+          <p:cNvSpPr txBox="1"/>
+          <p:nvPr/>
+        </p:nvSpPr>
+        <p:spPr>
+          <a:xfrm>
+            <a:off x="4709519" y="2341664"/>
+            <a:ext cx="414720" cy="437699"/>
+          </a:xfrm>
+          <a:prstGeom prst="rect">
+            <a:avLst/>
+          </a:prstGeom>
+          <a:noFill/>
+          <a:ln w="6350">
+            <a:solidFill>
+              <a:schemeClr val="accent1">
+                <a:shade val="95000"/>
+                <a:satMod val="105000"/>
+              </a:schemeClr>
+            </a:solidFill>
+            <a:prstDash val="dash"/>
+          </a:ln>
+        </p:spPr>
+        <p:txBody>
+          <a:bodyPr wrap="square" lIns="82945" tIns="41473" rIns="82945" bIns="41473" rtlCol="0">
+            <a:spAutoFit/>
+          </a:bodyPr>
+          <a:lstStyle/>
+          <a:p>
+            <a:pPr algn="ctr"/>
+            <a:endParaRPr lang="en-US" sz="1100" dirty="0" smtClean="0"/>
+          </a:p>
+          <a:p>
+            <a:pPr algn="ctr"/>
+            <a:endParaRPr lang="tr-TR" sz="1100" dirty="0"/>
+          </a:p>
+        </p:txBody>
+      </p:sp>
+      <p:sp>
+        <p:nvSpPr>
+          <p:cNvPr id="9" name="TextBox 8"/>
+          <p:cNvSpPr txBox="1"/>
+          <p:nvPr/>
+        </p:nvSpPr>
+        <p:spPr>
+          <a:xfrm>
+            <a:off x="3931920" y="2341664"/>
+            <a:ext cx="887259" cy="406921"/>
+          </a:xfrm>
+          <a:prstGeom prst="rect">
+            <a:avLst/>
+          </a:prstGeom>
+          <a:noFill/>
+        </p:spPr>
+        <p:txBody>
+          <a:bodyPr wrap="none" lIns="82945" tIns="41473" rIns="82945" bIns="41473" rtlCol="0">
+            <a:spAutoFit/>
+          </a:bodyPr>
+          <a:lstStyle/>
+          <a:p>
+            <a:pPr algn="ctr"/>
+            <a:r>
+              <a:rPr lang="en-US" sz="1000" dirty="0" smtClean="0"/>
+              <a:t>Localization </a:t>
+            </a:r>
+          </a:p>
+          <a:p>
+            <a:pPr algn="ctr"/>
+            <a:r>
+              <a:rPr lang="en-US" sz="1000" dirty="0" smtClean="0"/>
+              <a:t>Timer</a:t>
+            </a:r>
+            <a:endParaRPr lang="tr-TR" sz="1000" dirty="0"/>
+          </a:p>
+        </p:txBody>
+      </p:sp>
+      <p:cxnSp>
+        <p:nvCxnSpPr>
+          <p:cNvPr id="11" name="Straight Connector 10"/>
+          <p:cNvCxnSpPr/>
+          <p:nvPr/>
+        </p:nvCxnSpPr>
+        <p:spPr>
+          <a:xfrm rot="5400000" flipH="1" flipV="1">
+            <a:off x="4640370" y="2203410"/>
+            <a:ext cx="553018" cy="1440"/>
+          </a:xfrm>
+          <a:prstGeom prst="line">
+            <a:avLst/>
+          </a:prstGeom>
+          <a:ln w="15875"/>
+        </p:spPr>
+        <p:style>
+          <a:lnRef idx="1">
+            <a:schemeClr val="accent1"/>
+          </a:lnRef>
+          <a:fillRef idx="0">
+            <a:schemeClr val="accent1"/>
+          </a:fillRef>
+          <a:effectRef idx="0">
+            <a:schemeClr val="accent1"/>
+          </a:effectRef>
+          <a:fontRef idx="minor">
+            <a:schemeClr val="tx1"/>
+          </a:fontRef>
+        </p:style>
+      </p:cxnSp>
+      <p:cxnSp>
+        <p:nvCxnSpPr>
+          <p:cNvPr id="13" name="Straight Arrow Connector 12"/>
+          <p:cNvCxnSpPr/>
+          <p:nvPr/>
+        </p:nvCxnSpPr>
+        <p:spPr>
+          <a:xfrm rot="10800000">
+            <a:off x="4709519" y="1926900"/>
+            <a:ext cx="207360" cy="1441"/>
+          </a:xfrm>
+          <a:prstGeom prst="straightConnector1">
+            <a:avLst/>
+          </a:prstGeom>
+          <a:ln w="15875">
+            <a:tailEnd type="arrow"/>
+          </a:ln>
+        </p:spPr>
+        <p:style>
+          <a:lnRef idx="1">
+            <a:schemeClr val="accent1"/>
+          </a:lnRef>
+          <a:fillRef idx="0">
+            <a:schemeClr val="accent1"/>
+          </a:fillRef>
+          <a:effectRef idx="0">
+            <a:schemeClr val="accent1"/>
+          </a:effectRef>
+          <a:fontRef idx="minor">
+            <a:schemeClr val="tx1"/>
+          </a:fontRef>
+        </p:style>
+      </p:cxnSp>
+      <p:cxnSp>
+        <p:nvCxnSpPr>
+          <p:cNvPr id="15" name="Straight Arrow Connector 14"/>
+          <p:cNvCxnSpPr>
+            <a:stCxn id="5" idx="1"/>
+            <a:endCxn id="4" idx="3"/>
+          </p:cNvCxnSpPr>
+          <p:nvPr/>
+        </p:nvCxnSpPr>
+        <p:spPr>
+          <a:xfrm rot="10800000" flipV="1">
+            <a:off x="3298677" y="1947009"/>
+            <a:ext cx="417242" cy="2321"/>
+          </a:xfrm>
+          <a:prstGeom prst="straightConnector1">
+            <a:avLst/>
+          </a:prstGeom>
+          <a:ln w="15875">
+            <a:tailEnd type="arrow"/>
+          </a:ln>
+        </p:spPr>
+        <p:style>
+          <a:lnRef idx="1">
+            <a:schemeClr val="accent1"/>
+          </a:lnRef>
+          <a:fillRef idx="0">
+            <a:schemeClr val="accent1"/>
+          </a:fillRef>
+          <a:effectRef idx="0">
+            <a:schemeClr val="accent1"/>
+          </a:effectRef>
+          <a:fontRef idx="minor">
+            <a:schemeClr val="tx1"/>
+          </a:fontRef>
+        </p:style>
+      </p:cxnSp>
+      <p:cxnSp>
+        <p:nvCxnSpPr>
+          <p:cNvPr id="20" name="Straight Connector 19"/>
+          <p:cNvCxnSpPr/>
+          <p:nvPr/>
+        </p:nvCxnSpPr>
+        <p:spPr>
+          <a:xfrm rot="16200000" flipH="1">
+            <a:off x="1557405" y="2678164"/>
+            <a:ext cx="1112134" cy="1"/>
+          </a:xfrm>
+          <a:prstGeom prst="line">
+            <a:avLst/>
+          </a:prstGeom>
+          <a:ln w="15875"/>
+        </p:spPr>
+        <p:style>
+          <a:lnRef idx="1">
+            <a:schemeClr val="accent1"/>
+          </a:lnRef>
+          <a:fillRef idx="0">
+            <a:schemeClr val="accent1"/>
+          </a:fillRef>
+          <a:effectRef idx="0">
+            <a:schemeClr val="accent1"/>
+          </a:effectRef>
+          <a:fontRef idx="minor">
+            <a:schemeClr val="tx1"/>
+          </a:fontRef>
+        </p:style>
+      </p:cxnSp>
+      <p:cxnSp>
+        <p:nvCxnSpPr>
+          <p:cNvPr id="22" name="Straight Arrow Connector 21"/>
+          <p:cNvCxnSpPr/>
+          <p:nvPr/>
+        </p:nvCxnSpPr>
+        <p:spPr>
+          <a:xfrm>
+            <a:off x="2104845" y="3234906"/>
+            <a:ext cx="600194" cy="6854"/>
+          </a:xfrm>
+          <a:prstGeom prst="straightConnector1">
+            <a:avLst/>
+          </a:prstGeom>
+          <a:ln w="15875">
+            <a:tailEnd type="arrow"/>
+          </a:ln>
+        </p:spPr>
+        <p:style>
+          <a:lnRef idx="1">
+            <a:schemeClr val="accent1"/>
+          </a:lnRef>
+          <a:fillRef idx="0">
+            <a:schemeClr val="accent1"/>
+          </a:fillRef>
+          <a:effectRef idx="0">
+            <a:schemeClr val="accent1"/>
+          </a:effectRef>
+          <a:fontRef idx="minor">
+            <a:schemeClr val="tx1"/>
+          </a:fontRef>
+        </p:style>
+      </p:cxnSp>
+      <p:cxnSp>
+        <p:nvCxnSpPr>
+          <p:cNvPr id="26" name="Straight Connector 25"/>
+          <p:cNvCxnSpPr/>
+          <p:nvPr/>
+        </p:nvCxnSpPr>
+        <p:spPr>
+          <a:xfrm flipV="1">
+            <a:off x="4916879" y="2549046"/>
+            <a:ext cx="138240" cy="71152"/>
+          </a:xfrm>
+          <a:prstGeom prst="line">
+            <a:avLst/>
+          </a:prstGeom>
+          <a:ln w="15875"/>
+        </p:spPr>
+        <p:style>
+          <a:lnRef idx="1">
+            <a:schemeClr val="accent1"/>
+          </a:lnRef>
+          <a:fillRef idx="0">
+            <a:schemeClr val="accent1"/>
+          </a:fillRef>
+          <a:effectRef idx="0">
+            <a:schemeClr val="accent1"/>
+          </a:effectRef>
+          <a:fontRef idx="minor">
+            <a:schemeClr val="tx1"/>
+          </a:fontRef>
+        </p:style>
+      </p:cxnSp>
+      <p:cxnSp>
+        <p:nvCxnSpPr>
+          <p:cNvPr id="29" name="Straight Connector 28"/>
+          <p:cNvCxnSpPr/>
+          <p:nvPr/>
+        </p:nvCxnSpPr>
+        <p:spPr>
+          <a:xfrm rot="5400000">
+            <a:off x="4536679" y="2998373"/>
+            <a:ext cx="760400" cy="1440"/>
+          </a:xfrm>
+          <a:prstGeom prst="line">
+            <a:avLst/>
+          </a:prstGeom>
+          <a:ln w="15875"/>
+        </p:spPr>
+        <p:style>
+          <a:lnRef idx="1">
+            <a:schemeClr val="accent1"/>
+          </a:lnRef>
+          <a:fillRef idx="0">
+            <a:schemeClr val="accent1"/>
+          </a:fillRef>
+          <a:effectRef idx="0">
+            <a:schemeClr val="accent1"/>
+          </a:effectRef>
+          <a:fontRef idx="minor">
+            <a:schemeClr val="tx1"/>
+          </a:fontRef>
+        </p:style>
+      </p:cxnSp>
+      <p:cxnSp>
+        <p:nvCxnSpPr>
+          <p:cNvPr id="31" name="Straight Connector 30"/>
+          <p:cNvCxnSpPr>
+            <a:stCxn id="7" idx="3"/>
+          </p:cNvCxnSpPr>
+          <p:nvPr/>
+        </p:nvCxnSpPr>
+        <p:spPr>
+          <a:xfrm flipV="1">
+            <a:off x="3672719" y="3378574"/>
+            <a:ext cx="1244160" cy="26978"/>
+          </a:xfrm>
+          <a:prstGeom prst="line">
+            <a:avLst/>
+          </a:prstGeom>
+          <a:ln w="15875"/>
+        </p:spPr>
+        <p:style>
+          <a:lnRef idx="1">
+            <a:schemeClr val="accent1"/>
+          </a:lnRef>
+          <a:fillRef idx="0">
+            <a:schemeClr val="accent1"/>
+          </a:fillRef>
+          <a:effectRef idx="0">
+            <a:schemeClr val="accent1"/>
+          </a:effectRef>
+          <a:fontRef idx="minor">
+            <a:schemeClr val="tx1"/>
+          </a:fontRef>
+        </p:style>
+      </p:cxnSp>
+      <p:sp>
+        <p:nvSpPr>
+          <p:cNvPr id="35" name="TextBox 34"/>
+          <p:cNvSpPr txBox="1"/>
+          <p:nvPr/>
+        </p:nvSpPr>
+        <p:spPr>
+          <a:xfrm>
+            <a:off x="6299279" y="3067500"/>
+            <a:ext cx="967680" cy="606976"/>
+          </a:xfrm>
+          <a:prstGeom prst="rect">
+            <a:avLst/>
+          </a:prstGeom>
+          <a:noFill/>
+          <a:ln w="15875">
+            <a:solidFill>
+              <a:schemeClr val="accent1">
+                <a:shade val="95000"/>
+                <a:satMod val="105000"/>
+              </a:schemeClr>
+            </a:solidFill>
+          </a:ln>
+        </p:spPr>
+        <p:txBody>
+          <a:bodyPr wrap="square" lIns="82945" tIns="41473" rIns="82945" bIns="41473" rtlCol="0">
+            <a:spAutoFit/>
+          </a:bodyPr>
+          <a:lstStyle/>
+          <a:p>
+            <a:pPr algn="ctr"/>
+            <a:r>
+              <a:rPr lang="en-US" sz="1100" dirty="0" smtClean="0"/>
+              <a:t>Formation Control</a:t>
+            </a:r>
+          </a:p>
+          <a:p>
+            <a:pPr algn="ctr"/>
+            <a:endParaRPr lang="tr-TR" sz="1100" dirty="0"/>
+          </a:p>
+        </p:txBody>
+      </p:sp>
+      <p:cxnSp>
+        <p:nvCxnSpPr>
+          <p:cNvPr id="37" name="Straight Arrow Connector 36"/>
+          <p:cNvCxnSpPr>
+            <a:endCxn id="35" idx="1"/>
+          </p:cNvCxnSpPr>
+          <p:nvPr/>
+        </p:nvCxnSpPr>
+        <p:spPr>
+          <a:xfrm flipV="1">
+            <a:off x="4916879" y="3370988"/>
+            <a:ext cx="1382400" cy="7585"/>
+          </a:xfrm>
+          <a:prstGeom prst="straightConnector1">
+            <a:avLst/>
+          </a:prstGeom>
+          <a:ln w="15875">
+            <a:tailEnd type="arrow"/>
+          </a:ln>
+        </p:spPr>
+        <p:style>
+          <a:lnRef idx="1">
+            <a:schemeClr val="accent1"/>
+          </a:lnRef>
+          <a:fillRef idx="0">
+            <a:schemeClr val="accent1"/>
+          </a:fillRef>
+          <a:effectRef idx="0">
+            <a:schemeClr val="accent1"/>
+          </a:effectRef>
+          <a:fontRef idx="minor">
+            <a:schemeClr val="tx1"/>
+          </a:fontRef>
+        </p:style>
+      </p:cxnSp>
+      <p:sp>
+        <p:nvSpPr>
+          <p:cNvPr id="41" name="TextBox 40"/>
+          <p:cNvSpPr txBox="1"/>
+          <p:nvPr/>
+        </p:nvSpPr>
+        <p:spPr>
+          <a:xfrm>
+            <a:off x="5625083" y="4346355"/>
+            <a:ext cx="768637" cy="406921"/>
+          </a:xfrm>
+          <a:prstGeom prst="rect">
+            <a:avLst/>
+          </a:prstGeom>
+          <a:noFill/>
+        </p:spPr>
+        <p:txBody>
+          <a:bodyPr wrap="none" lIns="82945" tIns="41473" rIns="82945" bIns="41473" rtlCol="0">
+            <a:spAutoFit/>
+          </a:bodyPr>
+          <a:lstStyle/>
+          <a:p>
+            <a:pPr algn="ctr"/>
+            <a:r>
+              <a:rPr lang="en-US" sz="1000" dirty="0" smtClean="0"/>
+              <a:t>Formation</a:t>
+            </a:r>
+          </a:p>
+          <a:p>
+            <a:pPr algn="ctr"/>
+            <a:r>
+              <a:rPr lang="en-US" sz="1000" dirty="0" smtClean="0"/>
+              <a:t>Shape</a:t>
+            </a:r>
+            <a:endParaRPr lang="tr-TR" sz="1000" dirty="0"/>
+          </a:p>
+        </p:txBody>
+      </p:sp>
+      <p:cxnSp>
+        <p:nvCxnSpPr>
+          <p:cNvPr id="45" name="Straight Arrow Connector 44"/>
+          <p:cNvCxnSpPr/>
+          <p:nvPr/>
+        </p:nvCxnSpPr>
+        <p:spPr>
+          <a:xfrm rot="16200000" flipV="1">
+            <a:off x="6342435" y="4113051"/>
+            <a:ext cx="872732" cy="8640"/>
+          </a:xfrm>
+          <a:prstGeom prst="straightConnector1">
+            <a:avLst/>
+          </a:prstGeom>
+          <a:ln w="15875">
+            <a:tailEnd type="arrow"/>
+          </a:ln>
+        </p:spPr>
+        <p:style>
+          <a:lnRef idx="1">
+            <a:schemeClr val="accent1"/>
+          </a:lnRef>
+          <a:fillRef idx="0">
+            <a:schemeClr val="accent1"/>
+          </a:fillRef>
+          <a:effectRef idx="0">
+            <a:schemeClr val="accent1"/>
+          </a:effectRef>
+          <a:fontRef idx="minor">
+            <a:schemeClr val="tx1"/>
+          </a:fontRef>
+        </p:style>
+      </p:cxnSp>
+      <p:cxnSp>
+        <p:nvCxnSpPr>
+          <p:cNvPr id="48" name="Straight Connector 47"/>
+          <p:cNvCxnSpPr/>
+          <p:nvPr/>
+        </p:nvCxnSpPr>
+        <p:spPr>
+          <a:xfrm>
+            <a:off x="6230159" y="4553736"/>
+            <a:ext cx="552960" cy="1441"/>
+          </a:xfrm>
+          <a:prstGeom prst="line">
+            <a:avLst/>
+          </a:prstGeom>
+          <a:ln w="15875"/>
+        </p:spPr>
+        <p:style>
+          <a:lnRef idx="1">
+            <a:schemeClr val="accent1"/>
+          </a:lnRef>
+          <a:fillRef idx="0">
+            <a:schemeClr val="accent1"/>
+          </a:fillRef>
+          <a:effectRef idx="0">
+            <a:schemeClr val="accent1"/>
+          </a:effectRef>
+          <a:fontRef idx="minor">
+            <a:schemeClr val="tx1"/>
+          </a:fontRef>
+        </p:style>
+      </p:cxnSp>
+      <p:sp>
+        <p:nvSpPr>
+          <p:cNvPr id="49" name="TextBox 48"/>
+          <p:cNvSpPr txBox="1"/>
+          <p:nvPr/>
+        </p:nvSpPr>
+        <p:spPr>
+          <a:xfrm>
+            <a:off x="7681679" y="3067500"/>
+            <a:ext cx="967680" cy="591587"/>
+          </a:xfrm>
+          <a:prstGeom prst="rect">
+            <a:avLst/>
+          </a:prstGeom>
+          <a:noFill/>
+          <a:ln w="15875">
+            <a:solidFill>
+              <a:schemeClr val="accent1">
+                <a:shade val="95000"/>
+                <a:satMod val="105000"/>
+              </a:schemeClr>
+            </a:solidFill>
+          </a:ln>
+        </p:spPr>
+        <p:txBody>
+          <a:bodyPr wrap="square" lIns="82945" tIns="41473" rIns="82945" bIns="41473" rtlCol="0">
+            <a:spAutoFit/>
+          </a:bodyPr>
+          <a:lstStyle/>
+          <a:p>
+            <a:pPr algn="ctr"/>
+            <a:r>
+              <a:rPr lang="en-US" sz="1100" dirty="0" smtClean="0"/>
+              <a:t>Agent </a:t>
+            </a:r>
+          </a:p>
+          <a:p>
+            <a:pPr algn="ctr"/>
+            <a:r>
+              <a:rPr lang="en-US" sz="1100" dirty="0" smtClean="0"/>
+              <a:t>Dynamics</a:t>
+            </a:r>
+          </a:p>
+          <a:p>
+            <a:pPr algn="ctr"/>
+            <a:endParaRPr lang="tr-TR" sz="1100" dirty="0"/>
+          </a:p>
+        </p:txBody>
+      </p:sp>
+      <p:cxnSp>
+        <p:nvCxnSpPr>
+          <p:cNvPr id="51" name="Straight Arrow Connector 50"/>
+          <p:cNvCxnSpPr>
+            <a:stCxn id="35" idx="3"/>
+            <a:endCxn id="49" idx="1"/>
+          </p:cNvCxnSpPr>
+          <p:nvPr/>
+        </p:nvCxnSpPr>
+        <p:spPr>
+          <a:xfrm flipV="1">
+            <a:off x="7266959" y="3363294"/>
+            <a:ext cx="414720" cy="7694"/>
+          </a:xfrm>
+          <a:prstGeom prst="straightConnector1">
+            <a:avLst/>
+          </a:prstGeom>
+          <a:ln w="15875">
+            <a:tailEnd type="arrow"/>
+          </a:ln>
+        </p:spPr>
+        <p:style>
+          <a:lnRef idx="1">
+            <a:schemeClr val="accent1"/>
+          </a:lnRef>
+          <a:fillRef idx="0">
+            <a:schemeClr val="accent1"/>
+          </a:fillRef>
+          <a:effectRef idx="0">
+            <a:schemeClr val="accent1"/>
+          </a:effectRef>
+          <a:fontRef idx="minor">
+            <a:schemeClr val="tx1"/>
+          </a:fontRef>
+        </p:style>
+      </p:cxnSp>
+      <p:cxnSp>
+        <p:nvCxnSpPr>
+          <p:cNvPr id="61" name="Straight Connector 60"/>
+          <p:cNvCxnSpPr/>
+          <p:nvPr/>
+        </p:nvCxnSpPr>
+        <p:spPr>
+          <a:xfrm rot="10800000">
+            <a:off x="8649359" y="3355532"/>
+            <a:ext cx="207360" cy="1441"/>
+          </a:xfrm>
+          <a:prstGeom prst="line">
+            <a:avLst/>
+          </a:prstGeom>
+          <a:ln w="15875"/>
+        </p:spPr>
+        <p:style>
+          <a:lnRef idx="1">
+            <a:schemeClr val="accent1"/>
+          </a:lnRef>
+          <a:fillRef idx="0">
+            <a:schemeClr val="accent1"/>
+          </a:fillRef>
+          <a:effectRef idx="0">
+            <a:schemeClr val="accent1"/>
+          </a:effectRef>
+          <a:fontRef idx="minor">
+            <a:schemeClr val="tx1"/>
+          </a:fontRef>
+        </p:style>
+      </p:cxnSp>
+      <p:cxnSp>
+        <p:nvCxnSpPr>
+          <p:cNvPr id="63" name="Straight Connector 62"/>
+          <p:cNvCxnSpPr/>
+          <p:nvPr/>
+        </p:nvCxnSpPr>
+        <p:spPr>
+          <a:xfrm rot="5400000">
+            <a:off x="8061756" y="4152078"/>
+            <a:ext cx="1589927" cy="1440"/>
+          </a:xfrm>
+          <a:prstGeom prst="line">
+            <a:avLst/>
+          </a:prstGeom>
+          <a:ln w="15875"/>
+        </p:spPr>
+        <p:style>
+          <a:lnRef idx="1">
+            <a:schemeClr val="accent1"/>
+          </a:lnRef>
+          <a:fillRef idx="0">
+            <a:schemeClr val="accent1"/>
+          </a:fillRef>
+          <a:effectRef idx="0">
+            <a:schemeClr val="accent1"/>
+          </a:effectRef>
+          <a:fontRef idx="minor">
+            <a:schemeClr val="tx1"/>
+          </a:fontRef>
+        </p:style>
+      </p:cxnSp>
+      <p:cxnSp>
+        <p:nvCxnSpPr>
+          <p:cNvPr id="65" name="Straight Connector 64"/>
+          <p:cNvCxnSpPr/>
+          <p:nvPr/>
+        </p:nvCxnSpPr>
+        <p:spPr>
+          <a:xfrm rot="10800000" flipV="1">
+            <a:off x="216719" y="4949202"/>
+            <a:ext cx="8640000" cy="19298"/>
+          </a:xfrm>
+          <a:prstGeom prst="line">
+            <a:avLst/>
+          </a:prstGeom>
+          <a:ln w="15875"/>
+        </p:spPr>
+        <p:style>
+          <a:lnRef idx="1">
+            <a:schemeClr val="accent1"/>
+          </a:lnRef>
+          <a:fillRef idx="0">
+            <a:schemeClr val="accent1"/>
+          </a:fillRef>
+          <a:effectRef idx="0">
+            <a:schemeClr val="accent1"/>
+          </a:effectRef>
+          <a:fontRef idx="minor">
+            <a:schemeClr val="tx1"/>
+          </a:fontRef>
+        </p:style>
+      </p:cxnSp>
+      <p:cxnSp>
+        <p:nvCxnSpPr>
+          <p:cNvPr id="67" name="Straight Connector 66"/>
+          <p:cNvCxnSpPr/>
+          <p:nvPr/>
+        </p:nvCxnSpPr>
+        <p:spPr>
+          <a:xfrm rot="5400000" flipH="1" flipV="1">
+            <a:off x="-577524" y="4172816"/>
+            <a:ext cx="1589927" cy="1440"/>
+          </a:xfrm>
+          <a:prstGeom prst="line">
+            <a:avLst/>
+          </a:prstGeom>
+          <a:ln w="15875"/>
+        </p:spPr>
+        <p:style>
+          <a:lnRef idx="1">
+            <a:schemeClr val="accent1"/>
+          </a:lnRef>
+          <a:fillRef idx="0">
+            <a:schemeClr val="accent1"/>
+          </a:fillRef>
+          <a:effectRef idx="0">
+            <a:schemeClr val="accent1"/>
+          </a:effectRef>
+          <a:fontRef idx="minor">
+            <a:schemeClr val="tx1"/>
+          </a:fontRef>
+        </p:style>
+      </p:cxnSp>
+      <p:cxnSp>
+        <p:nvCxnSpPr>
+          <p:cNvPr id="69" name="Straight Arrow Connector 68"/>
+          <p:cNvCxnSpPr/>
+          <p:nvPr/>
+        </p:nvCxnSpPr>
+        <p:spPr>
+          <a:xfrm>
+            <a:off x="216719" y="3378573"/>
+            <a:ext cx="829440" cy="1441"/>
+          </a:xfrm>
+          <a:prstGeom prst="straightConnector1">
+            <a:avLst/>
+          </a:prstGeom>
+          <a:ln w="15875">
+            <a:tailEnd type="arrow"/>
+          </a:ln>
+        </p:spPr>
+        <p:style>
+          <a:lnRef idx="1">
+            <a:schemeClr val="accent1"/>
+          </a:lnRef>
+          <a:fillRef idx="0">
+            <a:schemeClr val="accent1"/>
+          </a:fillRef>
+          <a:effectRef idx="0">
+            <a:schemeClr val="accent1"/>
+          </a:effectRef>
+          <a:fontRef idx="minor">
+            <a:schemeClr val="tx1"/>
+          </a:fontRef>
+        </p:style>
+      </p:cxnSp>
+      <p:cxnSp>
+        <p:nvCxnSpPr>
+          <p:cNvPr id="73" name="Straight Arrow Connector 72"/>
+          <p:cNvCxnSpPr/>
+          <p:nvPr/>
+        </p:nvCxnSpPr>
+        <p:spPr>
+          <a:xfrm>
+            <a:off x="216719" y="3862463"/>
+            <a:ext cx="829440" cy="1441"/>
+          </a:xfrm>
+          <a:prstGeom prst="straightConnector1">
+            <a:avLst/>
+          </a:prstGeom>
+          <a:ln w="15875">
+            <a:tailEnd type="arrow"/>
+          </a:ln>
+        </p:spPr>
+        <p:style>
+          <a:lnRef idx="1">
+            <a:schemeClr val="accent1"/>
+          </a:lnRef>
+          <a:fillRef idx="0">
+            <a:schemeClr val="accent1"/>
+          </a:fillRef>
+          <a:effectRef idx="0">
+            <a:schemeClr val="accent1"/>
+          </a:effectRef>
+          <a:fontRef idx="minor">
+            <a:schemeClr val="tx1"/>
+          </a:fontRef>
+        </p:style>
+      </p:cxnSp>
+      <p:cxnSp>
+        <p:nvCxnSpPr>
+          <p:cNvPr id="85" name="Straight Arrow Connector 84"/>
+          <p:cNvCxnSpPr/>
+          <p:nvPr/>
+        </p:nvCxnSpPr>
+        <p:spPr>
+          <a:xfrm>
+            <a:off x="2152079" y="3516827"/>
+            <a:ext cx="552960" cy="1441"/>
+          </a:xfrm>
+          <a:prstGeom prst="straightConnector1">
+            <a:avLst/>
+          </a:prstGeom>
+          <a:ln w="15875">
+            <a:tailEnd type="arrow"/>
+          </a:ln>
+        </p:spPr>
+        <p:style>
+          <a:lnRef idx="1">
+            <a:schemeClr val="accent1"/>
+          </a:lnRef>
+          <a:fillRef idx="0">
+            <a:schemeClr val="accent1"/>
+          </a:fillRef>
+          <a:effectRef idx="0">
+            <a:schemeClr val="accent1"/>
+          </a:effectRef>
+          <a:fontRef idx="minor">
+            <a:schemeClr val="tx1"/>
+          </a:fontRef>
+        </p:style>
+      </p:cxnSp>
+      <p:sp>
+        <p:nvSpPr>
+          <p:cNvPr id="86" name="TextBox 85"/>
+          <p:cNvSpPr txBox="1"/>
+          <p:nvPr/>
+        </p:nvSpPr>
+        <p:spPr>
+          <a:xfrm>
+            <a:off x="216720" y="3226493"/>
+            <a:ext cx="760765" cy="195447"/>
+          </a:xfrm>
+          <a:prstGeom prst="rect">
+            <a:avLst/>
+          </a:prstGeom>
+          <a:noFill/>
+        </p:spPr>
+        <p:txBody>
+          <a:bodyPr wrap="none" lIns="82945" tIns="41473" rIns="82945" bIns="41473" rtlCol="0">
+            <a:spAutoFit/>
+          </a:bodyPr>
+          <a:lstStyle/>
+          <a:p>
+            <a:pPr algn="ctr"/>
+            <a:r>
+              <a:rPr lang="en-US" sz="700" b="1" dirty="0" smtClean="0"/>
+              <a:t>Acc. Sensors</a:t>
+            </a:r>
+            <a:endParaRPr lang="tr-TR" sz="700" b="1" dirty="0"/>
+          </a:p>
+        </p:txBody>
+      </p:sp>
+      <p:sp>
+        <p:nvSpPr>
+          <p:cNvPr id="87" name="TextBox 86"/>
+          <p:cNvSpPr txBox="1"/>
+          <p:nvPr/>
+        </p:nvSpPr>
+        <p:spPr>
+          <a:xfrm>
+            <a:off x="195983" y="3468438"/>
+            <a:ext cx="807296" cy="195447"/>
+          </a:xfrm>
+          <a:prstGeom prst="rect">
+            <a:avLst/>
+          </a:prstGeom>
+          <a:noFill/>
+        </p:spPr>
+        <p:txBody>
+          <a:bodyPr wrap="none" lIns="82945" tIns="41473" rIns="82945" bIns="41473" rtlCol="0">
+            <a:spAutoFit/>
+          </a:bodyPr>
+          <a:lstStyle/>
+          <a:p>
+            <a:pPr algn="ctr"/>
+            <a:r>
+              <a:rPr lang="en-US" sz="700" b="1" dirty="0" smtClean="0"/>
+              <a:t>Gyro Sensors</a:t>
+            </a:r>
+            <a:endParaRPr lang="tr-TR" sz="700" b="1" dirty="0"/>
+          </a:p>
+        </p:txBody>
+      </p:sp>
+      <p:cxnSp>
+        <p:nvCxnSpPr>
+          <p:cNvPr id="91" name="Straight Arrow Connector 90"/>
+          <p:cNvCxnSpPr/>
+          <p:nvPr/>
+        </p:nvCxnSpPr>
+        <p:spPr>
+          <a:xfrm>
+            <a:off x="216719" y="3620518"/>
+            <a:ext cx="829440" cy="1441"/>
+          </a:xfrm>
+          <a:prstGeom prst="straightConnector1">
+            <a:avLst/>
+          </a:prstGeom>
+          <a:ln w="15875">
+            <a:tailEnd type="arrow"/>
+          </a:ln>
+        </p:spPr>
+        <p:style>
+          <a:lnRef idx="1">
+            <a:schemeClr val="accent1"/>
+          </a:lnRef>
+          <a:fillRef idx="0">
+            <a:schemeClr val="accent1"/>
+          </a:fillRef>
+          <a:effectRef idx="0">
+            <a:schemeClr val="accent1"/>
+          </a:effectRef>
+          <a:fontRef idx="minor">
+            <a:schemeClr val="tx1"/>
+          </a:fontRef>
+        </p:style>
+      </p:cxnSp>
+      <p:sp>
+        <p:nvSpPr>
+          <p:cNvPr id="93" name="TextBox 92"/>
+          <p:cNvSpPr txBox="1"/>
+          <p:nvPr/>
+        </p:nvSpPr>
+        <p:spPr>
+          <a:xfrm>
+            <a:off x="230543" y="3710384"/>
+            <a:ext cx="783063" cy="191478"/>
+          </a:xfrm>
+          <a:prstGeom prst="rect">
+            <a:avLst/>
+          </a:prstGeom>
+          <a:noFill/>
+        </p:spPr>
+        <p:txBody>
+          <a:bodyPr wrap="none" lIns="82945" tIns="41473" rIns="82945" bIns="41473" rtlCol="0">
+            <a:spAutoFit/>
+          </a:bodyPr>
+          <a:lstStyle/>
+          <a:p>
+            <a:pPr algn="ctr"/>
+            <a:r>
+              <a:rPr lang="en-US" sz="700" b="1" dirty="0" smtClean="0"/>
+              <a:t>Mag. Sensors</a:t>
+            </a:r>
+            <a:endParaRPr lang="tr-TR" sz="700" b="1" dirty="0"/>
+          </a:p>
+        </p:txBody>
+      </p:sp>
+      <p:sp>
+        <p:nvSpPr>
+          <p:cNvPr id="95" name="TextBox 94"/>
+          <p:cNvSpPr txBox="1"/>
+          <p:nvPr/>
+        </p:nvSpPr>
+        <p:spPr>
+          <a:xfrm>
+            <a:off x="1232784" y="1629653"/>
+            <a:ext cx="1045957" cy="191478"/>
+          </a:xfrm>
+          <a:prstGeom prst="rect">
+            <a:avLst/>
+          </a:prstGeom>
+          <a:noFill/>
+        </p:spPr>
+        <p:txBody>
+          <a:bodyPr wrap="none" lIns="82945" tIns="41473" rIns="82945" bIns="41473" rtlCol="0">
+            <a:spAutoFit/>
+          </a:bodyPr>
+          <a:lstStyle/>
+          <a:p>
+            <a:pPr algn="ctr"/>
+            <a:r>
+              <a:rPr lang="en-US" sz="700" b="1" dirty="0" smtClean="0"/>
+              <a:t>Ultrasonic Sensors</a:t>
+            </a:r>
+            <a:endParaRPr lang="tr-TR" sz="700" b="1" dirty="0"/>
+          </a:p>
+        </p:txBody>
+      </p:sp>
+      <p:cxnSp>
+        <p:nvCxnSpPr>
+          <p:cNvPr id="99" name="Straight Arrow Connector 98"/>
+          <p:cNvCxnSpPr/>
+          <p:nvPr/>
+        </p:nvCxnSpPr>
+        <p:spPr>
+          <a:xfrm>
+            <a:off x="1460879" y="1788646"/>
+            <a:ext cx="829440" cy="1441"/>
+          </a:xfrm>
+          <a:prstGeom prst="straightConnector1">
+            <a:avLst/>
+          </a:prstGeom>
+          <a:ln w="15875">
+            <a:tailEnd type="arrow"/>
+          </a:ln>
+        </p:spPr>
+        <p:style>
+          <a:lnRef idx="1">
+            <a:schemeClr val="accent1"/>
+          </a:lnRef>
+          <a:fillRef idx="0">
+            <a:schemeClr val="accent1"/>
+          </a:fillRef>
+          <a:effectRef idx="0">
+            <a:schemeClr val="accent1"/>
+          </a:effectRef>
+          <a:fontRef idx="minor">
+            <a:schemeClr val="tx1"/>
+          </a:fontRef>
+        </p:style>
+      </p:cxnSp>
+      <p:cxnSp>
+        <p:nvCxnSpPr>
+          <p:cNvPr id="102" name="Straight Connector 101"/>
+          <p:cNvCxnSpPr/>
+          <p:nvPr/>
+        </p:nvCxnSpPr>
+        <p:spPr>
+          <a:xfrm rot="16200000" flipH="1">
+            <a:off x="3549667" y="3224927"/>
+            <a:ext cx="3882542" cy="42198"/>
+          </a:xfrm>
+          <a:prstGeom prst="line">
+            <a:avLst/>
+          </a:prstGeom>
+          <a:ln w="22225">
+            <a:solidFill>
+              <a:srgbClr val="FF0000"/>
+            </a:solidFill>
+            <a:prstDash val="dashDot"/>
+          </a:ln>
+        </p:spPr>
+        <p:style>
+          <a:lnRef idx="1">
+            <a:schemeClr val="accent1"/>
+          </a:lnRef>
+          <a:fillRef idx="0">
+            <a:schemeClr val="accent1"/>
+          </a:fillRef>
+          <a:effectRef idx="0">
+            <a:schemeClr val="accent1"/>
+          </a:effectRef>
+          <a:fontRef idx="minor">
+            <a:schemeClr val="tx1"/>
+          </a:fontRef>
+        </p:style>
+      </p:cxnSp>
+      <p:sp>
+        <p:nvSpPr>
+          <p:cNvPr id="103" name="TextBox 102"/>
+          <p:cNvSpPr txBox="1"/>
+          <p:nvPr/>
+        </p:nvSpPr>
+        <p:spPr>
+          <a:xfrm>
+            <a:off x="1875599" y="1166501"/>
+            <a:ext cx="2073600" cy="283811"/>
+          </a:xfrm>
+          <a:prstGeom prst="rect">
+            <a:avLst/>
+          </a:prstGeom>
+          <a:noFill/>
+        </p:spPr>
+        <p:txBody>
+          <a:bodyPr wrap="square" lIns="82945" tIns="41473" rIns="82945" bIns="41473" rtlCol="0">
+            <a:spAutoFit/>
+          </a:bodyPr>
+          <a:lstStyle/>
+          <a:p>
+            <a:r>
+              <a:rPr lang="en-US" sz="1300" dirty="0" smtClean="0"/>
+              <a:t>LOCAL POSITIONING</a:t>
+            </a:r>
+            <a:endParaRPr lang="tr-TR" sz="1300" dirty="0"/>
+          </a:p>
+        </p:txBody>
+      </p:sp>
+      <p:sp>
+        <p:nvSpPr>
+          <p:cNvPr id="104" name="TextBox 103"/>
+          <p:cNvSpPr txBox="1"/>
+          <p:nvPr/>
+        </p:nvSpPr>
+        <p:spPr>
+          <a:xfrm>
+            <a:off x="6299279" y="1166501"/>
+            <a:ext cx="2211840" cy="283811"/>
+          </a:xfrm>
+          <a:prstGeom prst="rect">
+            <a:avLst/>
+          </a:prstGeom>
+          <a:noFill/>
+        </p:spPr>
+        <p:txBody>
+          <a:bodyPr wrap="square" lIns="82945" tIns="41473" rIns="82945" bIns="41473" rtlCol="0">
+            <a:spAutoFit/>
+          </a:bodyPr>
+          <a:lstStyle/>
+          <a:p>
+            <a:r>
+              <a:rPr lang="en-US" sz="1300" dirty="0" smtClean="0"/>
+              <a:t>FORMATION CONTROL</a:t>
+            </a:r>
+            <a:endParaRPr lang="tr-TR" sz="1300" dirty="0"/>
+          </a:p>
+        </p:txBody>
+      </p:sp>
+      <p:cxnSp>
+        <p:nvCxnSpPr>
+          <p:cNvPr id="105" name="Straight Connector 104"/>
+          <p:cNvCxnSpPr/>
+          <p:nvPr/>
+        </p:nvCxnSpPr>
+        <p:spPr>
+          <a:xfrm>
+            <a:off x="2113472" y="2130725"/>
+            <a:ext cx="181154" cy="1588"/>
+          </a:xfrm>
+          <a:prstGeom prst="line">
+            <a:avLst/>
+          </a:prstGeom>
+          <a:ln w="15875"/>
+        </p:spPr>
+        <p:style>
+          <a:lnRef idx="1">
+            <a:schemeClr val="accent1"/>
+          </a:lnRef>
+          <a:fillRef idx="0">
+            <a:schemeClr val="accent1"/>
+          </a:fillRef>
+          <a:effectRef idx="0">
+            <a:schemeClr val="accent1"/>
+          </a:effectRef>
+          <a:fontRef idx="minor">
+            <a:schemeClr val="tx1"/>
+          </a:fontRef>
+        </p:style>
+      </p:cxnSp>
     </p:spTree>
   </p:cSld>
   <p:clrMapOvr>

--- a/sunum2.pptx
+++ b/sunum2.pptx
@@ -118,6 +118,22 @@
       </a:defRPr>
     </a:lvl9pPr>
   </p:defaultTextStyle>
+  <p:extLst>
+    <p:ext uri="{EFAFB233-063F-42B5-8137-9DF3F51BA10A}">
+      <p15:sldGuideLst xmlns:p15="http://schemas.microsoft.com/office/powerpoint/2012/main">
+        <p15:guide id="1" orient="horz" pos="2160">
+          <p15:clr>
+            <a:srgbClr val="A4A3A4"/>
+          </p15:clr>
+        </p15:guide>
+        <p15:guide id="2" pos="2880">
+          <p15:clr>
+            <a:srgbClr val="A4A3A4"/>
+          </p15:clr>
+        </p15:guide>
+      </p15:sldGuideLst>
+    </p:ext>
+  </p:extLst>
 </p:presentation>
 </file>
 
@@ -780,7 +796,7 @@
             <a:fld id="{1D8BD707-D9CF-40AE-B4C6-C98DA3205C09}" type="datetimeFigureOut">
               <a:rPr lang="en-US" smtClean="0"/>
               <a:pPr/>
-              <a:t>2/21/2016</a:t>
+              <a:t>4/23/2016</a:t>
             </a:fld>
             <a:endParaRPr lang="en-US"/>
           </a:p>
@@ -965,7 +981,7 @@
             <a:fld id="{1D8BD707-D9CF-40AE-B4C6-C98DA3205C09}" type="datetimeFigureOut">
               <a:rPr lang="en-US" smtClean="0"/>
               <a:pPr/>
-              <a:t>2/21/2016</a:t>
+              <a:t>4/23/2016</a:t>
             </a:fld>
             <a:endParaRPr lang="en-US"/>
           </a:p>
@@ -1142,7 +1158,7 @@
             <a:fld id="{1D8BD707-D9CF-40AE-B4C6-C98DA3205C09}" type="datetimeFigureOut">
               <a:rPr lang="en-US" smtClean="0"/>
               <a:pPr/>
-              <a:t>2/21/2016</a:t>
+              <a:t>4/23/2016</a:t>
             </a:fld>
             <a:endParaRPr lang="en-US"/>
           </a:p>
@@ -1309,7 +1325,7 @@
             <a:fld id="{1D8BD707-D9CF-40AE-B4C6-C98DA3205C09}" type="datetimeFigureOut">
               <a:rPr lang="en-US" smtClean="0"/>
               <a:pPr/>
-              <a:t>2/21/2016</a:t>
+              <a:t>4/23/2016</a:t>
             </a:fld>
             <a:endParaRPr lang="en-US"/>
           </a:p>
@@ -1532,7 +1548,7 @@
             <a:fld id="{1D8BD707-D9CF-40AE-B4C6-C98DA3205C09}" type="datetimeFigureOut">
               <a:rPr lang="en-US" smtClean="0"/>
               <a:pPr/>
-              <a:t>2/21/2016</a:t>
+              <a:t>4/23/2016</a:t>
             </a:fld>
             <a:endParaRPr lang="en-US"/>
           </a:p>
@@ -1793,7 +1809,7 @@
             <a:fld id="{1D8BD707-D9CF-40AE-B4C6-C98DA3205C09}" type="datetimeFigureOut">
               <a:rPr lang="en-US" smtClean="0"/>
               <a:pPr/>
-              <a:t>2/21/2016</a:t>
+              <a:t>4/23/2016</a:t>
             </a:fld>
             <a:endParaRPr lang="en-US"/>
           </a:p>
@@ -2199,7 +2215,7 @@
             <a:fld id="{1D8BD707-D9CF-40AE-B4C6-C98DA3205C09}" type="datetimeFigureOut">
               <a:rPr lang="en-US" smtClean="0"/>
               <a:pPr/>
-              <a:t>2/21/2016</a:t>
+              <a:t>4/23/2016</a:t>
             </a:fld>
             <a:endParaRPr lang="en-US"/>
           </a:p>
@@ -2332,7 +2348,7 @@
             <a:fld id="{1D8BD707-D9CF-40AE-B4C6-C98DA3205C09}" type="datetimeFigureOut">
               <a:rPr lang="en-US" smtClean="0"/>
               <a:pPr/>
-              <a:t>2/21/2016</a:t>
+              <a:t>4/23/2016</a:t>
             </a:fld>
             <a:endParaRPr lang="en-US"/>
           </a:p>
@@ -2434,7 +2450,7 @@
             <a:fld id="{1D8BD707-D9CF-40AE-B4C6-C98DA3205C09}" type="datetimeFigureOut">
               <a:rPr lang="en-US" smtClean="0"/>
               <a:pPr/>
-              <a:t>2/21/2016</a:t>
+              <a:t>4/23/2016</a:t>
             </a:fld>
             <a:endParaRPr lang="en-US"/>
           </a:p>
@@ -2681,7 +2697,7 @@
             <a:fld id="{1D8BD707-D9CF-40AE-B4C6-C98DA3205C09}" type="datetimeFigureOut">
               <a:rPr lang="en-US" smtClean="0"/>
               <a:pPr/>
-              <a:t>2/21/2016</a:t>
+              <a:t>4/23/2016</a:t>
             </a:fld>
             <a:endParaRPr lang="en-US"/>
           </a:p>
@@ -2927,7 +2943,7 @@
             <a:fld id="{1D8BD707-D9CF-40AE-B4C6-C98DA3205C09}" type="datetimeFigureOut">
               <a:rPr lang="en-US" smtClean="0"/>
               <a:pPr/>
-              <a:t>2/21/2016</a:t>
+              <a:t>4/23/2016</a:t>
             </a:fld>
             <a:endParaRPr lang="en-US"/>
           </a:p>
@@ -3753,7 +3769,7 @@
             <a:fld id="{1D8BD707-D9CF-40AE-B4C6-C98DA3205C09}" type="datetimeFigureOut">
               <a:rPr lang="en-US" smtClean="0"/>
               <a:pPr/>
-              <a:t>2/21/2016</a:t>
+              <a:t>4/23/2016</a:t>
             </a:fld>
             <a:endParaRPr lang="en-US"/>
           </a:p>
@@ -18137,7 +18153,7 @@
         </p:blipFill>
         <p:spPr bwMode="auto">
           <a:xfrm>
-            <a:off x="1447800" y="2667000"/>
+            <a:off x="1657350" y="3053048"/>
             <a:ext cx="2819400" cy="399479"/>
           </a:xfrm>
           <a:prstGeom prst="rect">
